--- a/ckd_process/kidney_disease_ppt.pptx
+++ b/ckd_process/kidney_disease_ppt.pptx
@@ -18,23 +18,23 @@
     <p:sldId id="272" r:id="rId9"/>
     <p:sldId id="258" r:id="rId10"/>
     <p:sldId id="264" r:id="rId11"/>
-    <p:sldId id="267" r:id="rId12"/>
-    <p:sldId id="266" r:id="rId13"/>
+    <p:sldId id="266" r:id="rId12"/>
+    <p:sldId id="267" r:id="rId13"/>
     <p:sldId id="282" r:id="rId14"/>
     <p:sldId id="275" r:id="rId15"/>
     <p:sldId id="284" r:id="rId16"/>
-    <p:sldId id="285" r:id="rId17"/>
-    <p:sldId id="283" r:id="rId18"/>
-    <p:sldId id="277" r:id="rId19"/>
-    <p:sldId id="278" r:id="rId20"/>
-    <p:sldId id="276" r:id="rId21"/>
-    <p:sldId id="270" r:id="rId22"/>
-    <p:sldId id="288" r:id="rId23"/>
-    <p:sldId id="289" r:id="rId24"/>
-    <p:sldId id="290" r:id="rId25"/>
-    <p:sldId id="291" r:id="rId26"/>
-    <p:sldId id="292" r:id="rId27"/>
-    <p:sldId id="293" r:id="rId28"/>
+    <p:sldId id="283" r:id="rId17"/>
+    <p:sldId id="277" r:id="rId18"/>
+    <p:sldId id="278" r:id="rId19"/>
+    <p:sldId id="276" r:id="rId20"/>
+    <p:sldId id="270" r:id="rId21"/>
+    <p:sldId id="288" r:id="rId22"/>
+    <p:sldId id="289" r:id="rId23"/>
+    <p:sldId id="290" r:id="rId24"/>
+    <p:sldId id="291" r:id="rId25"/>
+    <p:sldId id="292" r:id="rId26"/>
+    <p:sldId id="293" r:id="rId27"/>
+    <p:sldId id="285" r:id="rId28"/>
   </p:sldIdLst>
   <p:sldSz cx="18288000" cy="10287000"/>
   <p:notesSz cx="6858000" cy="9144000"/>
@@ -2261,7 +2261,7 @@
     </p:spTree>
     <p:extLst>
       <p:ext uri="{BB962C8B-B14F-4D97-AF65-F5344CB8AC3E}">
-        <p14:creationId xmlns:p14="http://schemas.microsoft.com/office/powerpoint/2010/main" val="3258520254"/>
+        <p14:creationId xmlns:p14="http://schemas.microsoft.com/office/powerpoint/2010/main" val="3213782962"/>
       </p:ext>
     </p:extLst>
   </p:cSld>
@@ -2411,7 +2411,7 @@
           <a:p>
             <a:r>
               <a:rPr lang="en-US"/>
-              <a:t>3</a:t>
+              <a:t>1</a:t>
             </a:r>
           </a:p>
         </p:txBody>
@@ -2484,7 +2484,7 @@
     </p:spTree>
     <p:extLst>
       <p:ext uri="{BB962C8B-B14F-4D97-AF65-F5344CB8AC3E}">
-        <p14:creationId xmlns:p14="http://schemas.microsoft.com/office/powerpoint/2010/main" val="3213782962"/>
+        <p14:creationId xmlns:p14="http://schemas.microsoft.com/office/powerpoint/2010/main" val="1586004439"/>
       </p:ext>
     </p:extLst>
   </p:cSld>
@@ -2634,7 +2634,7 @@
           <a:p>
             <a:r>
               <a:rPr lang="en-US"/>
-              <a:t>1</a:t>
+              <a:t>3</a:t>
             </a:r>
           </a:p>
         </p:txBody>
@@ -2707,7 +2707,7 @@
     </p:spTree>
     <p:extLst>
       <p:ext uri="{BB962C8B-B14F-4D97-AF65-F5344CB8AC3E}">
-        <p14:creationId xmlns:p14="http://schemas.microsoft.com/office/powerpoint/2010/main" val="1586004439"/>
+        <p14:creationId xmlns:p14="http://schemas.microsoft.com/office/powerpoint/2010/main" val="3646288701"/>
       </p:ext>
     </p:extLst>
   </p:cSld>
@@ -2930,7 +2930,7 @@
     </p:spTree>
     <p:extLst>
       <p:ext uri="{BB962C8B-B14F-4D97-AF65-F5344CB8AC3E}">
-        <p14:creationId xmlns:p14="http://schemas.microsoft.com/office/powerpoint/2010/main" val="3646288701"/>
+        <p14:creationId xmlns:p14="http://schemas.microsoft.com/office/powerpoint/2010/main" val="709312060"/>
       </p:ext>
     </p:extLst>
   </p:cSld>
@@ -3376,7 +3376,7 @@
     </p:spTree>
     <p:extLst>
       <p:ext uri="{BB962C8B-B14F-4D97-AF65-F5344CB8AC3E}">
-        <p14:creationId xmlns:p14="http://schemas.microsoft.com/office/powerpoint/2010/main" val="709312060"/>
+        <p14:creationId xmlns:p14="http://schemas.microsoft.com/office/powerpoint/2010/main" val="1388914314"/>
       </p:ext>
     </p:extLst>
   </p:cSld>
@@ -3599,7 +3599,7 @@
     </p:spTree>
     <p:extLst>
       <p:ext uri="{BB962C8B-B14F-4D97-AF65-F5344CB8AC3E}">
-        <p14:creationId xmlns:p14="http://schemas.microsoft.com/office/powerpoint/2010/main" val="1388914314"/>
+        <p14:creationId xmlns:p14="http://schemas.microsoft.com/office/powerpoint/2010/main" val="3529726037"/>
       </p:ext>
     </p:extLst>
   </p:cSld>
@@ -3822,7 +3822,7 @@
     </p:spTree>
     <p:extLst>
       <p:ext uri="{BB962C8B-B14F-4D97-AF65-F5344CB8AC3E}">
-        <p14:creationId xmlns:p14="http://schemas.microsoft.com/office/powerpoint/2010/main" val="3529726037"/>
+        <p14:creationId xmlns:p14="http://schemas.microsoft.com/office/powerpoint/2010/main" val="207979381"/>
       </p:ext>
     </p:extLst>
   </p:cSld>
@@ -4045,7 +4045,7 @@
     </p:spTree>
     <p:extLst>
       <p:ext uri="{BB962C8B-B14F-4D97-AF65-F5344CB8AC3E}">
-        <p14:creationId xmlns:p14="http://schemas.microsoft.com/office/powerpoint/2010/main" val="207979381"/>
+        <p14:creationId xmlns:p14="http://schemas.microsoft.com/office/powerpoint/2010/main" val="2583077700"/>
       </p:ext>
     </p:extLst>
   </p:cSld>
@@ -4268,7 +4268,7 @@
     </p:spTree>
     <p:extLst>
       <p:ext uri="{BB962C8B-B14F-4D97-AF65-F5344CB8AC3E}">
-        <p14:creationId xmlns:p14="http://schemas.microsoft.com/office/powerpoint/2010/main" val="2583077700"/>
+        <p14:creationId xmlns:p14="http://schemas.microsoft.com/office/powerpoint/2010/main" val="1014304450"/>
       </p:ext>
     </p:extLst>
   </p:cSld>
@@ -4491,7 +4491,7 @@
     </p:spTree>
     <p:extLst>
       <p:ext uri="{BB962C8B-B14F-4D97-AF65-F5344CB8AC3E}">
-        <p14:creationId xmlns:p14="http://schemas.microsoft.com/office/powerpoint/2010/main" val="1014304450"/>
+        <p14:creationId xmlns:p14="http://schemas.microsoft.com/office/powerpoint/2010/main" val="1378124044"/>
       </p:ext>
     </p:extLst>
   </p:cSld>
@@ -4714,7 +4714,7 @@
     </p:spTree>
     <p:extLst>
       <p:ext uri="{BB962C8B-B14F-4D97-AF65-F5344CB8AC3E}">
-        <p14:creationId xmlns:p14="http://schemas.microsoft.com/office/powerpoint/2010/main" val="1378124044"/>
+        <p14:creationId xmlns:p14="http://schemas.microsoft.com/office/powerpoint/2010/main" val="2582398869"/>
       </p:ext>
     </p:extLst>
   </p:cSld>
@@ -4937,7 +4937,7 @@
     </p:spTree>
     <p:extLst>
       <p:ext uri="{BB962C8B-B14F-4D97-AF65-F5344CB8AC3E}">
-        <p14:creationId xmlns:p14="http://schemas.microsoft.com/office/powerpoint/2010/main" val="2582398869"/>
+        <p14:creationId xmlns:p14="http://schemas.microsoft.com/office/powerpoint/2010/main" val="3258520254"/>
       </p:ext>
     </p:extLst>
   </p:cSld>
@@ -10054,8 +10054,8 @@
         </p:nvSpPr>
         <p:spPr>
           <a:xfrm>
-            <a:off x="1295400" y="8534400"/>
-            <a:ext cx="15697200" cy="1231106"/>
+            <a:off x="1202694" y="8458421"/>
+            <a:ext cx="15882612" cy="1092543"/>
           </a:xfrm>
           <a:prstGeom prst="rect">
             <a:avLst/>
@@ -10069,11 +10069,11 @@
           <a:p>
             <a:pPr>
               <a:lnSpc>
-                <a:spcPts val="4750"/>
+                <a:spcPts val="4375"/>
               </a:lnSpc>
             </a:pPr>
             <a:r>
-              <a:rPr lang="en-US" sz="4000" dirty="0">
+              <a:rPr lang="en-US" sz="3600" dirty="0">
                 <a:solidFill>
                   <a:srgbClr val="5B5F72"/>
                 </a:solidFill>
@@ -10082,17 +10082,17 @@
                 <a:cs typeface="Arimo Bold"/>
                 <a:sym typeface="Arimo Bold"/>
               </a:rPr>
-              <a:t>Change outliers to empty value(90%).  Delete row(Over 3 empty). </a:t>
+              <a:t>Change outliers to empty value(normal range). Delete row(Over 3 empty).</a:t>
             </a:r>
           </a:p>
           <a:p>
             <a:pPr algn="ctr">
               <a:lnSpc>
-                <a:spcPts val="4750"/>
+                <a:spcPts val="4375"/>
               </a:lnSpc>
             </a:pPr>
             <a:r>
-              <a:rPr lang="en-US" altLang="zh-TW" sz="4000" dirty="0">
+              <a:rPr lang="en-US" altLang="zh-TW" sz="3600" dirty="0">
                 <a:solidFill>
                   <a:srgbClr val="5B5F72"/>
                 </a:solidFill>
@@ -10104,7 +10104,7 @@
               <a:t>balance</a:t>
             </a:r>
             <a:r>
-              <a:rPr lang="zh-TW" altLang="en-US" sz="4000" dirty="0">
+              <a:rPr lang="zh-TW" altLang="en-US" sz="3600" dirty="0">
                 <a:solidFill>
                   <a:srgbClr val="5B5F72"/>
                 </a:solidFill>
@@ -10116,7 +10116,7 @@
               <a:t> </a:t>
             </a:r>
             <a:r>
-              <a:rPr lang="en-US" altLang="zh-TW" sz="4000" dirty="0">
+              <a:rPr lang="en-US" altLang="zh-TW" sz="3600" dirty="0">
                 <a:solidFill>
                   <a:srgbClr val="5B5F72"/>
                 </a:solidFill>
@@ -10125,21 +10125,9 @@
                 <a:cs typeface="Arimo Bold"/>
                 <a:sym typeface="Arimo Bold"/>
               </a:rPr>
-              <a:t>data(random).</a:t>
-            </a:r>
-            <a:r>
-              <a:rPr lang="zh-TW" altLang="en-US" sz="4000" dirty="0">
-                <a:solidFill>
-                  <a:srgbClr val="5B5F72"/>
-                </a:solidFill>
-                <a:latin typeface="Arimo Bold"/>
-                <a:ea typeface="Arimo Bold"/>
-                <a:cs typeface="Arimo Bold"/>
-                <a:sym typeface="Arimo Bold"/>
-              </a:rPr>
-              <a:t> </a:t>
-            </a:r>
-            <a:endParaRPr lang="en-US" sz="4000" dirty="0">
+              <a:t>data(random). </a:t>
+            </a:r>
+            <a:endParaRPr lang="en-US" sz="3600" dirty="0">
               <a:solidFill>
                 <a:srgbClr val="5B5F72"/>
               </a:solidFill>
@@ -10153,10 +10141,10 @@
       </p:sp>
       <p:pic>
         <p:nvPicPr>
-          <p:cNvPr id="5" name="圖片 4">
+          <p:cNvPr id="8" name="圖片 7">
             <a:extLst>
               <a:ext uri="{FF2B5EF4-FFF2-40B4-BE49-F238E27FC236}">
-                <a16:creationId xmlns:a16="http://schemas.microsoft.com/office/drawing/2014/main" id="{78B1465C-B349-8F93-7E38-2BEA0276F5A6}"/>
+                <a16:creationId xmlns:a16="http://schemas.microsoft.com/office/drawing/2014/main" id="{82CB16AB-5E9F-E153-0179-0792E1FFAC06}"/>
               </a:ext>
             </a:extLst>
           </p:cNvPr>
@@ -10173,8 +10161,8 @@
         </p:blipFill>
         <p:spPr>
           <a:xfrm>
-            <a:off x="914400" y="800100"/>
-            <a:ext cx="7409977" cy="6934200"/>
+            <a:off x="1202694" y="497278"/>
+            <a:ext cx="7391400" cy="7463865"/>
           </a:xfrm>
           <a:prstGeom prst="rect">
             <a:avLst/>
@@ -10183,10 +10171,10 @@
       </p:pic>
       <p:pic>
         <p:nvPicPr>
-          <p:cNvPr id="9" name="圖片 8">
+          <p:cNvPr id="5" name="圖片 4">
             <a:extLst>
               <a:ext uri="{FF2B5EF4-FFF2-40B4-BE49-F238E27FC236}">
-                <a16:creationId xmlns:a16="http://schemas.microsoft.com/office/drawing/2014/main" id="{ACC2D1BF-E942-3974-D04A-2FD7C62204FA}"/>
+                <a16:creationId xmlns:a16="http://schemas.microsoft.com/office/drawing/2014/main" id="{6225F1A8-790D-77C4-022F-71978E035B93}"/>
               </a:ext>
             </a:extLst>
           </p:cNvPr>
@@ -10197,13 +10185,13 @@
         </p:nvPicPr>
         <p:blipFill rotWithShape="1">
           <a:blip r:embed="rId5"/>
-          <a:srcRect r="15162"/>
+          <a:srcRect r="22787"/>
           <a:stretch/>
         </p:blipFill>
         <p:spPr>
           <a:xfrm>
-            <a:off x="8324377" y="1219200"/>
-            <a:ext cx="9963623" cy="6515100"/>
+            <a:off x="8594094" y="1638300"/>
+            <a:ext cx="9693906" cy="6322843"/>
           </a:xfrm>
           <a:prstGeom prst="rect">
             <a:avLst/>
@@ -10296,8 +10284,8 @@
         </p:nvSpPr>
         <p:spPr>
           <a:xfrm>
-            <a:off x="1202694" y="8458421"/>
-            <a:ext cx="15882612" cy="1656800"/>
+            <a:off x="1295400" y="8534400"/>
+            <a:ext cx="15697200" cy="1231106"/>
           </a:xfrm>
           <a:prstGeom prst="rect">
             <a:avLst/>
@@ -10311,11 +10299,11 @@
           <a:p>
             <a:pPr>
               <a:lnSpc>
-                <a:spcPts val="4375"/>
+                <a:spcPts val="4750"/>
               </a:lnSpc>
             </a:pPr>
             <a:r>
-              <a:rPr lang="en-US" sz="3600" dirty="0">
+              <a:rPr lang="en-US" sz="4000" dirty="0">
                 <a:solidFill>
                   <a:srgbClr val="5B5F72"/>
                 </a:solidFill>
@@ -10324,17 +10312,17 @@
                 <a:cs typeface="Arimo Bold"/>
                 <a:sym typeface="Arimo Bold"/>
               </a:rPr>
-              <a:t>Change outliers to empty value(normal range). Delete row(Over 3 empty).</a:t>
+              <a:t>Change outliers to empty value(90%).  Delete row(Over 3 empty). </a:t>
             </a:r>
           </a:p>
           <a:p>
             <a:pPr algn="ctr">
               <a:lnSpc>
-                <a:spcPts val="4375"/>
+                <a:spcPts val="4750"/>
               </a:lnSpc>
             </a:pPr>
             <a:r>
-              <a:rPr lang="en-US" altLang="zh-TW" sz="3600" dirty="0">
+              <a:rPr lang="en-US" altLang="zh-TW" sz="4000" dirty="0">
                 <a:solidFill>
                   <a:srgbClr val="5B5F72"/>
                 </a:solidFill>
@@ -10346,7 +10334,7 @@
               <a:t>balance</a:t>
             </a:r>
             <a:r>
-              <a:rPr lang="zh-TW" altLang="en-US" sz="3600" dirty="0">
+              <a:rPr lang="zh-TW" altLang="en-US" sz="4000" dirty="0">
                 <a:solidFill>
                   <a:srgbClr val="5B5F72"/>
                 </a:solidFill>
@@ -10358,7 +10346,7 @@
               <a:t> </a:t>
             </a:r>
             <a:r>
-              <a:rPr lang="en-US" altLang="zh-TW" sz="3600" dirty="0">
+              <a:rPr lang="en-US" altLang="zh-TW" sz="4000" dirty="0">
                 <a:solidFill>
                   <a:srgbClr val="5B5F72"/>
                 </a:solidFill>
@@ -10367,10 +10355,10 @@
                 <a:cs typeface="Arimo Bold"/>
                 <a:sym typeface="Arimo Bold"/>
               </a:rPr>
-              <a:t>data(random). Best</a:t>
-            </a:r>
-            <a:r>
-              <a:rPr lang="zh-TW" altLang="en-US" sz="3600" dirty="0">
+              <a:t>data(random).</a:t>
+            </a:r>
+            <a:r>
+              <a:rPr lang="zh-TW" altLang="en-US" sz="4000" dirty="0">
                 <a:solidFill>
                   <a:srgbClr val="5B5F72"/>
                 </a:solidFill>
@@ -10382,7 +10370,7 @@
               <a:t> </a:t>
             </a:r>
             <a:r>
-              <a:rPr lang="en-US" altLang="zh-TW" sz="3600" dirty="0">
+              <a:rPr lang="en-US" altLang="zh-TW" sz="4000" dirty="0">
                 <a:solidFill>
                   <a:srgbClr val="5B5F72"/>
                 </a:solidFill>
@@ -10391,33 +10379,41 @@
                 <a:cs typeface="Arimo Bold"/>
                 <a:sym typeface="Arimo Bold"/>
               </a:rPr>
+              <a:t>Best</a:t>
+            </a:r>
+            <a:r>
+              <a:rPr lang="zh-TW" altLang="en-US" sz="4000" dirty="0">
+                <a:solidFill>
+                  <a:srgbClr val="5B5F72"/>
+                </a:solidFill>
+                <a:latin typeface="Arimo Bold"/>
+                <a:ea typeface="Arimo Bold"/>
+                <a:cs typeface="Arimo Bold"/>
+                <a:sym typeface="Arimo Bold"/>
+              </a:rPr>
+              <a:t> </a:t>
+            </a:r>
+            <a:r>
+              <a:rPr lang="en-US" altLang="zh-TW" sz="4000" dirty="0">
+                <a:solidFill>
+                  <a:srgbClr val="5B5F72"/>
+                </a:solidFill>
+                <a:latin typeface="Arimo Bold"/>
+                <a:ea typeface="Arimo Bold"/>
+                <a:cs typeface="Arimo Bold"/>
+                <a:sym typeface="Arimo Bold"/>
+              </a:rPr>
               <a:t>of three version.</a:t>
             </a:r>
-          </a:p>
-          <a:p>
-            <a:pPr algn="ctr">
-              <a:lnSpc>
-                <a:spcPts val="4375"/>
-              </a:lnSpc>
-            </a:pPr>
-            <a:endParaRPr lang="en-US" sz="3600" dirty="0">
-              <a:solidFill>
-                <a:srgbClr val="5B5F72"/>
-              </a:solidFill>
-              <a:latin typeface="Arimo Bold"/>
-              <a:ea typeface="Arimo Bold"/>
-              <a:cs typeface="Arimo Bold"/>
-              <a:sym typeface="Arimo Bold"/>
-            </a:endParaRPr>
           </a:p>
         </p:txBody>
       </p:sp>
       <p:pic>
         <p:nvPicPr>
-          <p:cNvPr id="8" name="圖片 7">
+          <p:cNvPr id="5" name="圖片 4">
             <a:extLst>
               <a:ext uri="{FF2B5EF4-FFF2-40B4-BE49-F238E27FC236}">
-                <a16:creationId xmlns:a16="http://schemas.microsoft.com/office/drawing/2014/main" id="{82CB16AB-5E9F-E153-0179-0792E1FFAC06}"/>
+                <a16:creationId xmlns:a16="http://schemas.microsoft.com/office/drawing/2014/main" id="{78B1465C-B349-8F93-7E38-2BEA0276F5A6}"/>
               </a:ext>
             </a:extLst>
           </p:cNvPr>
@@ -10434,8 +10430,8 @@
         </p:blipFill>
         <p:spPr>
           <a:xfrm>
-            <a:off x="1202694" y="497278"/>
-            <a:ext cx="7391400" cy="7463865"/>
+            <a:off x="914400" y="800100"/>
+            <a:ext cx="7409977" cy="6934200"/>
           </a:xfrm>
           <a:prstGeom prst="rect">
             <a:avLst/>
@@ -10444,10 +10440,10 @@
       </p:pic>
       <p:pic>
         <p:nvPicPr>
-          <p:cNvPr id="5" name="圖片 4">
+          <p:cNvPr id="9" name="圖片 8">
             <a:extLst>
               <a:ext uri="{FF2B5EF4-FFF2-40B4-BE49-F238E27FC236}">
-                <a16:creationId xmlns:a16="http://schemas.microsoft.com/office/drawing/2014/main" id="{6225F1A8-790D-77C4-022F-71978E035B93}"/>
+                <a16:creationId xmlns:a16="http://schemas.microsoft.com/office/drawing/2014/main" id="{ACC2D1BF-E942-3974-D04A-2FD7C62204FA}"/>
               </a:ext>
             </a:extLst>
           </p:cNvPr>
@@ -10458,13 +10454,13 @@
         </p:nvPicPr>
         <p:blipFill rotWithShape="1">
           <a:blip r:embed="rId5"/>
-          <a:srcRect r="22787"/>
+          <a:srcRect r="15162"/>
           <a:stretch/>
         </p:blipFill>
         <p:spPr>
           <a:xfrm>
-            <a:off x="8594094" y="1638300"/>
-            <a:ext cx="9693906" cy="6322843"/>
+            <a:off x="8324377" y="1219200"/>
+            <a:ext cx="9963623" cy="6515100"/>
           </a:xfrm>
           <a:prstGeom prst="rect">
             <a:avLst/>
@@ -10778,7 +10774,31 @@
                 <a:cs typeface="Arimo Bold"/>
                 <a:sym typeface="Arimo Bold"/>
               </a:rPr>
-              <a:t>The main causes of diabetes is </a:t>
+              <a:t>The main causes of diabetes</a:t>
+            </a:r>
+            <a:r>
+              <a:rPr lang="en-US" altLang="zh-TW" sz="3200" dirty="0">
+                <a:solidFill>
+                  <a:srgbClr val="5B5F72"/>
+                </a:solidFill>
+                <a:latin typeface="Arimo Bold"/>
+                <a:ea typeface="Arimo Bold"/>
+                <a:cs typeface="Arimo Bold"/>
+                <a:sym typeface="Arimo Bold"/>
+              </a:rPr>
+              <a:t>(dm)</a:t>
+            </a:r>
+            <a:r>
+              <a:rPr lang="en-US" sz="3200" dirty="0">
+                <a:solidFill>
+                  <a:srgbClr val="5B5F72"/>
+                </a:solidFill>
+                <a:latin typeface="Arimo Bold"/>
+                <a:ea typeface="Arimo Bold"/>
+                <a:cs typeface="Arimo Bold"/>
+                <a:sym typeface="Arimo Bold"/>
+              </a:rPr>
+              <a:t> is </a:t>
             </a:r>
           </a:p>
           <a:p>
@@ -12143,8 +12163,8 @@
         </p:nvSpPr>
         <p:spPr>
           <a:xfrm>
-            <a:off x="609600" y="462624"/>
-            <a:ext cx="12344400" cy="908326"/>
+            <a:off x="762000" y="615486"/>
+            <a:ext cx="15621000" cy="888641"/>
           </a:xfrm>
           <a:prstGeom prst="rect">
             <a:avLst/>
@@ -12162,7 +12182,7 @@
               </a:lnSpc>
             </a:pPr>
             <a:r>
-              <a:rPr lang="en-US" sz="6075" dirty="0">
+              <a:rPr lang="en-US" altLang="zh-TW" sz="5400" dirty="0">
                 <a:solidFill>
                   <a:srgbClr val="5B5F72"/>
                 </a:solidFill>
@@ -12171,10 +12191,45 @@
                 <a:cs typeface="Arimo Bold"/>
                 <a:sym typeface="Arimo Bold"/>
               </a:rPr>
-              <a:t>Operating with </a:t>
-            </a:r>
-            <a:r>
-              <a:rPr lang="en-US" altLang="zh-TW" sz="6075" dirty="0">
+              <a:t>String value vs Numeric value</a:t>
+            </a:r>
+          </a:p>
+        </p:txBody>
+      </p:sp>
+      <p:sp>
+        <p:nvSpPr>
+          <p:cNvPr id="9" name="TextBox 4">
+            <a:extLst>
+              <a:ext uri="{FF2B5EF4-FFF2-40B4-BE49-F238E27FC236}">
+                <a16:creationId xmlns:a16="http://schemas.microsoft.com/office/drawing/2014/main" id="{C9A14215-7A5F-7A80-CCB2-CCFF9B50C3FA}"/>
+              </a:ext>
+            </a:extLst>
+          </p:cNvPr>
+          <p:cNvSpPr txBox="1"/>
+          <p:nvPr/>
+        </p:nvSpPr>
+        <p:spPr>
+          <a:xfrm>
+            <a:off x="1905000" y="9258300"/>
+            <a:ext cx="23337821" cy="516616"/>
+          </a:xfrm>
+          <a:prstGeom prst="rect">
+            <a:avLst/>
+          </a:prstGeom>
+        </p:spPr>
+        <p:txBody>
+          <a:bodyPr lIns="0" tIns="0" rIns="0" bIns="0" rtlCol="0" anchor="t">
+            <a:spAutoFit/>
+          </a:bodyPr>
+          <a:lstStyle/>
+          <a:p>
+            <a:pPr>
+              <a:lnSpc>
+                <a:spcPts val="4375"/>
+              </a:lnSpc>
+            </a:pPr>
+            <a:r>
+              <a:rPr lang="en-US" altLang="zh-TW" sz="3200" dirty="0">
                 <a:solidFill>
                   <a:srgbClr val="5B5F72"/>
                 </a:solidFill>
@@ -12183,26 +12238,17 @@
                 <a:cs typeface="Arimo Bold"/>
                 <a:sym typeface="Arimo Bold"/>
               </a:rPr>
-              <a:t>LLM</a:t>
-            </a:r>
-            <a:endParaRPr lang="en-US" sz="6075" dirty="0">
-              <a:solidFill>
-                <a:srgbClr val="5B5F72"/>
-              </a:solidFill>
-              <a:latin typeface="Arimo Bold"/>
-              <a:ea typeface="Arimo Bold"/>
-              <a:cs typeface="Arimo Bold"/>
-              <a:sym typeface="Arimo Bold"/>
-            </a:endParaRPr>
+              <a:t>Change outliers to empty value(normal range). Delete row(Over 3 empty).</a:t>
+            </a:r>
           </a:p>
         </p:txBody>
       </p:sp>
       <p:pic>
         <p:nvPicPr>
-          <p:cNvPr id="11" name="圖片 10">
+          <p:cNvPr id="7" name="圖片 6">
             <a:extLst>
               <a:ext uri="{FF2B5EF4-FFF2-40B4-BE49-F238E27FC236}">
-                <a16:creationId xmlns:a16="http://schemas.microsoft.com/office/drawing/2014/main" id="{348BD9CA-975A-7683-FE75-E2A766535C40}"/>
+                <a16:creationId xmlns:a16="http://schemas.microsoft.com/office/drawing/2014/main" id="{B4E900CF-2665-D8A2-1CF1-7E586AED0D98}"/>
               </a:ext>
             </a:extLst>
           </p:cNvPr>
@@ -12219,8 +12265,8 @@
         </p:blipFill>
         <p:spPr>
           <a:xfrm>
-            <a:off x="838201" y="2609580"/>
-            <a:ext cx="8990742" cy="4228165"/>
+            <a:off x="9753600" y="2120085"/>
+            <a:ext cx="6477000" cy="5638665"/>
           </a:xfrm>
           <a:prstGeom prst="rect">
             <a:avLst/>
@@ -12229,10 +12275,10 @@
       </p:pic>
       <p:pic>
         <p:nvPicPr>
-          <p:cNvPr id="7" name="圖片 6">
+          <p:cNvPr id="11" name="圖片 10">
             <a:extLst>
               <a:ext uri="{FF2B5EF4-FFF2-40B4-BE49-F238E27FC236}">
-                <a16:creationId xmlns:a16="http://schemas.microsoft.com/office/drawing/2014/main" id="{0D92208D-47FA-6878-7603-EFDF0972A98B}"/>
+                <a16:creationId xmlns:a16="http://schemas.microsoft.com/office/drawing/2014/main" id="{9B4A5A99-5CA9-1DA5-B8EF-C41A277D17AD}"/>
               </a:ext>
             </a:extLst>
           </p:cNvPr>
@@ -12249,8 +12295,8 @@
         </p:blipFill>
         <p:spPr>
           <a:xfrm>
-            <a:off x="9829800" y="649487"/>
-            <a:ext cx="7010400" cy="6837886"/>
+            <a:off x="2697887" y="2047567"/>
+            <a:ext cx="5763429" cy="5639587"/>
           </a:xfrm>
           <a:prstGeom prst="rect">
             <a:avLst/>
@@ -12259,10 +12305,10 @@
       </p:pic>
       <p:sp>
         <p:nvSpPr>
-          <p:cNvPr id="9" name="TextBox 8">
+          <p:cNvPr id="12" name="TextBox 4">
             <a:extLst>
               <a:ext uri="{FF2B5EF4-FFF2-40B4-BE49-F238E27FC236}">
-                <a16:creationId xmlns:a16="http://schemas.microsoft.com/office/drawing/2014/main" id="{5B5632D9-E642-B005-DAD3-6F2BD2792370}"/>
+                <a16:creationId xmlns:a16="http://schemas.microsoft.com/office/drawing/2014/main" id="{940CEA79-FCC0-FD6D-A7A0-389CD41E0D3F}"/>
               </a:ext>
             </a:extLst>
           </p:cNvPr>
@@ -12271,256 +12317,8 @@
         </p:nvSpPr>
         <p:spPr>
           <a:xfrm>
-            <a:off x="7216407" y="8047264"/>
-            <a:ext cx="3961768" cy="453394"/>
-          </a:xfrm>
-          <a:prstGeom prst="rect">
-            <a:avLst/>
-          </a:prstGeom>
-        </p:spPr>
-        <p:txBody>
-          <a:bodyPr wrap="square" lIns="0" tIns="0" rIns="0" bIns="0" rtlCol="0" anchor="t">
-            <a:spAutoFit/>
-          </a:bodyPr>
-          <a:lstStyle/>
-          <a:p>
-            <a:pPr algn="ctr">
-              <a:lnSpc>
-                <a:spcPts val="3499"/>
-              </a:lnSpc>
-              <a:spcBef>
-                <a:spcPct val="0"/>
-              </a:spcBef>
-            </a:pPr>
-            <a:r>
-              <a:rPr lang="en-US" sz="4000" dirty="0" err="1">
-                <a:solidFill>
-                  <a:srgbClr val="000000"/>
-                </a:solidFill>
-                <a:latin typeface="Arimo Bold"/>
-                <a:ea typeface="Arimo Bold"/>
-                <a:cs typeface="Arimo Bold"/>
-                <a:sym typeface="Arimo Bold"/>
-              </a:rPr>
-              <a:t>hemo</a:t>
-            </a:r>
-            <a:r>
-              <a:rPr lang="en-US" sz="4000" dirty="0">
-                <a:solidFill>
-                  <a:srgbClr val="000000"/>
-                </a:solidFill>
-                <a:latin typeface="Arimo Bold"/>
-                <a:ea typeface="Arimo Bold"/>
-                <a:cs typeface="Arimo Bold"/>
-                <a:sym typeface="Arimo Bold"/>
-              </a:rPr>
-              <a:t>:  0.116</a:t>
-            </a:r>
-          </a:p>
-        </p:txBody>
-      </p:sp>
-      <p:sp>
-        <p:nvSpPr>
-          <p:cNvPr id="10" name="TextBox 9">
-            <a:extLst>
-              <a:ext uri="{FF2B5EF4-FFF2-40B4-BE49-F238E27FC236}">
-                <a16:creationId xmlns:a16="http://schemas.microsoft.com/office/drawing/2014/main" id="{2D36F5FE-08B5-52A8-938C-1CBD306BDA78}"/>
-              </a:ext>
-            </a:extLst>
-          </p:cNvPr>
-          <p:cNvSpPr txBox="1"/>
-          <p:nvPr/>
-        </p:nvSpPr>
-        <p:spPr>
-          <a:xfrm>
-            <a:off x="7817519" y="8953500"/>
-            <a:ext cx="6157316" cy="453394"/>
-          </a:xfrm>
-          <a:prstGeom prst="rect">
-            <a:avLst/>
-          </a:prstGeom>
-        </p:spPr>
-        <p:txBody>
-          <a:bodyPr lIns="0" tIns="0" rIns="0" bIns="0" rtlCol="0" anchor="t">
-            <a:spAutoFit/>
-          </a:bodyPr>
-          <a:lstStyle/>
-          <a:p>
-            <a:pPr algn="l">
-              <a:lnSpc>
-                <a:spcPts val="3499"/>
-              </a:lnSpc>
-              <a:spcBef>
-                <a:spcPct val="0"/>
-              </a:spcBef>
-            </a:pPr>
-            <a:r>
-              <a:rPr lang="en-US" altLang="zh-TW" sz="4000" dirty="0" err="1">
-                <a:solidFill>
-                  <a:srgbClr val="000000"/>
-                </a:solidFill>
-                <a:latin typeface="Arimo Bold"/>
-                <a:ea typeface="Arimo Bold"/>
-                <a:cs typeface="Arimo Bold"/>
-                <a:sym typeface="Arimo Bold"/>
-              </a:rPr>
-              <a:t>pcv</a:t>
-            </a:r>
-            <a:r>
-              <a:rPr lang="en-US" sz="4000" dirty="0">
-                <a:solidFill>
-                  <a:srgbClr val="000000"/>
-                </a:solidFill>
-                <a:latin typeface="Arimo Bold"/>
-                <a:ea typeface="Arimo Bold"/>
-                <a:cs typeface="Arimo Bold"/>
-                <a:sym typeface="Arimo Bold"/>
-              </a:rPr>
-              <a:t>:  0.105</a:t>
-            </a:r>
-          </a:p>
-        </p:txBody>
-      </p:sp>
-      <p:sp>
-        <p:nvSpPr>
-          <p:cNvPr id="12" name="TextBox 9">
-            <a:extLst>
-              <a:ext uri="{FF2B5EF4-FFF2-40B4-BE49-F238E27FC236}">
-                <a16:creationId xmlns:a16="http://schemas.microsoft.com/office/drawing/2014/main" id="{B584BA96-3B49-0977-B64A-A6094E3D5E3C}"/>
-              </a:ext>
-            </a:extLst>
-          </p:cNvPr>
-          <p:cNvSpPr txBox="1"/>
-          <p:nvPr/>
-        </p:nvSpPr>
-        <p:spPr>
-          <a:xfrm>
-            <a:off x="11811000" y="8046988"/>
-            <a:ext cx="6157316" cy="453394"/>
-          </a:xfrm>
-          <a:prstGeom prst="rect">
-            <a:avLst/>
-          </a:prstGeom>
-        </p:spPr>
-        <p:txBody>
-          <a:bodyPr lIns="0" tIns="0" rIns="0" bIns="0" rtlCol="0" anchor="t">
-            <a:spAutoFit/>
-          </a:bodyPr>
-          <a:lstStyle/>
-          <a:p>
-            <a:pPr algn="l">
-              <a:lnSpc>
-                <a:spcPts val="3499"/>
-              </a:lnSpc>
-              <a:spcBef>
-                <a:spcPct val="0"/>
-              </a:spcBef>
-            </a:pPr>
-            <a:r>
-              <a:rPr lang="en-US" altLang="zh-TW" sz="4000" dirty="0" err="1">
-                <a:solidFill>
-                  <a:srgbClr val="000000"/>
-                </a:solidFill>
-                <a:latin typeface="Arimo Bold"/>
-                <a:ea typeface="Arimo Bold"/>
-                <a:cs typeface="Arimo Bold"/>
-                <a:sym typeface="Arimo Bold"/>
-              </a:rPr>
-              <a:t>bgr</a:t>
-            </a:r>
-            <a:r>
-              <a:rPr lang="en-US" sz="4000" dirty="0">
-                <a:solidFill>
-                  <a:srgbClr val="000000"/>
-                </a:solidFill>
-                <a:latin typeface="Arimo Bold"/>
-                <a:ea typeface="Arimo Bold"/>
-                <a:cs typeface="Arimo Bold"/>
-                <a:sym typeface="Arimo Bold"/>
-              </a:rPr>
-              <a:t>:  0.088</a:t>
-            </a:r>
-          </a:p>
-        </p:txBody>
-      </p:sp>
-      <p:sp>
-        <p:nvSpPr>
-          <p:cNvPr id="13" name="TextBox 9">
-            <a:extLst>
-              <a:ext uri="{FF2B5EF4-FFF2-40B4-BE49-F238E27FC236}">
-                <a16:creationId xmlns:a16="http://schemas.microsoft.com/office/drawing/2014/main" id="{D0364517-0620-A26C-1B74-81127C58CD39}"/>
-              </a:ext>
-            </a:extLst>
-          </p:cNvPr>
-          <p:cNvSpPr txBox="1"/>
-          <p:nvPr/>
-        </p:nvSpPr>
-        <p:spPr>
-          <a:xfrm>
-            <a:off x="11811000" y="8964544"/>
-            <a:ext cx="6157316" cy="453394"/>
-          </a:xfrm>
-          <a:prstGeom prst="rect">
-            <a:avLst/>
-          </a:prstGeom>
-        </p:spPr>
-        <p:txBody>
-          <a:bodyPr wrap="square" lIns="0" tIns="0" rIns="0" bIns="0" rtlCol="0" anchor="t">
-            <a:spAutoFit/>
-          </a:bodyPr>
-          <a:lstStyle/>
-          <a:p>
-            <a:pPr algn="l">
-              <a:lnSpc>
-                <a:spcPts val="3499"/>
-              </a:lnSpc>
-              <a:spcBef>
-                <a:spcPct val="0"/>
-              </a:spcBef>
-            </a:pPr>
-            <a:r>
-              <a:rPr lang="en-US" altLang="zh-TW" sz="4000" dirty="0" err="1">
-                <a:solidFill>
-                  <a:srgbClr val="000000"/>
-                </a:solidFill>
-                <a:latin typeface="Arimo Bold"/>
-                <a:ea typeface="Arimo Bold"/>
-                <a:cs typeface="Arimo Bold"/>
-                <a:sym typeface="Arimo Bold"/>
-              </a:rPr>
-              <a:t>sc</a:t>
-            </a:r>
-            <a:r>
-              <a:rPr lang="en-US" sz="4000" dirty="0">
-                <a:solidFill>
-                  <a:srgbClr val="000000"/>
-                </a:solidFill>
-                <a:latin typeface="Arimo Bold"/>
-                <a:ea typeface="Arimo Bold"/>
-                <a:cs typeface="Arimo Bold"/>
-                <a:sym typeface="Arimo Bold"/>
-              </a:rPr>
-              <a:t>:  0.075</a:t>
-            </a:r>
-          </a:p>
-        </p:txBody>
-      </p:sp>
-      <p:sp>
-        <p:nvSpPr>
-          <p:cNvPr id="6" name="TextBox 4">
-            <a:extLst>
-              <a:ext uri="{FF2B5EF4-FFF2-40B4-BE49-F238E27FC236}">
-                <a16:creationId xmlns:a16="http://schemas.microsoft.com/office/drawing/2014/main" id="{313AF073-18F0-6D15-2CE8-49C1FF777FF5}"/>
-              </a:ext>
-            </a:extLst>
-          </p:cNvPr>
-          <p:cNvSpPr txBox="1"/>
-          <p:nvPr/>
-        </p:nvSpPr>
-        <p:spPr>
-          <a:xfrm>
-            <a:off x="2742354" y="8393609"/>
-            <a:ext cx="7239000" cy="615553"/>
+            <a:off x="4419600" y="7956054"/>
+            <a:ext cx="7239000" cy="566758"/>
           </a:xfrm>
           <a:prstGeom prst="rect">
             <a:avLst/>
@@ -12538,7 +12336,7 @@
               </a:lnSpc>
             </a:pPr>
             <a:r>
-              <a:rPr lang="en-US" sz="4800" dirty="0">
+              <a:rPr lang="en-US" sz="3200" dirty="0">
                 <a:solidFill>
                   <a:srgbClr val="5B5F72"/>
                 </a:solidFill>
@@ -12547,7 +12345,54 @@
                 <a:cs typeface="Arimo Bold"/>
                 <a:sym typeface="Arimo Bold"/>
               </a:rPr>
-              <a:t>Same factors:</a:t>
+              <a:t>Numeric</a:t>
+            </a:r>
+          </a:p>
+        </p:txBody>
+      </p:sp>
+      <p:sp>
+        <p:nvSpPr>
+          <p:cNvPr id="14" name="TextBox 4">
+            <a:extLst>
+              <a:ext uri="{FF2B5EF4-FFF2-40B4-BE49-F238E27FC236}">
+                <a16:creationId xmlns:a16="http://schemas.microsoft.com/office/drawing/2014/main" id="{50D0529C-5A8B-F0E7-C00B-449BE931BC4F}"/>
+              </a:ext>
+            </a:extLst>
+          </p:cNvPr>
+          <p:cNvSpPr txBox="1"/>
+          <p:nvPr/>
+        </p:nvSpPr>
+        <p:spPr>
+          <a:xfrm>
+            <a:off x="11201400" y="8029528"/>
+            <a:ext cx="7239000" cy="566758"/>
+          </a:xfrm>
+          <a:prstGeom prst="rect">
+            <a:avLst/>
+          </a:prstGeom>
+        </p:spPr>
+        <p:txBody>
+          <a:bodyPr wrap="square" lIns="0" tIns="0" rIns="0" bIns="0" rtlCol="0" anchor="t">
+            <a:spAutoFit/>
+          </a:bodyPr>
+          <a:lstStyle/>
+          <a:p>
+            <a:pPr>
+              <a:lnSpc>
+                <a:spcPts val="4750"/>
+              </a:lnSpc>
+            </a:pPr>
+            <a:r>
+              <a:rPr lang="en-US" sz="3200" dirty="0">
+                <a:solidFill>
+                  <a:srgbClr val="5B5F72"/>
+                </a:solidFill>
+                <a:latin typeface="Arimo Bold"/>
+                <a:ea typeface="Arimo Bold"/>
+                <a:cs typeface="Arimo Bold"/>
+                <a:sym typeface="Arimo Bold"/>
+              </a:rPr>
+              <a:t>String(13 columns)</a:t>
             </a:r>
           </a:p>
         </p:txBody>
@@ -12555,7 +12400,7 @@
     </p:spTree>
     <p:extLst>
       <p:ext uri="{BB962C8B-B14F-4D97-AF65-F5344CB8AC3E}">
-        <p14:creationId xmlns:p14="http://schemas.microsoft.com/office/powerpoint/2010/main" val="2947347181"/>
+        <p14:creationId xmlns:p14="http://schemas.microsoft.com/office/powerpoint/2010/main" val="1252429860"/>
       </p:ext>
     </p:extLst>
   </p:cSld>
@@ -12566,6 +12411,221 @@
 </file>
 
 <file path=ppt/slides/slide17.xml><?xml version="1.0" encoding="utf-8"?>
+<p:sld xmlns:a="http://schemas.openxmlformats.org/drawingml/2006/main" xmlns:r="http://schemas.openxmlformats.org/officeDocument/2006/relationships" xmlns:p="http://schemas.openxmlformats.org/presentationml/2006/main">
+  <p:cSld>
+    <p:spTree>
+      <p:nvGrpSpPr>
+        <p:cNvPr id="1" name=""/>
+        <p:cNvGrpSpPr/>
+        <p:nvPr/>
+      </p:nvGrpSpPr>
+      <p:grpSpPr>
+        <a:xfrm>
+          <a:off x="0" y="0"/>
+          <a:ext cx="0" cy="0"/>
+          <a:chOff x="0" y="0"/>
+          <a:chExt cx="0" cy="0"/>
+        </a:xfrm>
+      </p:grpSpPr>
+      <p:sp>
+        <p:nvSpPr>
+          <p:cNvPr id="3" name="TextBox 3"/>
+          <p:cNvSpPr txBox="1"/>
+          <p:nvPr/>
+        </p:nvSpPr>
+        <p:spPr>
+          <a:xfrm>
+            <a:off x="583875" y="603723"/>
+            <a:ext cx="12674925" cy="2496517"/>
+          </a:xfrm>
+          <a:prstGeom prst="rect">
+            <a:avLst/>
+          </a:prstGeom>
+        </p:spPr>
+        <p:txBody>
+          <a:bodyPr wrap="square" lIns="0" tIns="0" rIns="0" bIns="0" rtlCol="0" anchor="t">
+            <a:spAutoFit/>
+          </a:bodyPr>
+          <a:lstStyle/>
+          <a:p>
+            <a:pPr algn="l">
+              <a:lnSpc>
+                <a:spcPts val="10480"/>
+              </a:lnSpc>
+            </a:pPr>
+            <a:r>
+              <a:rPr lang="en-US" altLang="zh-TW" sz="8383" dirty="0">
+                <a:solidFill>
+                  <a:srgbClr val="5B5F72"/>
+                </a:solidFill>
+                <a:latin typeface="Arimo Bold"/>
+                <a:ea typeface="Arimo Bold"/>
+                <a:cs typeface="Arimo Bold"/>
+                <a:sym typeface="Arimo Bold"/>
+              </a:rPr>
+              <a:t>Another </a:t>
+            </a:r>
+            <a:r>
+              <a:rPr lang="en-US" sz="8383" dirty="0">
+                <a:solidFill>
+                  <a:srgbClr val="5B5F72"/>
+                </a:solidFill>
+                <a:latin typeface="Arimo Bold"/>
+                <a:ea typeface="Arimo Bold"/>
+                <a:cs typeface="Arimo Bold"/>
+                <a:sym typeface="Arimo Bold"/>
+              </a:rPr>
+              <a:t>Dataset</a:t>
+            </a:r>
+          </a:p>
+          <a:p>
+            <a:pPr algn="l">
+              <a:lnSpc>
+                <a:spcPts val="10480"/>
+              </a:lnSpc>
+            </a:pPr>
+            <a:r>
+              <a:rPr lang="en-US" sz="4800" dirty="0">
+                <a:latin typeface="Arimo Bold"/>
+                <a:ea typeface="Arimo Bold"/>
+                <a:cs typeface="Arimo Bold"/>
+                <a:sym typeface="Arimo Bold"/>
+              </a:rPr>
+              <a:t>401 rows and 13 features</a:t>
+            </a:r>
+          </a:p>
+        </p:txBody>
+      </p:sp>
+      <p:pic>
+        <p:nvPicPr>
+          <p:cNvPr id="14" name="圖片 13">
+            <a:extLst>
+              <a:ext uri="{FF2B5EF4-FFF2-40B4-BE49-F238E27FC236}">
+                <a16:creationId xmlns:a16="http://schemas.microsoft.com/office/drawing/2014/main" id="{46B33E6D-6536-C4FD-1C41-E699B67E76A4}"/>
+              </a:ext>
+            </a:extLst>
+          </p:cNvPr>
+          <p:cNvPicPr>
+            <a:picLocks noChangeAspect="1"/>
+          </p:cNvPicPr>
+          <p:nvPr/>
+        </p:nvPicPr>
+        <p:blipFill>
+          <a:blip r:embed="rId3"/>
+          <a:stretch>
+            <a:fillRect/>
+          </a:stretch>
+        </p:blipFill>
+        <p:spPr>
+          <a:xfrm>
+            <a:off x="1923608" y="4000500"/>
+            <a:ext cx="14440783" cy="3505200"/>
+          </a:xfrm>
+          <a:prstGeom prst="rect">
+            <a:avLst/>
+          </a:prstGeom>
+        </p:spPr>
+      </p:pic>
+      <p:sp>
+        <p:nvSpPr>
+          <p:cNvPr id="2" name="TextBox 3">
+            <a:extLst>
+              <a:ext uri="{FF2B5EF4-FFF2-40B4-BE49-F238E27FC236}">
+                <a16:creationId xmlns:a16="http://schemas.microsoft.com/office/drawing/2014/main" id="{367D24EB-E333-D389-C721-755B2BF83C01}"/>
+              </a:ext>
+            </a:extLst>
+          </p:cNvPr>
+          <p:cNvSpPr txBox="1"/>
+          <p:nvPr/>
+        </p:nvSpPr>
+        <p:spPr>
+          <a:xfrm>
+            <a:off x="5613075" y="8394899"/>
+            <a:ext cx="12674925" cy="1149995"/>
+          </a:xfrm>
+          <a:prstGeom prst="rect">
+            <a:avLst/>
+          </a:prstGeom>
+        </p:spPr>
+        <p:txBody>
+          <a:bodyPr wrap="square" lIns="0" tIns="0" rIns="0" bIns="0" rtlCol="0" anchor="t">
+            <a:spAutoFit/>
+          </a:bodyPr>
+          <a:lstStyle/>
+          <a:p>
+            <a:pPr algn="l">
+              <a:lnSpc>
+                <a:spcPts val="10480"/>
+              </a:lnSpc>
+            </a:pPr>
+            <a:r>
+              <a:rPr lang="en-US" altLang="zh-TW" sz="4800" dirty="0">
+                <a:latin typeface="Arimo Bold"/>
+                <a:ea typeface="Arimo Bold"/>
+                <a:cs typeface="Arimo Bold"/>
+                <a:sym typeface="Arimo Bold"/>
+              </a:rPr>
+              <a:t>Data had</a:t>
+            </a:r>
+            <a:r>
+              <a:rPr lang="zh-TW" altLang="en-US" sz="4800" dirty="0">
+                <a:latin typeface="Arimo Bold"/>
+                <a:ea typeface="Arimo Bold"/>
+                <a:cs typeface="Arimo Bold"/>
+                <a:sym typeface="Arimo Bold"/>
+              </a:rPr>
+              <a:t> </a:t>
+            </a:r>
+            <a:r>
+              <a:rPr lang="en-US" altLang="zh-TW" sz="4800" dirty="0">
+                <a:latin typeface="Arimo Bold"/>
+                <a:ea typeface="Arimo Bold"/>
+                <a:cs typeface="Arimo Bold"/>
+                <a:sym typeface="Arimo Bold"/>
+              </a:rPr>
+              <a:t>been</a:t>
+            </a:r>
+            <a:r>
+              <a:rPr lang="zh-TW" altLang="en-US" sz="4800" dirty="0">
+                <a:latin typeface="Arimo Bold"/>
+                <a:ea typeface="Arimo Bold"/>
+                <a:cs typeface="Arimo Bold"/>
+                <a:sym typeface="Arimo Bold"/>
+              </a:rPr>
+              <a:t> </a:t>
+            </a:r>
+            <a:r>
+              <a:rPr lang="en-US" altLang="zh-TW" sz="4800" dirty="0">
+                <a:latin typeface="Arimo Bold"/>
+                <a:ea typeface="Arimo Bold"/>
+                <a:cs typeface="Arimo Bold"/>
+                <a:sym typeface="Arimo Bold"/>
+              </a:rPr>
+              <a:t>cleaned</a:t>
+            </a:r>
+            <a:endParaRPr lang="en-US" sz="4800" dirty="0">
+              <a:latin typeface="Arimo Bold"/>
+              <a:ea typeface="Arimo Bold"/>
+              <a:cs typeface="Arimo Bold"/>
+              <a:sym typeface="Arimo Bold"/>
+            </a:endParaRPr>
+          </a:p>
+        </p:txBody>
+      </p:sp>
+    </p:spTree>
+    <p:extLst>
+      <p:ext uri="{BB962C8B-B14F-4D97-AF65-F5344CB8AC3E}">
+        <p14:creationId xmlns:p14="http://schemas.microsoft.com/office/powerpoint/2010/main" val="1144501996"/>
+      </p:ext>
+    </p:extLst>
+  </p:cSld>
+  <p:clrMapOvr>
+    <a:masterClrMapping/>
+  </p:clrMapOvr>
+</p:sld>
+</file>
+
+<file path=ppt/slides/slide18.xml><?xml version="1.0" encoding="utf-8"?>
 <p:sld xmlns:a="http://schemas.openxmlformats.org/drawingml/2006/main" xmlns:r="http://schemas.openxmlformats.org/officeDocument/2006/relationships" xmlns:p="http://schemas.openxmlformats.org/presentationml/2006/main">
   <p:cSld>
     <p:spTree>
@@ -12708,14 +12768,14 @@
         <p:spPr>
           <a:xfrm>
             <a:off x="762000" y="615486"/>
-            <a:ext cx="15621000" cy="888641"/>
-          </a:xfrm>
-          <a:prstGeom prst="rect">
-            <a:avLst/>
-          </a:prstGeom>
-        </p:spPr>
-        <p:txBody>
-          <a:bodyPr wrap="square" lIns="0" tIns="0" rIns="0" bIns="0" rtlCol="0" anchor="t">
+            <a:ext cx="10533337" cy="908326"/>
+          </a:xfrm>
+          <a:prstGeom prst="rect">
+            <a:avLst/>
+          </a:prstGeom>
+        </p:spPr>
+        <p:txBody>
+          <a:bodyPr lIns="0" tIns="0" rIns="0" bIns="0" rtlCol="0" anchor="t">
             <a:spAutoFit/>
           </a:bodyPr>
           <a:lstStyle/>
@@ -12726,7 +12786,7 @@
               </a:lnSpc>
             </a:pPr>
             <a:r>
-              <a:rPr lang="en-US" altLang="zh-TW" sz="5400" dirty="0">
+              <a:rPr lang="en-US" altLang="zh-TW" sz="6075" dirty="0">
                 <a:solidFill>
                   <a:srgbClr val="5B5F72"/>
                 </a:solidFill>
@@ -12735,11 +12795,53 @@
                 <a:cs typeface="Arimo Bold"/>
                 <a:sym typeface="Arimo Bold"/>
               </a:rPr>
-              <a:t>String value vs Numeric value</a:t>
-            </a:r>
-          </a:p>
-        </p:txBody>
-      </p:sp>
+              <a:t>Another </a:t>
+            </a:r>
+            <a:r>
+              <a:rPr lang="en-US" sz="6075" dirty="0">
+                <a:solidFill>
+                  <a:srgbClr val="5B5F72"/>
+                </a:solidFill>
+                <a:latin typeface="Arimo Bold"/>
+                <a:ea typeface="Arimo Bold"/>
+                <a:cs typeface="Arimo Bold"/>
+                <a:sym typeface="Arimo Bold"/>
+              </a:rPr>
+              <a:t>dataset</a:t>
+            </a:r>
+          </a:p>
+        </p:txBody>
+      </p:sp>
+      <p:pic>
+        <p:nvPicPr>
+          <p:cNvPr id="7" name="圖片 6">
+            <a:extLst>
+              <a:ext uri="{FF2B5EF4-FFF2-40B4-BE49-F238E27FC236}">
+                <a16:creationId xmlns:a16="http://schemas.microsoft.com/office/drawing/2014/main" id="{6FEA37E4-AA9B-E540-51F1-9730D2E5E156}"/>
+              </a:ext>
+            </a:extLst>
+          </p:cNvPr>
+          <p:cNvPicPr>
+            <a:picLocks noChangeAspect="1"/>
+          </p:cNvPicPr>
+          <p:nvPr/>
+        </p:nvPicPr>
+        <p:blipFill>
+          <a:blip r:embed="rId4"/>
+          <a:stretch>
+            <a:fillRect/>
+          </a:stretch>
+        </p:blipFill>
+        <p:spPr>
+          <a:xfrm>
+            <a:off x="1517357" y="2123321"/>
+            <a:ext cx="7626643" cy="6629400"/>
+          </a:xfrm>
+          <a:prstGeom prst="rect">
+            <a:avLst/>
+          </a:prstGeom>
+        </p:spPr>
+      </p:pic>
       <p:sp>
         <p:nvSpPr>
           <p:cNvPr id="9" name="TextBox 4">
@@ -12754,8 +12856,8 @@
         </p:nvSpPr>
         <p:spPr>
           <a:xfrm>
-            <a:off x="1905000" y="9258300"/>
-            <a:ext cx="23337821" cy="516616"/>
+            <a:off x="2362200" y="9257192"/>
+            <a:ext cx="23337821" cy="525337"/>
           </a:xfrm>
           <a:prstGeom prst="rect">
             <a:avLst/>
@@ -12767,13 +12869,13 @@
           </a:bodyPr>
           <a:lstStyle/>
           <a:p>
-            <a:pPr>
+            <a:pPr algn="l">
               <a:lnSpc>
                 <a:spcPts val="4375"/>
               </a:lnSpc>
             </a:pPr>
             <a:r>
-              <a:rPr lang="en-US" altLang="zh-TW" sz="3200" dirty="0">
+              <a:rPr lang="en-US" altLang="zh-TW" sz="3500" dirty="0">
                 <a:solidFill>
                   <a:srgbClr val="5B5F72"/>
                 </a:solidFill>
@@ -12782,47 +12884,161 @@
                 <a:cs typeface="Arimo Bold"/>
                 <a:sym typeface="Arimo Bold"/>
               </a:rPr>
-              <a:t>Change outliers to empty value(normal range). Delete row(Over 3 empty).</a:t>
+              <a:t>Use </a:t>
+            </a:r>
+            <a:r>
+              <a:rPr lang="en-US" altLang="zh-TW" sz="3500" dirty="0" err="1">
+                <a:solidFill>
+                  <a:srgbClr val="5B5F72"/>
+                </a:solidFill>
+                <a:latin typeface="Arimo Bold"/>
+                <a:ea typeface="Arimo Bold"/>
+                <a:cs typeface="Arimo Bold"/>
+                <a:sym typeface="Arimo Bold"/>
+              </a:rPr>
+              <a:t>Oringinal</a:t>
+            </a:r>
+            <a:r>
+              <a:rPr lang="zh-TW" altLang="en-US" sz="3500" dirty="0">
+                <a:solidFill>
+                  <a:srgbClr val="5B5F72"/>
+                </a:solidFill>
+                <a:latin typeface="Arimo Bold"/>
+                <a:ea typeface="Arimo Bold"/>
+                <a:cs typeface="Arimo Bold"/>
+                <a:sym typeface="Arimo Bold"/>
+              </a:rPr>
+              <a:t> </a:t>
+            </a:r>
+            <a:r>
+              <a:rPr lang="en-US" altLang="zh-TW" sz="3500" dirty="0">
+                <a:solidFill>
+                  <a:srgbClr val="5B5F72"/>
+                </a:solidFill>
+                <a:latin typeface="Arimo Bold"/>
+                <a:ea typeface="Arimo Bold"/>
+                <a:cs typeface="Arimo Bold"/>
+                <a:sym typeface="Arimo Bold"/>
+              </a:rPr>
+              <a:t>dataset.</a:t>
+            </a:r>
+            <a:r>
+              <a:rPr lang="zh-TW" altLang="en-US" sz="3500" dirty="0">
+                <a:solidFill>
+                  <a:srgbClr val="5B5F72"/>
+                </a:solidFill>
+                <a:latin typeface="Arimo Bold"/>
+                <a:ea typeface="Arimo Bold"/>
+                <a:cs typeface="Arimo Bold"/>
+                <a:sym typeface="Arimo Bold"/>
+              </a:rPr>
+              <a:t> </a:t>
+            </a:r>
+            <a:r>
+              <a:rPr lang="en-US" sz="3500" dirty="0">
+                <a:solidFill>
+                  <a:srgbClr val="5B5F72"/>
+                </a:solidFill>
+                <a:latin typeface="Arimo Bold"/>
+                <a:ea typeface="Arimo Bold"/>
+                <a:cs typeface="Arimo Bold"/>
+                <a:sym typeface="Arimo Bold"/>
+              </a:rPr>
+              <a:t>Delete row</a:t>
+            </a:r>
+            <a:r>
+              <a:rPr lang="zh-TW" altLang="en-US" sz="3500" dirty="0">
+                <a:solidFill>
+                  <a:srgbClr val="5B5F72"/>
+                </a:solidFill>
+                <a:latin typeface="Arimo Bold"/>
+                <a:ea typeface="Arimo Bold"/>
+                <a:cs typeface="Arimo Bold"/>
+                <a:sym typeface="Arimo Bold"/>
+              </a:rPr>
+              <a:t> </a:t>
+            </a:r>
+            <a:r>
+              <a:rPr lang="en-US" altLang="zh-TW" sz="3500" dirty="0">
+                <a:solidFill>
+                  <a:srgbClr val="5B5F72"/>
+                </a:solidFill>
+                <a:latin typeface="Arimo Bold"/>
+                <a:ea typeface="Arimo Bold"/>
+                <a:cs typeface="Arimo Bold"/>
+                <a:sym typeface="Arimo Bold"/>
+              </a:rPr>
+              <a:t>to balance</a:t>
+            </a:r>
+            <a:r>
+              <a:rPr lang="zh-TW" altLang="en-US" sz="3500" dirty="0">
+                <a:solidFill>
+                  <a:srgbClr val="5B5F72"/>
+                </a:solidFill>
+                <a:latin typeface="Arimo Bold"/>
+                <a:ea typeface="Arimo Bold"/>
+                <a:cs typeface="Arimo Bold"/>
+                <a:sym typeface="Arimo Bold"/>
+              </a:rPr>
+              <a:t> </a:t>
+            </a:r>
+            <a:r>
+              <a:rPr lang="en-US" altLang="zh-TW" sz="3500" dirty="0">
+                <a:solidFill>
+                  <a:srgbClr val="5B5F72"/>
+                </a:solidFill>
+                <a:latin typeface="Arimo Bold"/>
+                <a:ea typeface="Arimo Bold"/>
+                <a:cs typeface="Arimo Bold"/>
+                <a:sym typeface="Arimo Bold"/>
+              </a:rPr>
+              <a:t>data(random)</a:t>
+            </a:r>
+            <a:r>
+              <a:rPr lang="en-US" sz="3500" dirty="0">
+                <a:solidFill>
+                  <a:srgbClr val="5B5F72"/>
+                </a:solidFill>
+                <a:latin typeface="Arimo Bold"/>
+                <a:ea typeface="Arimo Bold"/>
+                <a:cs typeface="Arimo Bold"/>
+                <a:sym typeface="Arimo Bold"/>
+              </a:rPr>
+              <a:t>. </a:t>
+            </a:r>
+            <a:r>
+              <a:rPr lang="en-US" sz="3500" dirty="0" err="1">
+                <a:solidFill>
+                  <a:srgbClr val="5B5F72"/>
+                </a:solidFill>
+                <a:latin typeface="Arimo Bold"/>
+                <a:ea typeface="Arimo Bold"/>
+                <a:cs typeface="Arimo Bold"/>
+                <a:sym typeface="Arimo Bold"/>
+              </a:rPr>
+              <a:t>ckd</a:t>
+            </a:r>
+            <a:r>
+              <a:rPr lang="en-US" sz="3500" dirty="0">
+                <a:solidFill>
+                  <a:srgbClr val="5B5F72"/>
+                </a:solidFill>
+                <a:latin typeface="Arimo Bold"/>
+                <a:ea typeface="Arimo Bold"/>
+                <a:cs typeface="Arimo Bold"/>
+                <a:sym typeface="Arimo Bold"/>
+              </a:rPr>
+              <a:t>  5:3 </a:t>
             </a:r>
           </a:p>
         </p:txBody>
       </p:sp>
       <p:pic>
         <p:nvPicPr>
-          <p:cNvPr id="7" name="圖片 6">
+          <p:cNvPr id="8" name="圖片 7">
             <a:extLst>
               <a:ext uri="{FF2B5EF4-FFF2-40B4-BE49-F238E27FC236}">
-                <a16:creationId xmlns:a16="http://schemas.microsoft.com/office/drawing/2014/main" id="{B4E900CF-2665-D8A2-1CF1-7E586AED0D98}"/>
-              </a:ext>
-            </a:extLst>
-          </p:cNvPr>
-          <p:cNvPicPr>
-            <a:picLocks noChangeAspect="1"/>
-          </p:cNvPicPr>
-          <p:nvPr/>
-        </p:nvPicPr>
-        <p:blipFill>
-          <a:blip r:embed="rId4"/>
-          <a:stretch>
-            <a:fillRect/>
-          </a:stretch>
-        </p:blipFill>
-        <p:spPr>
-          <a:xfrm>
-            <a:off x="9753600" y="2120085"/>
-            <a:ext cx="6477000" cy="5638665"/>
-          </a:xfrm>
-          <a:prstGeom prst="rect">
-            <a:avLst/>
-          </a:prstGeom>
-        </p:spPr>
-      </p:pic>
-      <p:pic>
-        <p:nvPicPr>
-          <p:cNvPr id="11" name="圖片 10">
-            <a:extLst>
-              <a:ext uri="{FF2B5EF4-FFF2-40B4-BE49-F238E27FC236}">
-                <a16:creationId xmlns:a16="http://schemas.microsoft.com/office/drawing/2014/main" id="{9B4A5A99-5CA9-1DA5-B8EF-C41A277D17AD}"/>
+                <a16:creationId xmlns:a16="http://schemas.microsoft.com/office/drawing/2014/main" id="{290AC9A0-C4C3-857D-F424-1CC62A33A5C9}"/>
               </a:ext>
             </a:extLst>
           </p:cNvPr>
@@ -12839,327 +13055,18 @@
         </p:blipFill>
         <p:spPr>
           <a:xfrm>
-            <a:off x="2697887" y="2047567"/>
-            <a:ext cx="5763429" cy="5639587"/>
+            <a:off x="9117767" y="4116333"/>
+            <a:ext cx="8556515" cy="2643375"/>
           </a:xfrm>
           <a:prstGeom prst="rect">
             <a:avLst/>
           </a:prstGeom>
         </p:spPr>
       </p:pic>
-      <p:sp>
-        <p:nvSpPr>
-          <p:cNvPr id="12" name="TextBox 4">
-            <a:extLst>
-              <a:ext uri="{FF2B5EF4-FFF2-40B4-BE49-F238E27FC236}">
-                <a16:creationId xmlns:a16="http://schemas.microsoft.com/office/drawing/2014/main" id="{940CEA79-FCC0-FD6D-A7A0-389CD41E0D3F}"/>
-              </a:ext>
-            </a:extLst>
-          </p:cNvPr>
-          <p:cNvSpPr txBox="1"/>
-          <p:nvPr/>
-        </p:nvSpPr>
-        <p:spPr>
-          <a:xfrm>
-            <a:off x="4419600" y="7956054"/>
-            <a:ext cx="7239000" cy="566758"/>
-          </a:xfrm>
-          <a:prstGeom prst="rect">
-            <a:avLst/>
-          </a:prstGeom>
-        </p:spPr>
-        <p:txBody>
-          <a:bodyPr wrap="square" lIns="0" tIns="0" rIns="0" bIns="0" rtlCol="0" anchor="t">
-            <a:spAutoFit/>
-          </a:bodyPr>
-          <a:lstStyle/>
-          <a:p>
-            <a:pPr>
-              <a:lnSpc>
-                <a:spcPts val="4750"/>
-              </a:lnSpc>
-            </a:pPr>
-            <a:r>
-              <a:rPr lang="en-US" sz="3200" dirty="0">
-                <a:solidFill>
-                  <a:srgbClr val="5B5F72"/>
-                </a:solidFill>
-                <a:latin typeface="Arimo Bold"/>
-                <a:ea typeface="Arimo Bold"/>
-                <a:cs typeface="Arimo Bold"/>
-                <a:sym typeface="Arimo Bold"/>
-              </a:rPr>
-              <a:t>Numeric</a:t>
-            </a:r>
-          </a:p>
-        </p:txBody>
-      </p:sp>
-      <p:sp>
-        <p:nvSpPr>
-          <p:cNvPr id="14" name="TextBox 4">
-            <a:extLst>
-              <a:ext uri="{FF2B5EF4-FFF2-40B4-BE49-F238E27FC236}">
-                <a16:creationId xmlns:a16="http://schemas.microsoft.com/office/drawing/2014/main" id="{50D0529C-5A8B-F0E7-C00B-449BE931BC4F}"/>
-              </a:ext>
-            </a:extLst>
-          </p:cNvPr>
-          <p:cNvSpPr txBox="1"/>
-          <p:nvPr/>
-        </p:nvSpPr>
-        <p:spPr>
-          <a:xfrm>
-            <a:off x="11201400" y="8029528"/>
-            <a:ext cx="7239000" cy="566758"/>
-          </a:xfrm>
-          <a:prstGeom prst="rect">
-            <a:avLst/>
-          </a:prstGeom>
-        </p:spPr>
-        <p:txBody>
-          <a:bodyPr wrap="square" lIns="0" tIns="0" rIns="0" bIns="0" rtlCol="0" anchor="t">
-            <a:spAutoFit/>
-          </a:bodyPr>
-          <a:lstStyle/>
-          <a:p>
-            <a:pPr>
-              <a:lnSpc>
-                <a:spcPts val="4750"/>
-              </a:lnSpc>
-            </a:pPr>
-            <a:r>
-              <a:rPr lang="en-US" sz="3200" dirty="0">
-                <a:solidFill>
-                  <a:srgbClr val="5B5F72"/>
-                </a:solidFill>
-                <a:latin typeface="Arimo Bold"/>
-                <a:ea typeface="Arimo Bold"/>
-                <a:cs typeface="Arimo Bold"/>
-                <a:sym typeface="Arimo Bold"/>
-              </a:rPr>
-              <a:t>String(13 columns)</a:t>
-            </a:r>
-          </a:p>
-        </p:txBody>
-      </p:sp>
     </p:spTree>
     <p:extLst>
       <p:ext uri="{BB962C8B-B14F-4D97-AF65-F5344CB8AC3E}">
-        <p14:creationId xmlns:p14="http://schemas.microsoft.com/office/powerpoint/2010/main" val="1252429860"/>
-      </p:ext>
-    </p:extLst>
-  </p:cSld>
-  <p:clrMapOvr>
-    <a:masterClrMapping/>
-  </p:clrMapOvr>
-</p:sld>
-</file>
-
-<file path=ppt/slides/slide18.xml><?xml version="1.0" encoding="utf-8"?>
-<p:sld xmlns:a="http://schemas.openxmlformats.org/drawingml/2006/main" xmlns:r="http://schemas.openxmlformats.org/officeDocument/2006/relationships" xmlns:p="http://schemas.openxmlformats.org/presentationml/2006/main">
-  <p:cSld>
-    <p:spTree>
-      <p:nvGrpSpPr>
-        <p:cNvPr id="1" name=""/>
-        <p:cNvGrpSpPr/>
-        <p:nvPr/>
-      </p:nvGrpSpPr>
-      <p:grpSpPr>
-        <a:xfrm>
-          <a:off x="0" y="0"/>
-          <a:ext cx="0" cy="0"/>
-          <a:chOff x="0" y="0"/>
-          <a:chExt cx="0" cy="0"/>
-        </a:xfrm>
-      </p:grpSpPr>
-      <p:sp>
-        <p:nvSpPr>
-          <p:cNvPr id="3" name="TextBox 3"/>
-          <p:cNvSpPr txBox="1"/>
-          <p:nvPr/>
-        </p:nvSpPr>
-        <p:spPr>
-          <a:xfrm>
-            <a:off x="583875" y="603723"/>
-            <a:ext cx="12674925" cy="2496517"/>
-          </a:xfrm>
-          <a:prstGeom prst="rect">
-            <a:avLst/>
-          </a:prstGeom>
-        </p:spPr>
-        <p:txBody>
-          <a:bodyPr wrap="square" lIns="0" tIns="0" rIns="0" bIns="0" rtlCol="0" anchor="t">
-            <a:spAutoFit/>
-          </a:bodyPr>
-          <a:lstStyle/>
-          <a:p>
-            <a:pPr algn="l">
-              <a:lnSpc>
-                <a:spcPts val="10480"/>
-              </a:lnSpc>
-            </a:pPr>
-            <a:r>
-              <a:rPr lang="en-US" altLang="zh-TW" sz="8383" dirty="0">
-                <a:solidFill>
-                  <a:srgbClr val="5B5F72"/>
-                </a:solidFill>
-                <a:latin typeface="Arimo Bold"/>
-                <a:ea typeface="Arimo Bold"/>
-                <a:cs typeface="Arimo Bold"/>
-                <a:sym typeface="Arimo Bold"/>
-              </a:rPr>
-              <a:t>Another </a:t>
-            </a:r>
-            <a:r>
-              <a:rPr lang="en-US" sz="8383" dirty="0">
-                <a:solidFill>
-                  <a:srgbClr val="5B5F72"/>
-                </a:solidFill>
-                <a:latin typeface="Arimo Bold"/>
-                <a:ea typeface="Arimo Bold"/>
-                <a:cs typeface="Arimo Bold"/>
-                <a:sym typeface="Arimo Bold"/>
-              </a:rPr>
-              <a:t>Dataset</a:t>
-            </a:r>
-          </a:p>
-          <a:p>
-            <a:pPr algn="l">
-              <a:lnSpc>
-                <a:spcPts val="10480"/>
-              </a:lnSpc>
-            </a:pPr>
-            <a:r>
-              <a:rPr lang="en-US" sz="4800" dirty="0">
-                <a:latin typeface="Arimo Bold"/>
-                <a:ea typeface="Arimo Bold"/>
-                <a:cs typeface="Arimo Bold"/>
-                <a:sym typeface="Arimo Bold"/>
-              </a:rPr>
-              <a:t>401 rows and 13 features</a:t>
-            </a:r>
-          </a:p>
-        </p:txBody>
-      </p:sp>
-      <p:pic>
-        <p:nvPicPr>
-          <p:cNvPr id="14" name="圖片 13">
-            <a:extLst>
-              <a:ext uri="{FF2B5EF4-FFF2-40B4-BE49-F238E27FC236}">
-                <a16:creationId xmlns:a16="http://schemas.microsoft.com/office/drawing/2014/main" id="{46B33E6D-6536-C4FD-1C41-E699B67E76A4}"/>
-              </a:ext>
-            </a:extLst>
-          </p:cNvPr>
-          <p:cNvPicPr>
-            <a:picLocks noChangeAspect="1"/>
-          </p:cNvPicPr>
-          <p:nvPr/>
-        </p:nvPicPr>
-        <p:blipFill>
-          <a:blip r:embed="rId3"/>
-          <a:stretch>
-            <a:fillRect/>
-          </a:stretch>
-        </p:blipFill>
-        <p:spPr>
-          <a:xfrm>
-            <a:off x="1923608" y="4000500"/>
-            <a:ext cx="14440783" cy="3505200"/>
-          </a:xfrm>
-          <a:prstGeom prst="rect">
-            <a:avLst/>
-          </a:prstGeom>
-        </p:spPr>
-      </p:pic>
-      <p:sp>
-        <p:nvSpPr>
-          <p:cNvPr id="2" name="TextBox 3">
-            <a:extLst>
-              <a:ext uri="{FF2B5EF4-FFF2-40B4-BE49-F238E27FC236}">
-                <a16:creationId xmlns:a16="http://schemas.microsoft.com/office/drawing/2014/main" id="{367D24EB-E333-D389-C721-755B2BF83C01}"/>
-              </a:ext>
-            </a:extLst>
-          </p:cNvPr>
-          <p:cNvSpPr txBox="1"/>
-          <p:nvPr/>
-        </p:nvSpPr>
-        <p:spPr>
-          <a:xfrm>
-            <a:off x="5613075" y="8394899"/>
-            <a:ext cx="12674925" cy="1149995"/>
-          </a:xfrm>
-          <a:prstGeom prst="rect">
-            <a:avLst/>
-          </a:prstGeom>
-        </p:spPr>
-        <p:txBody>
-          <a:bodyPr wrap="square" lIns="0" tIns="0" rIns="0" bIns="0" rtlCol="0" anchor="t">
-            <a:spAutoFit/>
-          </a:bodyPr>
-          <a:lstStyle/>
-          <a:p>
-            <a:pPr algn="l">
-              <a:lnSpc>
-                <a:spcPts val="10480"/>
-              </a:lnSpc>
-            </a:pPr>
-            <a:r>
-              <a:rPr lang="en-US" altLang="zh-TW" sz="4800" dirty="0">
-                <a:latin typeface="Arimo Bold"/>
-                <a:ea typeface="Arimo Bold"/>
-                <a:cs typeface="Arimo Bold"/>
-                <a:sym typeface="Arimo Bold"/>
-              </a:rPr>
-              <a:t>Data had</a:t>
-            </a:r>
-            <a:r>
-              <a:rPr lang="zh-TW" altLang="en-US" sz="4800" dirty="0">
-                <a:latin typeface="Arimo Bold"/>
-                <a:ea typeface="Arimo Bold"/>
-                <a:cs typeface="Arimo Bold"/>
-                <a:sym typeface="Arimo Bold"/>
-              </a:rPr>
-              <a:t> </a:t>
-            </a:r>
-            <a:r>
-              <a:rPr lang="en-US" altLang="zh-TW" sz="4800" dirty="0">
-                <a:latin typeface="Arimo Bold"/>
-                <a:ea typeface="Arimo Bold"/>
-                <a:cs typeface="Arimo Bold"/>
-                <a:sym typeface="Arimo Bold"/>
-              </a:rPr>
-              <a:t>been</a:t>
-            </a:r>
-            <a:r>
-              <a:rPr lang="zh-TW" altLang="en-US" sz="4800" dirty="0">
-                <a:latin typeface="Arimo Bold"/>
-                <a:ea typeface="Arimo Bold"/>
-                <a:cs typeface="Arimo Bold"/>
-                <a:sym typeface="Arimo Bold"/>
-              </a:rPr>
-              <a:t> </a:t>
-            </a:r>
-            <a:r>
-              <a:rPr lang="en-US" altLang="zh-TW" sz="4800" dirty="0">
-                <a:latin typeface="Arimo Bold"/>
-                <a:ea typeface="Arimo Bold"/>
-                <a:cs typeface="Arimo Bold"/>
-                <a:sym typeface="Arimo Bold"/>
-              </a:rPr>
-              <a:t>cleaned</a:t>
-            </a:r>
-            <a:endParaRPr lang="en-US" sz="4800" dirty="0">
-              <a:latin typeface="Arimo Bold"/>
-              <a:ea typeface="Arimo Bold"/>
-              <a:cs typeface="Arimo Bold"/>
-              <a:sym typeface="Arimo Bold"/>
-            </a:endParaRPr>
-          </a:p>
-        </p:txBody>
-      </p:sp>
-    </p:spTree>
-    <p:extLst>
-      <p:ext uri="{BB962C8B-B14F-4D97-AF65-F5344CB8AC3E}">
-        <p14:creationId xmlns:p14="http://schemas.microsoft.com/office/powerpoint/2010/main" val="1144501996"/>
+        <p14:creationId xmlns:p14="http://schemas.microsoft.com/office/powerpoint/2010/main" val="4201765411"/>
       </p:ext>
     </p:extLst>
   </p:cSld>
@@ -13312,14 +13219,14 @@
         <p:spPr>
           <a:xfrm>
             <a:off x="762000" y="615486"/>
-            <a:ext cx="10533337" cy="908326"/>
-          </a:xfrm>
-          <a:prstGeom prst="rect">
-            <a:avLst/>
-          </a:prstGeom>
-        </p:spPr>
-        <p:txBody>
-          <a:bodyPr lIns="0" tIns="0" rIns="0" bIns="0" rtlCol="0" anchor="t">
+            <a:ext cx="15621000" cy="908326"/>
+          </a:xfrm>
+          <a:prstGeom prst="rect">
+            <a:avLst/>
+          </a:prstGeom>
+        </p:spPr>
+        <p:txBody>
+          <a:bodyPr wrap="square" lIns="0" tIns="0" rIns="0" bIns="0" rtlCol="0" anchor="t">
             <a:spAutoFit/>
           </a:bodyPr>
           <a:lstStyle/>
@@ -13330,7 +13237,7 @@
               </a:lnSpc>
             </a:pPr>
             <a:r>
-              <a:rPr lang="en-US" altLang="zh-TW" sz="6075" dirty="0">
+              <a:rPr lang="en-US" altLang="zh-TW" sz="5400" dirty="0">
                 <a:solidFill>
                   <a:srgbClr val="5B5F72"/>
                 </a:solidFill>
@@ -13342,7 +13249,7 @@
               <a:t>Another </a:t>
             </a:r>
             <a:r>
-              <a:rPr lang="en-US" sz="6075" dirty="0">
+              <a:rPr lang="en-US" sz="5400" dirty="0">
                 <a:solidFill>
                   <a:srgbClr val="5B5F72"/>
                 </a:solidFill>
@@ -13353,39 +13260,66 @@
               </a:rPr>
               <a:t>dataset</a:t>
             </a:r>
-          </a:p>
-        </p:txBody>
-      </p:sp>
-      <p:pic>
-        <p:nvPicPr>
-          <p:cNvPr id="7" name="圖片 6">
-            <a:extLst>
-              <a:ext uri="{FF2B5EF4-FFF2-40B4-BE49-F238E27FC236}">
-                <a16:creationId xmlns:a16="http://schemas.microsoft.com/office/drawing/2014/main" id="{6FEA37E4-AA9B-E540-51F1-9730D2E5E156}"/>
-              </a:ext>
-            </a:extLst>
-          </p:cNvPr>
-          <p:cNvPicPr>
-            <a:picLocks noChangeAspect="1"/>
-          </p:cNvPicPr>
-          <p:nvPr/>
-        </p:nvPicPr>
-        <p:blipFill>
-          <a:blip r:embed="rId4"/>
-          <a:stretch>
-            <a:fillRect/>
-          </a:stretch>
-        </p:blipFill>
-        <p:spPr>
-          <a:xfrm>
-            <a:off x="1517357" y="2123321"/>
-            <a:ext cx="7626643" cy="6629400"/>
-          </a:xfrm>
-          <a:prstGeom prst="rect">
-            <a:avLst/>
-          </a:prstGeom>
-        </p:spPr>
-      </p:pic>
+            <a:r>
+              <a:rPr lang="zh-TW" altLang="en-US" sz="5400" dirty="0">
+                <a:solidFill>
+                  <a:srgbClr val="5B5F72"/>
+                </a:solidFill>
+                <a:latin typeface="Arimo Bold"/>
+                <a:ea typeface="Arimo Bold"/>
+                <a:cs typeface="Arimo Bold"/>
+                <a:sym typeface="Arimo Bold"/>
+              </a:rPr>
+              <a:t> </a:t>
+            </a:r>
+            <a:r>
+              <a:rPr lang="en-US" altLang="zh-TW" sz="5400" dirty="0">
+                <a:solidFill>
+                  <a:srgbClr val="5B5F72"/>
+                </a:solidFill>
+                <a:latin typeface="Arimo Bold"/>
+                <a:ea typeface="Arimo Bold"/>
+                <a:cs typeface="Arimo Bold"/>
+                <a:sym typeface="Arimo Bold"/>
+              </a:rPr>
+              <a:t>(balance vs</a:t>
+            </a:r>
+            <a:r>
+              <a:rPr lang="zh-TW" altLang="en-US" sz="5400" dirty="0">
+                <a:solidFill>
+                  <a:srgbClr val="5B5F72"/>
+                </a:solidFill>
+                <a:latin typeface="Arimo Bold"/>
+                <a:ea typeface="Arimo Bold"/>
+                <a:cs typeface="Arimo Bold"/>
+                <a:sym typeface="Arimo Bold"/>
+              </a:rPr>
+              <a:t> </a:t>
+            </a:r>
+            <a:r>
+              <a:rPr lang="en-US" altLang="zh-TW" sz="5400" dirty="0">
+                <a:solidFill>
+                  <a:srgbClr val="5B5F72"/>
+                </a:solidFill>
+                <a:latin typeface="Arimo Bold"/>
+                <a:ea typeface="Arimo Bold"/>
+                <a:cs typeface="Arimo Bold"/>
+                <a:sym typeface="Arimo Bold"/>
+              </a:rPr>
+              <a:t>unbalanced)</a:t>
+            </a:r>
+            <a:endParaRPr lang="en-US" sz="5400" dirty="0">
+              <a:solidFill>
+                <a:srgbClr val="5B5F72"/>
+              </a:solidFill>
+              <a:latin typeface="Arimo Bold"/>
+              <a:ea typeface="Arimo Bold"/>
+              <a:cs typeface="Arimo Bold"/>
+              <a:sym typeface="Arimo Bold"/>
+            </a:endParaRPr>
+          </a:p>
+        </p:txBody>
+      </p:sp>
       <p:sp>
         <p:nvSpPr>
           <p:cNvPr id="9" name="TextBox 4">
@@ -13400,7 +13334,7 @@
         </p:nvSpPr>
         <p:spPr>
           <a:xfrm>
-            <a:off x="2362200" y="9257192"/>
+            <a:off x="1981200" y="9175742"/>
             <a:ext cx="23337821" cy="525337"/>
           </a:xfrm>
           <a:prstGeom prst="rect">
@@ -13479,7 +13413,7 @@
               <a:t> </a:t>
             </a:r>
             <a:r>
-              <a:rPr lang="en-US" sz="3500" dirty="0">
+              <a:rPr lang="en-US" altLang="zh-TW" sz="3500" dirty="0">
                 <a:solidFill>
                   <a:srgbClr val="5B5F72"/>
                 </a:solidFill>
@@ -13536,10 +13470,10 @@
                 <a:cs typeface="Arimo Bold"/>
                 <a:sym typeface="Arimo Bold"/>
               </a:rPr>
-              <a:t>data(random)</a:t>
-            </a:r>
-            <a:r>
-              <a:rPr lang="en-US" sz="3500" dirty="0">
+              <a:t>data(random). </a:t>
+            </a:r>
+            <a:r>
+              <a:rPr lang="en-US" altLang="zh-TW" sz="3500" dirty="0" err="1">
                 <a:solidFill>
                   <a:srgbClr val="5B5F72"/>
                 </a:solidFill>
@@ -13548,10 +13482,10 @@
                 <a:cs typeface="Arimo Bold"/>
                 <a:sym typeface="Arimo Bold"/>
               </a:rPr>
-              <a:t>. </a:t>
-            </a:r>
-            <a:r>
-              <a:rPr lang="en-US" sz="3500" dirty="0" err="1">
+              <a:t>ckd</a:t>
+            </a:r>
+            <a:r>
+              <a:rPr lang="en-US" altLang="zh-TW" sz="3500" dirty="0">
                 <a:solidFill>
                   <a:srgbClr val="5B5F72"/>
                 </a:solidFill>
@@ -13560,19 +13494,7 @@
                 <a:cs typeface="Arimo Bold"/>
                 <a:sym typeface="Arimo Bold"/>
               </a:rPr>
-              <a:t>ckd</a:t>
-            </a:r>
-            <a:r>
-              <a:rPr lang="en-US" sz="3500" dirty="0">
-                <a:solidFill>
-                  <a:srgbClr val="5B5F72"/>
-                </a:solidFill>
-                <a:latin typeface="Arimo Bold"/>
-                <a:ea typeface="Arimo Bold"/>
-                <a:cs typeface="Arimo Bold"/>
-                <a:sym typeface="Arimo Bold"/>
-              </a:rPr>
-              <a:t>  5:3 </a:t>
+              <a:t>  1:1 </a:t>
             </a:r>
           </a:p>
         </p:txBody>
@@ -13582,7 +13504,37 @@
           <p:cNvPr id="8" name="圖片 7">
             <a:extLst>
               <a:ext uri="{FF2B5EF4-FFF2-40B4-BE49-F238E27FC236}">
-                <a16:creationId xmlns:a16="http://schemas.microsoft.com/office/drawing/2014/main" id="{290AC9A0-C4C3-857D-F424-1CC62A33A5C9}"/>
+                <a16:creationId xmlns:a16="http://schemas.microsoft.com/office/drawing/2014/main" id="{0FF75365-AA64-3D9D-5F20-D4EC572633B5}"/>
+              </a:ext>
+            </a:extLst>
+          </p:cNvPr>
+          <p:cNvPicPr>
+            <a:picLocks noChangeAspect="1"/>
+          </p:cNvPicPr>
+          <p:nvPr/>
+        </p:nvPicPr>
+        <p:blipFill>
+          <a:blip r:embed="rId4"/>
+          <a:stretch>
+            <a:fillRect/>
+          </a:stretch>
+        </p:blipFill>
+        <p:spPr>
+          <a:xfrm>
+            <a:off x="2209800" y="2139298"/>
+            <a:ext cx="5638800" cy="6167100"/>
+          </a:xfrm>
+          <a:prstGeom prst="rect">
+            <a:avLst/>
+          </a:prstGeom>
+        </p:spPr>
+      </p:pic>
+      <p:pic>
+        <p:nvPicPr>
+          <p:cNvPr id="13" name="圖片 12">
+            <a:extLst>
+              <a:ext uri="{FF2B5EF4-FFF2-40B4-BE49-F238E27FC236}">
+                <a16:creationId xmlns:a16="http://schemas.microsoft.com/office/drawing/2014/main" id="{A81BA392-6E09-F834-6AA3-5C17F5BCFB93}"/>
               </a:ext>
             </a:extLst>
           </p:cNvPr>
@@ -13599,8 +13551,8 @@
         </p:blipFill>
         <p:spPr>
           <a:xfrm>
-            <a:off x="9117767" y="4116333"/>
-            <a:ext cx="8556515" cy="2643375"/>
+            <a:off x="8572500" y="3931446"/>
+            <a:ext cx="8748898" cy="3040854"/>
           </a:xfrm>
           <a:prstGeom prst="rect">
             <a:avLst/>
@@ -13610,7 +13562,7 @@
     </p:spTree>
     <p:extLst>
       <p:ext uri="{BB962C8B-B14F-4D97-AF65-F5344CB8AC3E}">
-        <p14:creationId xmlns:p14="http://schemas.microsoft.com/office/powerpoint/2010/main" val="4201765411"/>
+        <p14:creationId xmlns:p14="http://schemas.microsoft.com/office/powerpoint/2010/main" val="132312632"/>
       </p:ext>
     </p:extLst>
   </p:cSld>
@@ -14447,8 +14399,8 @@
         </p:nvSpPr>
         <p:spPr>
           <a:xfrm>
-            <a:off x="762000" y="615486"/>
-            <a:ext cx="15621000" cy="908326"/>
+            <a:off x="609600" y="462624"/>
+            <a:ext cx="12344400" cy="908326"/>
           </a:xfrm>
           <a:prstGeom prst="rect">
             <a:avLst/>
@@ -14466,7 +14418,7 @@
               </a:lnSpc>
             </a:pPr>
             <a:r>
-              <a:rPr lang="en-US" altLang="zh-TW" sz="5400" dirty="0">
+              <a:rPr lang="en-US" sz="6075" dirty="0">
                 <a:solidFill>
                   <a:srgbClr val="5B5F72"/>
                 </a:solidFill>
@@ -14475,10 +14427,10 @@
                 <a:cs typeface="Arimo Bold"/>
                 <a:sym typeface="Arimo Bold"/>
               </a:rPr>
-              <a:t>Another </a:t>
-            </a:r>
-            <a:r>
-              <a:rPr lang="en-US" sz="5400" dirty="0">
+              <a:t>Appendix: </a:t>
+            </a:r>
+            <a:r>
+              <a:rPr lang="en-US" altLang="zh-TW" sz="6075" dirty="0">
                 <a:solidFill>
                   <a:srgbClr val="5B5F72"/>
                 </a:solidFill>
@@ -14487,57 +14439,9 @@
                 <a:cs typeface="Arimo Bold"/>
                 <a:sym typeface="Arimo Bold"/>
               </a:rPr>
-              <a:t>dataset</a:t>
-            </a:r>
-            <a:r>
-              <a:rPr lang="zh-TW" altLang="en-US" sz="5400" dirty="0">
-                <a:solidFill>
-                  <a:srgbClr val="5B5F72"/>
-                </a:solidFill>
-                <a:latin typeface="Arimo Bold"/>
-                <a:ea typeface="Arimo Bold"/>
-                <a:cs typeface="Arimo Bold"/>
-                <a:sym typeface="Arimo Bold"/>
-              </a:rPr>
-              <a:t> </a:t>
-            </a:r>
-            <a:r>
-              <a:rPr lang="en-US" altLang="zh-TW" sz="5400" dirty="0">
-                <a:solidFill>
-                  <a:srgbClr val="5B5F72"/>
-                </a:solidFill>
-                <a:latin typeface="Arimo Bold"/>
-                <a:ea typeface="Arimo Bold"/>
-                <a:cs typeface="Arimo Bold"/>
-                <a:sym typeface="Arimo Bold"/>
-              </a:rPr>
-              <a:t>(balance vs</a:t>
-            </a:r>
-            <a:r>
-              <a:rPr lang="zh-TW" altLang="en-US" sz="5400" dirty="0">
-                <a:solidFill>
-                  <a:srgbClr val="5B5F72"/>
-                </a:solidFill>
-                <a:latin typeface="Arimo Bold"/>
-                <a:ea typeface="Arimo Bold"/>
-                <a:cs typeface="Arimo Bold"/>
-                <a:sym typeface="Arimo Bold"/>
-              </a:rPr>
-              <a:t> </a:t>
-            </a:r>
-            <a:r>
-              <a:rPr lang="en-US" altLang="zh-TW" sz="5400" dirty="0">
-                <a:solidFill>
-                  <a:srgbClr val="5B5F72"/>
-                </a:solidFill>
-                <a:latin typeface="Arimo Bold"/>
-                <a:ea typeface="Arimo Bold"/>
-                <a:cs typeface="Arimo Bold"/>
-                <a:sym typeface="Arimo Bold"/>
-              </a:rPr>
-              <a:t>unbalanced)</a:t>
-            </a:r>
-            <a:endParaRPr lang="en-US" sz="5400" dirty="0">
+              <a:t>Variable Information</a:t>
+            </a:r>
+            <a:endParaRPr lang="en-US" sz="6075" dirty="0">
               <a:solidFill>
                 <a:srgbClr val="5B5F72"/>
               </a:solidFill>
@@ -14549,191 +14453,12 @@
           </a:p>
         </p:txBody>
       </p:sp>
-      <p:sp>
-        <p:nvSpPr>
-          <p:cNvPr id="9" name="TextBox 4">
+      <p:pic>
+        <p:nvPicPr>
+          <p:cNvPr id="25" name="圖片 24">
             <a:extLst>
               <a:ext uri="{FF2B5EF4-FFF2-40B4-BE49-F238E27FC236}">
-                <a16:creationId xmlns:a16="http://schemas.microsoft.com/office/drawing/2014/main" id="{C9A14215-7A5F-7A80-CCB2-CCFF9B50C3FA}"/>
-              </a:ext>
-            </a:extLst>
-          </p:cNvPr>
-          <p:cNvSpPr txBox="1"/>
-          <p:nvPr/>
-        </p:nvSpPr>
-        <p:spPr>
-          <a:xfrm>
-            <a:off x="1981200" y="9175742"/>
-            <a:ext cx="23337821" cy="525337"/>
-          </a:xfrm>
-          <a:prstGeom prst="rect">
-            <a:avLst/>
-          </a:prstGeom>
-        </p:spPr>
-        <p:txBody>
-          <a:bodyPr lIns="0" tIns="0" rIns="0" bIns="0" rtlCol="0" anchor="t">
-            <a:spAutoFit/>
-          </a:bodyPr>
-          <a:lstStyle/>
-          <a:p>
-            <a:pPr algn="l">
-              <a:lnSpc>
-                <a:spcPts val="4375"/>
-              </a:lnSpc>
-            </a:pPr>
-            <a:r>
-              <a:rPr lang="en-US" altLang="zh-TW" sz="3500" dirty="0">
-                <a:solidFill>
-                  <a:srgbClr val="5B5F72"/>
-                </a:solidFill>
-                <a:latin typeface="Arimo Bold"/>
-                <a:ea typeface="Arimo Bold"/>
-                <a:cs typeface="Arimo Bold"/>
-                <a:sym typeface="Arimo Bold"/>
-              </a:rPr>
-              <a:t>Use </a:t>
-            </a:r>
-            <a:r>
-              <a:rPr lang="en-US" altLang="zh-TW" sz="3500" dirty="0" err="1">
-                <a:solidFill>
-                  <a:srgbClr val="5B5F72"/>
-                </a:solidFill>
-                <a:latin typeface="Arimo Bold"/>
-                <a:ea typeface="Arimo Bold"/>
-                <a:cs typeface="Arimo Bold"/>
-                <a:sym typeface="Arimo Bold"/>
-              </a:rPr>
-              <a:t>Oringinal</a:t>
-            </a:r>
-            <a:r>
-              <a:rPr lang="zh-TW" altLang="en-US" sz="3500" dirty="0">
-                <a:solidFill>
-                  <a:srgbClr val="5B5F72"/>
-                </a:solidFill>
-                <a:latin typeface="Arimo Bold"/>
-                <a:ea typeface="Arimo Bold"/>
-                <a:cs typeface="Arimo Bold"/>
-                <a:sym typeface="Arimo Bold"/>
-              </a:rPr>
-              <a:t> </a:t>
-            </a:r>
-            <a:r>
-              <a:rPr lang="en-US" altLang="zh-TW" sz="3500" dirty="0">
-                <a:solidFill>
-                  <a:srgbClr val="5B5F72"/>
-                </a:solidFill>
-                <a:latin typeface="Arimo Bold"/>
-                <a:ea typeface="Arimo Bold"/>
-                <a:cs typeface="Arimo Bold"/>
-                <a:sym typeface="Arimo Bold"/>
-              </a:rPr>
-              <a:t>dataset.</a:t>
-            </a:r>
-            <a:r>
-              <a:rPr lang="zh-TW" altLang="en-US" sz="3500" dirty="0">
-                <a:solidFill>
-                  <a:srgbClr val="5B5F72"/>
-                </a:solidFill>
-                <a:latin typeface="Arimo Bold"/>
-                <a:ea typeface="Arimo Bold"/>
-                <a:cs typeface="Arimo Bold"/>
-                <a:sym typeface="Arimo Bold"/>
-              </a:rPr>
-              <a:t> </a:t>
-            </a:r>
-            <a:r>
-              <a:rPr lang="en-US" altLang="zh-TW" sz="3500" dirty="0">
-                <a:solidFill>
-                  <a:srgbClr val="5B5F72"/>
-                </a:solidFill>
-                <a:latin typeface="Arimo Bold"/>
-                <a:ea typeface="Arimo Bold"/>
-                <a:cs typeface="Arimo Bold"/>
-                <a:sym typeface="Arimo Bold"/>
-              </a:rPr>
-              <a:t>Delete row</a:t>
-            </a:r>
-            <a:r>
-              <a:rPr lang="zh-TW" altLang="en-US" sz="3500" dirty="0">
-                <a:solidFill>
-                  <a:srgbClr val="5B5F72"/>
-                </a:solidFill>
-                <a:latin typeface="Arimo Bold"/>
-                <a:ea typeface="Arimo Bold"/>
-                <a:cs typeface="Arimo Bold"/>
-                <a:sym typeface="Arimo Bold"/>
-              </a:rPr>
-              <a:t> </a:t>
-            </a:r>
-            <a:r>
-              <a:rPr lang="en-US" altLang="zh-TW" sz="3500" dirty="0">
-                <a:solidFill>
-                  <a:srgbClr val="5B5F72"/>
-                </a:solidFill>
-                <a:latin typeface="Arimo Bold"/>
-                <a:ea typeface="Arimo Bold"/>
-                <a:cs typeface="Arimo Bold"/>
-                <a:sym typeface="Arimo Bold"/>
-              </a:rPr>
-              <a:t>to balance</a:t>
-            </a:r>
-            <a:r>
-              <a:rPr lang="zh-TW" altLang="en-US" sz="3500" dirty="0">
-                <a:solidFill>
-                  <a:srgbClr val="5B5F72"/>
-                </a:solidFill>
-                <a:latin typeface="Arimo Bold"/>
-                <a:ea typeface="Arimo Bold"/>
-                <a:cs typeface="Arimo Bold"/>
-                <a:sym typeface="Arimo Bold"/>
-              </a:rPr>
-              <a:t> </a:t>
-            </a:r>
-            <a:r>
-              <a:rPr lang="en-US" altLang="zh-TW" sz="3500" dirty="0">
-                <a:solidFill>
-                  <a:srgbClr val="5B5F72"/>
-                </a:solidFill>
-                <a:latin typeface="Arimo Bold"/>
-                <a:ea typeface="Arimo Bold"/>
-                <a:cs typeface="Arimo Bold"/>
-                <a:sym typeface="Arimo Bold"/>
-              </a:rPr>
-              <a:t>data(random). </a:t>
-            </a:r>
-            <a:r>
-              <a:rPr lang="en-US" altLang="zh-TW" sz="3500" dirty="0" err="1">
-                <a:solidFill>
-                  <a:srgbClr val="5B5F72"/>
-                </a:solidFill>
-                <a:latin typeface="Arimo Bold"/>
-                <a:ea typeface="Arimo Bold"/>
-                <a:cs typeface="Arimo Bold"/>
-                <a:sym typeface="Arimo Bold"/>
-              </a:rPr>
-              <a:t>ckd</a:t>
-            </a:r>
-            <a:r>
-              <a:rPr lang="en-US" altLang="zh-TW" sz="3500" dirty="0">
-                <a:solidFill>
-                  <a:srgbClr val="5B5F72"/>
-                </a:solidFill>
-                <a:latin typeface="Arimo Bold"/>
-                <a:ea typeface="Arimo Bold"/>
-                <a:cs typeface="Arimo Bold"/>
-                <a:sym typeface="Arimo Bold"/>
-              </a:rPr>
-              <a:t>  1:1 </a:t>
-            </a:r>
-          </a:p>
-        </p:txBody>
-      </p:sp>
-      <p:pic>
-        <p:nvPicPr>
-          <p:cNvPr id="8" name="圖片 7">
-            <a:extLst>
-              <a:ext uri="{FF2B5EF4-FFF2-40B4-BE49-F238E27FC236}">
-                <a16:creationId xmlns:a16="http://schemas.microsoft.com/office/drawing/2014/main" id="{0FF75365-AA64-3D9D-5F20-D4EC572633B5}"/>
+                <a16:creationId xmlns:a16="http://schemas.microsoft.com/office/drawing/2014/main" id="{B529D0E5-9016-71E8-305F-7EA7B06DA10D}"/>
               </a:ext>
             </a:extLst>
           </p:cNvPr>
@@ -14750,8 +14475,8 @@
         </p:blipFill>
         <p:spPr>
           <a:xfrm>
-            <a:off x="2209800" y="2139298"/>
-            <a:ext cx="5638800" cy="6167100"/>
+            <a:off x="3048000" y="2171700"/>
+            <a:ext cx="5638800" cy="6601111"/>
           </a:xfrm>
           <a:prstGeom prst="rect">
             <a:avLst/>
@@ -14760,10 +14485,10 @@
       </p:pic>
       <p:pic>
         <p:nvPicPr>
-          <p:cNvPr id="13" name="圖片 12">
+          <p:cNvPr id="27" name="圖片 26">
             <a:extLst>
               <a:ext uri="{FF2B5EF4-FFF2-40B4-BE49-F238E27FC236}">
-                <a16:creationId xmlns:a16="http://schemas.microsoft.com/office/drawing/2014/main" id="{A81BA392-6E09-F834-6AA3-5C17F5BCFB93}"/>
+                <a16:creationId xmlns:a16="http://schemas.microsoft.com/office/drawing/2014/main" id="{9E1C51FB-1A68-7782-6B44-A6FF1E28CDE9}"/>
               </a:ext>
             </a:extLst>
           </p:cNvPr>
@@ -14780,8 +14505,8 @@
         </p:blipFill>
         <p:spPr>
           <a:xfrm>
-            <a:off x="8572500" y="3931446"/>
-            <a:ext cx="8748898" cy="3040854"/>
+            <a:off x="9296400" y="2776998"/>
+            <a:ext cx="5404004" cy="5338302"/>
           </a:xfrm>
           <a:prstGeom prst="rect">
             <a:avLst/>
@@ -14791,7 +14516,7 @@
     </p:spTree>
     <p:extLst>
       <p:ext uri="{BB962C8B-B14F-4D97-AF65-F5344CB8AC3E}">
-        <p14:creationId xmlns:p14="http://schemas.microsoft.com/office/powerpoint/2010/main" val="132312632"/>
+        <p14:creationId xmlns:p14="http://schemas.microsoft.com/office/powerpoint/2010/main" val="1948605613"/>
       </p:ext>
     </p:extLst>
   </p:cSld>
@@ -14944,7 +14669,7 @@
         <p:spPr>
           <a:xfrm>
             <a:off x="609600" y="462624"/>
-            <a:ext cx="12344400" cy="908326"/>
+            <a:ext cx="12344400" cy="974626"/>
           </a:xfrm>
           <a:prstGeom prst="rect">
             <a:avLst/>
@@ -14983,7 +14708,43 @@
                 <a:cs typeface="Arimo Bold"/>
                 <a:sym typeface="Arimo Bold"/>
               </a:rPr>
-              <a:t>Variable Information</a:t>
+              <a:t>Other</a:t>
+            </a:r>
+            <a:r>
+              <a:rPr lang="zh-TW" altLang="en-US" sz="6075" dirty="0">
+                <a:solidFill>
+                  <a:srgbClr val="5B5F72"/>
+                </a:solidFill>
+                <a:latin typeface="Arimo Bold"/>
+                <a:ea typeface="Arimo Bold"/>
+                <a:cs typeface="Arimo Bold"/>
+                <a:sym typeface="Arimo Bold"/>
+              </a:rPr>
+              <a:t> </a:t>
+            </a:r>
+            <a:r>
+              <a:rPr lang="en-US" altLang="zh-TW" sz="6600" dirty="0">
+                <a:solidFill>
+                  <a:srgbClr val="5B5F72"/>
+                </a:solidFill>
+                <a:latin typeface="Arimo Bold"/>
+                <a:ea typeface="Arimo Bold"/>
+                <a:cs typeface="Arimo Bold"/>
+                <a:sym typeface="Arimo Bold"/>
+              </a:rPr>
+              <a:t>Distribution</a:t>
+            </a:r>
+            <a:r>
+              <a:rPr lang="zh-TW" altLang="en-US" sz="6075" dirty="0">
+                <a:solidFill>
+                  <a:srgbClr val="5B5F72"/>
+                </a:solidFill>
+                <a:latin typeface="Arimo Bold"/>
+                <a:ea typeface="Arimo Bold"/>
+                <a:cs typeface="Arimo Bold"/>
+                <a:sym typeface="Arimo Bold"/>
+              </a:rPr>
+              <a:t> </a:t>
             </a:r>
             <a:endParaRPr lang="en-US" sz="6075" dirty="0">
               <a:solidFill>
@@ -14997,12 +14758,71 @@
           </a:p>
         </p:txBody>
       </p:sp>
+      <p:sp>
+        <p:nvSpPr>
+          <p:cNvPr id="8" name="文字方塊 7">
+            <a:extLst>
+              <a:ext uri="{FF2B5EF4-FFF2-40B4-BE49-F238E27FC236}">
+                <a16:creationId xmlns:a16="http://schemas.microsoft.com/office/drawing/2014/main" id="{11A5788B-4766-AEB9-B43C-D1DAD19588BA}"/>
+              </a:ext>
+            </a:extLst>
+          </p:cNvPr>
+          <p:cNvSpPr txBox="1"/>
+          <p:nvPr/>
+        </p:nvSpPr>
+        <p:spPr>
+          <a:xfrm>
+            <a:off x="11887200" y="770641"/>
+            <a:ext cx="9144000" cy="584775"/>
+          </a:xfrm>
+          <a:prstGeom prst="rect">
+            <a:avLst/>
+          </a:prstGeom>
+          <a:noFill/>
+        </p:spPr>
+        <p:txBody>
+          <a:bodyPr wrap="square">
+            <a:spAutoFit/>
+          </a:bodyPr>
+          <a:lstStyle/>
+          <a:p>
+            <a:r>
+              <a:rPr lang="en-US" altLang="zh-TW" sz="3200" dirty="0">
+                <a:latin typeface="Arimo Bold"/>
+                <a:ea typeface="Arimo Bold"/>
+                <a:cs typeface="Arimo Bold"/>
+                <a:sym typeface="Arimo Bold"/>
+              </a:rPr>
+              <a:t>(After</a:t>
+            </a:r>
+            <a:r>
+              <a:rPr lang="zh-TW" altLang="en-US" sz="3200" dirty="0">
+                <a:latin typeface="Arimo Bold"/>
+                <a:ea typeface="Arimo Bold"/>
+                <a:cs typeface="Arimo Bold"/>
+                <a:sym typeface="Arimo Bold"/>
+              </a:rPr>
+              <a:t> </a:t>
+            </a:r>
+            <a:r>
+              <a:rPr lang="en-US" altLang="zh-TW" sz="3200" dirty="0">
+                <a:latin typeface="Arimo Bold"/>
+                <a:ea typeface="Arimo Bold"/>
+                <a:cs typeface="Arimo Bold"/>
+                <a:sym typeface="Arimo Bold"/>
+              </a:rPr>
+              <a:t>Data Cleaning)</a:t>
+            </a:r>
+            <a:endParaRPr lang="zh-TW" altLang="en-US" sz="3200" dirty="0"/>
+          </a:p>
+        </p:txBody>
+      </p:sp>
       <p:pic>
         <p:nvPicPr>
-          <p:cNvPr id="25" name="圖片 24">
+          <p:cNvPr id="12" name="圖片 11" descr="一張含有 文字, 行, 繪圖, 螢幕擷取畫面 的圖片&#10;&#10;自動產生的描述">
             <a:extLst>
               <a:ext uri="{FF2B5EF4-FFF2-40B4-BE49-F238E27FC236}">
-                <a16:creationId xmlns:a16="http://schemas.microsoft.com/office/drawing/2014/main" id="{B529D0E5-9016-71E8-305F-7EA7B06DA10D}"/>
+                <a16:creationId xmlns:a16="http://schemas.microsoft.com/office/drawing/2014/main" id="{CA1F114C-34F8-23C5-E5DD-F15CAB3B6065}"/>
               </a:ext>
             </a:extLst>
           </p:cNvPr>
@@ -15012,15 +14832,21 @@
           <p:nvPr/>
         </p:nvPicPr>
         <p:blipFill>
-          <a:blip r:embed="rId4"/>
+          <a:blip r:embed="rId4">
+            <a:extLst>
+              <a:ext uri="{28A0092B-C50C-407E-A947-70E740481C1C}">
+                <a14:useLocalDpi xmlns:a14="http://schemas.microsoft.com/office/drawing/2010/main" val="0"/>
+              </a:ext>
+            </a:extLst>
+          </a:blip>
           <a:stretch>
             <a:fillRect/>
           </a:stretch>
         </p:blipFill>
         <p:spPr>
           <a:xfrm>
-            <a:off x="3048000" y="2171700"/>
-            <a:ext cx="5638800" cy="6601111"/>
+            <a:off x="4571991" y="3314696"/>
+            <a:ext cx="9144018" cy="3657607"/>
           </a:xfrm>
           <a:prstGeom prst="rect">
             <a:avLst/>
@@ -15029,10 +14855,10 @@
       </p:pic>
       <p:pic>
         <p:nvPicPr>
-          <p:cNvPr id="27" name="圖片 26">
+          <p:cNvPr id="14" name="圖片 13" descr="一張含有 行, 繪圖, 螢幕擷取畫面, 圖表 的圖片&#10;&#10;自動產生的描述">
             <a:extLst>
               <a:ext uri="{FF2B5EF4-FFF2-40B4-BE49-F238E27FC236}">
-                <a16:creationId xmlns:a16="http://schemas.microsoft.com/office/drawing/2014/main" id="{9E1C51FB-1A68-7782-6B44-A6FF1E28CDE9}"/>
+                <a16:creationId xmlns:a16="http://schemas.microsoft.com/office/drawing/2014/main" id="{54457286-689B-5ED8-353D-7987D5755D1B}"/>
               </a:ext>
             </a:extLst>
           </p:cNvPr>
@@ -15042,15 +14868,705 @@
           <p:nvPr/>
         </p:nvPicPr>
         <p:blipFill>
-          <a:blip r:embed="rId5"/>
+          <a:blip r:embed="rId5">
+            <a:extLst>
+              <a:ext uri="{28A0092B-C50C-407E-A947-70E740481C1C}">
+                <a14:useLocalDpi xmlns:a14="http://schemas.microsoft.com/office/drawing/2010/main" val="0"/>
+              </a:ext>
+            </a:extLst>
+          </a:blip>
           <a:stretch>
             <a:fillRect/>
           </a:stretch>
         </p:blipFill>
         <p:spPr>
           <a:xfrm>
-            <a:off x="9296400" y="2776998"/>
-            <a:ext cx="5404004" cy="5338302"/>
+            <a:off x="4571991" y="3314696"/>
+            <a:ext cx="9144018" cy="3657607"/>
+          </a:xfrm>
+          <a:prstGeom prst="rect">
+            <a:avLst/>
+          </a:prstGeom>
+        </p:spPr>
+      </p:pic>
+      <p:pic>
+        <p:nvPicPr>
+          <p:cNvPr id="16" name="圖片 15" descr="一張含有 行, 繪圖, 螢幕擷取畫面, 圖表 的圖片&#10;&#10;自動產生的描述">
+            <a:extLst>
+              <a:ext uri="{FF2B5EF4-FFF2-40B4-BE49-F238E27FC236}">
+                <a16:creationId xmlns:a16="http://schemas.microsoft.com/office/drawing/2014/main" id="{D1775368-1117-B9AC-28FC-FAFBFA09D944}"/>
+              </a:ext>
+            </a:extLst>
+          </p:cNvPr>
+          <p:cNvPicPr>
+            <a:picLocks noChangeAspect="1"/>
+          </p:cNvPicPr>
+          <p:nvPr/>
+        </p:nvPicPr>
+        <p:blipFill>
+          <a:blip r:embed="rId6">
+            <a:extLst>
+              <a:ext uri="{28A0092B-C50C-407E-A947-70E740481C1C}">
+                <a14:useLocalDpi xmlns:a14="http://schemas.microsoft.com/office/drawing/2010/main" val="0"/>
+              </a:ext>
+            </a:extLst>
+          </a:blip>
+          <a:stretch>
+            <a:fillRect/>
+          </a:stretch>
+        </p:blipFill>
+        <p:spPr>
+          <a:xfrm>
+            <a:off x="4571991" y="3314696"/>
+            <a:ext cx="9144018" cy="3657607"/>
+          </a:xfrm>
+          <a:prstGeom prst="rect">
+            <a:avLst/>
+          </a:prstGeom>
+        </p:spPr>
+      </p:pic>
+      <p:pic>
+        <p:nvPicPr>
+          <p:cNvPr id="18" name="圖片 17" descr="一張含有 圖表, 行, 繪圖 的圖片&#10;&#10;自動產生的描述">
+            <a:extLst>
+              <a:ext uri="{FF2B5EF4-FFF2-40B4-BE49-F238E27FC236}">
+                <a16:creationId xmlns:a16="http://schemas.microsoft.com/office/drawing/2014/main" id="{319A22AE-0BAB-A3B3-962B-109DFBB03A53}"/>
+              </a:ext>
+            </a:extLst>
+          </p:cNvPr>
+          <p:cNvPicPr>
+            <a:picLocks noChangeAspect="1"/>
+          </p:cNvPicPr>
+          <p:nvPr/>
+        </p:nvPicPr>
+        <p:blipFill>
+          <a:blip r:embed="rId7">
+            <a:extLst>
+              <a:ext uri="{28A0092B-C50C-407E-A947-70E740481C1C}">
+                <a14:useLocalDpi xmlns:a14="http://schemas.microsoft.com/office/drawing/2010/main" val="0"/>
+              </a:ext>
+            </a:extLst>
+          </a:blip>
+          <a:stretch>
+            <a:fillRect/>
+          </a:stretch>
+        </p:blipFill>
+        <p:spPr>
+          <a:xfrm>
+            <a:off x="4571991" y="3314696"/>
+            <a:ext cx="9144018" cy="3657607"/>
+          </a:xfrm>
+          <a:prstGeom prst="rect">
+            <a:avLst/>
+          </a:prstGeom>
+        </p:spPr>
+      </p:pic>
+      <p:pic>
+        <p:nvPicPr>
+          <p:cNvPr id="20" name="圖片 19" descr="一張含有 行, 繪圖, 螢幕擷取畫面, 圖表 的圖片&#10;&#10;自動產生的描述">
+            <a:extLst>
+              <a:ext uri="{FF2B5EF4-FFF2-40B4-BE49-F238E27FC236}">
+                <a16:creationId xmlns:a16="http://schemas.microsoft.com/office/drawing/2014/main" id="{F625BC58-F5E5-5213-AFD3-8676AF74B772}"/>
+              </a:ext>
+            </a:extLst>
+          </p:cNvPr>
+          <p:cNvPicPr>
+            <a:picLocks noChangeAspect="1"/>
+          </p:cNvPicPr>
+          <p:nvPr/>
+        </p:nvPicPr>
+        <p:blipFill>
+          <a:blip r:embed="rId8">
+            <a:extLst>
+              <a:ext uri="{28A0092B-C50C-407E-A947-70E740481C1C}">
+                <a14:useLocalDpi xmlns:a14="http://schemas.microsoft.com/office/drawing/2010/main" val="0"/>
+              </a:ext>
+            </a:extLst>
+          </a:blip>
+          <a:stretch>
+            <a:fillRect/>
+          </a:stretch>
+        </p:blipFill>
+        <p:spPr>
+          <a:xfrm>
+            <a:off x="4571991" y="3314696"/>
+            <a:ext cx="9144018" cy="3657607"/>
+          </a:xfrm>
+          <a:prstGeom prst="rect">
+            <a:avLst/>
+          </a:prstGeom>
+        </p:spPr>
+      </p:pic>
+      <p:pic>
+        <p:nvPicPr>
+          <p:cNvPr id="22" name="圖片 21" descr="一張含有 行, 文字, 繪圖, 螢幕擷取畫面 的圖片&#10;&#10;自動產生的描述">
+            <a:extLst>
+              <a:ext uri="{FF2B5EF4-FFF2-40B4-BE49-F238E27FC236}">
+                <a16:creationId xmlns:a16="http://schemas.microsoft.com/office/drawing/2014/main" id="{A742EC76-1FE4-E78A-F6AD-38E83EE99856}"/>
+              </a:ext>
+            </a:extLst>
+          </p:cNvPr>
+          <p:cNvPicPr>
+            <a:picLocks noChangeAspect="1"/>
+          </p:cNvPicPr>
+          <p:nvPr/>
+        </p:nvPicPr>
+        <p:blipFill>
+          <a:blip r:embed="rId9">
+            <a:extLst>
+              <a:ext uri="{28A0092B-C50C-407E-A947-70E740481C1C}">
+                <a14:useLocalDpi xmlns:a14="http://schemas.microsoft.com/office/drawing/2010/main" val="0"/>
+              </a:ext>
+            </a:extLst>
+          </a:blip>
+          <a:stretch>
+            <a:fillRect/>
+          </a:stretch>
+        </p:blipFill>
+        <p:spPr>
+          <a:xfrm>
+            <a:off x="4571991" y="3314696"/>
+            <a:ext cx="9144018" cy="3657607"/>
+          </a:xfrm>
+          <a:prstGeom prst="rect">
+            <a:avLst/>
+          </a:prstGeom>
+        </p:spPr>
+      </p:pic>
+      <p:pic>
+        <p:nvPicPr>
+          <p:cNvPr id="24" name="圖片 23" descr="一張含有 文字, 行, 螢幕擷取畫面, 繪圖 的圖片&#10;&#10;自動產生的描述">
+            <a:extLst>
+              <a:ext uri="{FF2B5EF4-FFF2-40B4-BE49-F238E27FC236}">
+                <a16:creationId xmlns:a16="http://schemas.microsoft.com/office/drawing/2014/main" id="{46912A58-5789-0908-7A4F-BD50F7BB7A73}"/>
+              </a:ext>
+            </a:extLst>
+          </p:cNvPr>
+          <p:cNvPicPr>
+            <a:picLocks noChangeAspect="1"/>
+          </p:cNvPicPr>
+          <p:nvPr/>
+        </p:nvPicPr>
+        <p:blipFill>
+          <a:blip r:embed="rId10">
+            <a:extLst>
+              <a:ext uri="{28A0092B-C50C-407E-A947-70E740481C1C}">
+                <a14:useLocalDpi xmlns:a14="http://schemas.microsoft.com/office/drawing/2010/main" val="0"/>
+              </a:ext>
+            </a:extLst>
+          </a:blip>
+          <a:stretch>
+            <a:fillRect/>
+          </a:stretch>
+        </p:blipFill>
+        <p:spPr>
+          <a:xfrm>
+            <a:off x="4571991" y="3314696"/>
+            <a:ext cx="9144018" cy="3657607"/>
+          </a:xfrm>
+          <a:prstGeom prst="rect">
+            <a:avLst/>
+          </a:prstGeom>
+        </p:spPr>
+      </p:pic>
+      <p:pic>
+        <p:nvPicPr>
+          <p:cNvPr id="26" name="圖片 25" descr="一張含有 文字, 行, 繪圖, 螢幕擷取畫面 的圖片&#10;&#10;自動產生的描述">
+            <a:extLst>
+              <a:ext uri="{FF2B5EF4-FFF2-40B4-BE49-F238E27FC236}">
+                <a16:creationId xmlns:a16="http://schemas.microsoft.com/office/drawing/2014/main" id="{48A7568A-DC64-0554-8682-7FD109BD2EB0}"/>
+              </a:ext>
+            </a:extLst>
+          </p:cNvPr>
+          <p:cNvPicPr>
+            <a:picLocks noChangeAspect="1"/>
+          </p:cNvPicPr>
+          <p:nvPr/>
+        </p:nvPicPr>
+        <p:blipFill>
+          <a:blip r:embed="rId11">
+            <a:extLst>
+              <a:ext uri="{28A0092B-C50C-407E-A947-70E740481C1C}">
+                <a14:useLocalDpi xmlns:a14="http://schemas.microsoft.com/office/drawing/2010/main" val="0"/>
+              </a:ext>
+            </a:extLst>
+          </a:blip>
+          <a:stretch>
+            <a:fillRect/>
+          </a:stretch>
+        </p:blipFill>
+        <p:spPr>
+          <a:xfrm>
+            <a:off x="4571991" y="3314696"/>
+            <a:ext cx="9144018" cy="3657607"/>
+          </a:xfrm>
+          <a:prstGeom prst="rect">
+            <a:avLst/>
+          </a:prstGeom>
+        </p:spPr>
+      </p:pic>
+      <p:pic>
+        <p:nvPicPr>
+          <p:cNvPr id="28" name="圖片 27" descr="一張含有 圖表, 行, 繪圖 的圖片&#10;&#10;自動產生的描述">
+            <a:extLst>
+              <a:ext uri="{FF2B5EF4-FFF2-40B4-BE49-F238E27FC236}">
+                <a16:creationId xmlns:a16="http://schemas.microsoft.com/office/drawing/2014/main" id="{3B87E719-C663-00A4-D595-D5591ACC290B}"/>
+              </a:ext>
+            </a:extLst>
+          </p:cNvPr>
+          <p:cNvPicPr>
+            <a:picLocks noChangeAspect="1"/>
+          </p:cNvPicPr>
+          <p:nvPr/>
+        </p:nvPicPr>
+        <p:blipFill>
+          <a:blip r:embed="rId12">
+            <a:extLst>
+              <a:ext uri="{28A0092B-C50C-407E-A947-70E740481C1C}">
+                <a14:useLocalDpi xmlns:a14="http://schemas.microsoft.com/office/drawing/2010/main" val="0"/>
+              </a:ext>
+            </a:extLst>
+          </a:blip>
+          <a:stretch>
+            <a:fillRect/>
+          </a:stretch>
+        </p:blipFill>
+        <p:spPr>
+          <a:xfrm>
+            <a:off x="4571991" y="3314696"/>
+            <a:ext cx="9144018" cy="3657607"/>
+          </a:xfrm>
+          <a:prstGeom prst="rect">
+            <a:avLst/>
+          </a:prstGeom>
+        </p:spPr>
+      </p:pic>
+      <p:pic>
+        <p:nvPicPr>
+          <p:cNvPr id="30" name="圖片 29" descr="一張含有 文字, 螢幕擷取畫面, 行, 繪圖 的圖片&#10;&#10;自動產生的描述">
+            <a:extLst>
+              <a:ext uri="{FF2B5EF4-FFF2-40B4-BE49-F238E27FC236}">
+                <a16:creationId xmlns:a16="http://schemas.microsoft.com/office/drawing/2014/main" id="{CA845AB8-CBA1-E9AD-5E2B-46AEF1407881}"/>
+              </a:ext>
+            </a:extLst>
+          </p:cNvPr>
+          <p:cNvPicPr>
+            <a:picLocks noChangeAspect="1"/>
+          </p:cNvPicPr>
+          <p:nvPr/>
+        </p:nvPicPr>
+        <p:blipFill>
+          <a:blip r:embed="rId13">
+            <a:extLst>
+              <a:ext uri="{28A0092B-C50C-407E-A947-70E740481C1C}">
+                <a14:useLocalDpi xmlns:a14="http://schemas.microsoft.com/office/drawing/2010/main" val="0"/>
+              </a:ext>
+            </a:extLst>
+          </a:blip>
+          <a:stretch>
+            <a:fillRect/>
+          </a:stretch>
+        </p:blipFill>
+        <p:spPr>
+          <a:xfrm>
+            <a:off x="4571991" y="3314696"/>
+            <a:ext cx="9144018" cy="3657607"/>
+          </a:xfrm>
+          <a:prstGeom prst="rect">
+            <a:avLst/>
+          </a:prstGeom>
+        </p:spPr>
+      </p:pic>
+      <p:pic>
+        <p:nvPicPr>
+          <p:cNvPr id="32" name="圖片 31" descr="一張含有 行, 繪圖, 圖表, 螢幕擷取畫面 的圖片&#10;&#10;自動產生的描述">
+            <a:extLst>
+              <a:ext uri="{FF2B5EF4-FFF2-40B4-BE49-F238E27FC236}">
+                <a16:creationId xmlns:a16="http://schemas.microsoft.com/office/drawing/2014/main" id="{657FE066-B92C-945E-E497-53625C09E6AF}"/>
+              </a:ext>
+            </a:extLst>
+          </p:cNvPr>
+          <p:cNvPicPr>
+            <a:picLocks noChangeAspect="1"/>
+          </p:cNvPicPr>
+          <p:nvPr/>
+        </p:nvPicPr>
+        <p:blipFill>
+          <a:blip r:embed="rId14">
+            <a:extLst>
+              <a:ext uri="{28A0092B-C50C-407E-A947-70E740481C1C}">
+                <a14:useLocalDpi xmlns:a14="http://schemas.microsoft.com/office/drawing/2010/main" val="0"/>
+              </a:ext>
+            </a:extLst>
+          </a:blip>
+          <a:stretch>
+            <a:fillRect/>
+          </a:stretch>
+        </p:blipFill>
+        <p:spPr>
+          <a:xfrm>
+            <a:off x="4571991" y="3314696"/>
+            <a:ext cx="9144018" cy="3657607"/>
+          </a:xfrm>
+          <a:prstGeom prst="rect">
+            <a:avLst/>
+          </a:prstGeom>
+        </p:spPr>
+      </p:pic>
+      <p:pic>
+        <p:nvPicPr>
+          <p:cNvPr id="34" name="圖片 33" descr="一張含有 行, 繪圖, 圖表, 螢幕擷取畫面 的圖片&#10;&#10;自動產生的描述">
+            <a:extLst>
+              <a:ext uri="{FF2B5EF4-FFF2-40B4-BE49-F238E27FC236}">
+                <a16:creationId xmlns:a16="http://schemas.microsoft.com/office/drawing/2014/main" id="{8BD8ABA5-5D2F-DDF6-FFDF-D04EA7E06F95}"/>
+              </a:ext>
+            </a:extLst>
+          </p:cNvPr>
+          <p:cNvPicPr>
+            <a:picLocks noChangeAspect="1"/>
+          </p:cNvPicPr>
+          <p:nvPr/>
+        </p:nvPicPr>
+        <p:blipFill>
+          <a:blip r:embed="rId15">
+            <a:extLst>
+              <a:ext uri="{28A0092B-C50C-407E-A947-70E740481C1C}">
+                <a14:useLocalDpi xmlns:a14="http://schemas.microsoft.com/office/drawing/2010/main" val="0"/>
+              </a:ext>
+            </a:extLst>
+          </a:blip>
+          <a:stretch>
+            <a:fillRect/>
+          </a:stretch>
+        </p:blipFill>
+        <p:spPr>
+          <a:xfrm>
+            <a:off x="4571991" y="3314696"/>
+            <a:ext cx="9144018" cy="3657607"/>
+          </a:xfrm>
+          <a:prstGeom prst="rect">
+            <a:avLst/>
+          </a:prstGeom>
+        </p:spPr>
+      </p:pic>
+      <p:pic>
+        <p:nvPicPr>
+          <p:cNvPr id="36" name="圖片 35" descr="一張含有 圖表, 行, 繪圖 的圖片&#10;&#10;自動產生的描述">
+            <a:extLst>
+              <a:ext uri="{FF2B5EF4-FFF2-40B4-BE49-F238E27FC236}">
+                <a16:creationId xmlns:a16="http://schemas.microsoft.com/office/drawing/2014/main" id="{0870CDE4-9889-3586-C861-A016B1EE5AE0}"/>
+              </a:ext>
+            </a:extLst>
+          </p:cNvPr>
+          <p:cNvPicPr>
+            <a:picLocks noChangeAspect="1"/>
+          </p:cNvPicPr>
+          <p:nvPr/>
+        </p:nvPicPr>
+        <p:blipFill>
+          <a:blip r:embed="rId16">
+            <a:extLst>
+              <a:ext uri="{28A0092B-C50C-407E-A947-70E740481C1C}">
+                <a14:useLocalDpi xmlns:a14="http://schemas.microsoft.com/office/drawing/2010/main" val="0"/>
+              </a:ext>
+            </a:extLst>
+          </a:blip>
+          <a:stretch>
+            <a:fillRect/>
+          </a:stretch>
+        </p:blipFill>
+        <p:spPr>
+          <a:xfrm>
+            <a:off x="4571991" y="3314696"/>
+            <a:ext cx="9144018" cy="3657607"/>
+          </a:xfrm>
+          <a:prstGeom prst="rect">
+            <a:avLst/>
+          </a:prstGeom>
+        </p:spPr>
+      </p:pic>
+      <p:pic>
+        <p:nvPicPr>
+          <p:cNvPr id="38" name="圖片 37" descr="一張含有 文字, 行, 繪圖, 螢幕擷取畫面 的圖片&#10;&#10;自動產生的描述">
+            <a:extLst>
+              <a:ext uri="{FF2B5EF4-FFF2-40B4-BE49-F238E27FC236}">
+                <a16:creationId xmlns:a16="http://schemas.microsoft.com/office/drawing/2014/main" id="{14D67A10-D1BE-D243-2E30-879BC2CA1621}"/>
+              </a:ext>
+            </a:extLst>
+          </p:cNvPr>
+          <p:cNvPicPr>
+            <a:picLocks noChangeAspect="1"/>
+          </p:cNvPicPr>
+          <p:nvPr/>
+        </p:nvPicPr>
+        <p:blipFill>
+          <a:blip r:embed="rId17">
+            <a:extLst>
+              <a:ext uri="{28A0092B-C50C-407E-A947-70E740481C1C}">
+                <a14:useLocalDpi xmlns:a14="http://schemas.microsoft.com/office/drawing/2010/main" val="0"/>
+              </a:ext>
+            </a:extLst>
+          </a:blip>
+          <a:stretch>
+            <a:fillRect/>
+          </a:stretch>
+        </p:blipFill>
+        <p:spPr>
+          <a:xfrm>
+            <a:off x="4571991" y="3314696"/>
+            <a:ext cx="9144018" cy="3657607"/>
+          </a:xfrm>
+          <a:prstGeom prst="rect">
+            <a:avLst/>
+          </a:prstGeom>
+        </p:spPr>
+      </p:pic>
+      <p:pic>
+        <p:nvPicPr>
+          <p:cNvPr id="40" name="圖片 39" descr="一張含有 圖表, 行, 繪圖, 斜率、斜坡 的圖片&#10;&#10;自動產生的描述">
+            <a:extLst>
+              <a:ext uri="{FF2B5EF4-FFF2-40B4-BE49-F238E27FC236}">
+                <a16:creationId xmlns:a16="http://schemas.microsoft.com/office/drawing/2014/main" id="{AE98C5E0-D567-E5CC-E521-17E568DDBBB5}"/>
+              </a:ext>
+            </a:extLst>
+          </p:cNvPr>
+          <p:cNvPicPr>
+            <a:picLocks noChangeAspect="1"/>
+          </p:cNvPicPr>
+          <p:nvPr/>
+        </p:nvPicPr>
+        <p:blipFill>
+          <a:blip r:embed="rId18">
+            <a:extLst>
+              <a:ext uri="{28A0092B-C50C-407E-A947-70E740481C1C}">
+                <a14:useLocalDpi xmlns:a14="http://schemas.microsoft.com/office/drawing/2010/main" val="0"/>
+              </a:ext>
+            </a:extLst>
+          </a:blip>
+          <a:stretch>
+            <a:fillRect/>
+          </a:stretch>
+        </p:blipFill>
+        <p:spPr>
+          <a:xfrm>
+            <a:off x="4571991" y="3314696"/>
+            <a:ext cx="9144018" cy="3657607"/>
+          </a:xfrm>
+          <a:prstGeom prst="rect">
+            <a:avLst/>
+          </a:prstGeom>
+        </p:spPr>
+      </p:pic>
+      <p:pic>
+        <p:nvPicPr>
+          <p:cNvPr id="42" name="圖片 41" descr="一張含有 行, 繪圖, 螢幕擷取畫面, 圖表 的圖片&#10;&#10;自動產生的描述">
+            <a:extLst>
+              <a:ext uri="{FF2B5EF4-FFF2-40B4-BE49-F238E27FC236}">
+                <a16:creationId xmlns:a16="http://schemas.microsoft.com/office/drawing/2014/main" id="{8B2E047E-243C-DD15-7802-FFDE1F492619}"/>
+              </a:ext>
+            </a:extLst>
+          </p:cNvPr>
+          <p:cNvPicPr>
+            <a:picLocks noChangeAspect="1"/>
+          </p:cNvPicPr>
+          <p:nvPr/>
+        </p:nvPicPr>
+        <p:blipFill>
+          <a:blip r:embed="rId19">
+            <a:extLst>
+              <a:ext uri="{28A0092B-C50C-407E-A947-70E740481C1C}">
+                <a14:useLocalDpi xmlns:a14="http://schemas.microsoft.com/office/drawing/2010/main" val="0"/>
+              </a:ext>
+            </a:extLst>
+          </a:blip>
+          <a:stretch>
+            <a:fillRect/>
+          </a:stretch>
+        </p:blipFill>
+        <p:spPr>
+          <a:xfrm>
+            <a:off x="4571991" y="3314696"/>
+            <a:ext cx="9144018" cy="3657607"/>
+          </a:xfrm>
+          <a:prstGeom prst="rect">
+            <a:avLst/>
+          </a:prstGeom>
+        </p:spPr>
+      </p:pic>
+      <p:pic>
+        <p:nvPicPr>
+          <p:cNvPr id="44" name="圖片 43" descr="一張含有 文字, 行, 螢幕擷取畫面, 繪圖 的圖片&#10;&#10;自動產生的描述">
+            <a:extLst>
+              <a:ext uri="{FF2B5EF4-FFF2-40B4-BE49-F238E27FC236}">
+                <a16:creationId xmlns:a16="http://schemas.microsoft.com/office/drawing/2014/main" id="{1F81DABA-B482-CE73-D02E-09304C718F39}"/>
+              </a:ext>
+            </a:extLst>
+          </p:cNvPr>
+          <p:cNvPicPr>
+            <a:picLocks noChangeAspect="1"/>
+          </p:cNvPicPr>
+          <p:nvPr/>
+        </p:nvPicPr>
+        <p:blipFill>
+          <a:blip r:embed="rId20">
+            <a:extLst>
+              <a:ext uri="{28A0092B-C50C-407E-A947-70E740481C1C}">
+                <a14:useLocalDpi xmlns:a14="http://schemas.microsoft.com/office/drawing/2010/main" val="0"/>
+              </a:ext>
+            </a:extLst>
+          </a:blip>
+          <a:stretch>
+            <a:fillRect/>
+          </a:stretch>
+        </p:blipFill>
+        <p:spPr>
+          <a:xfrm>
+            <a:off x="4571991" y="3314696"/>
+            <a:ext cx="9144018" cy="3657607"/>
+          </a:xfrm>
+          <a:prstGeom prst="rect">
+            <a:avLst/>
+          </a:prstGeom>
+        </p:spPr>
+      </p:pic>
+      <p:pic>
+        <p:nvPicPr>
+          <p:cNvPr id="46" name="圖片 45" descr="一張含有 行, 文字, 繪圖, 螢幕擷取畫面 的圖片&#10;&#10;自動產生的描述">
+            <a:extLst>
+              <a:ext uri="{FF2B5EF4-FFF2-40B4-BE49-F238E27FC236}">
+                <a16:creationId xmlns:a16="http://schemas.microsoft.com/office/drawing/2014/main" id="{375EF2C9-2E35-CC0F-A8DC-13E330611A2D}"/>
+              </a:ext>
+            </a:extLst>
+          </p:cNvPr>
+          <p:cNvPicPr>
+            <a:picLocks noChangeAspect="1"/>
+          </p:cNvPicPr>
+          <p:nvPr/>
+        </p:nvPicPr>
+        <p:blipFill>
+          <a:blip r:embed="rId21">
+            <a:extLst>
+              <a:ext uri="{28A0092B-C50C-407E-A947-70E740481C1C}">
+                <a14:useLocalDpi xmlns:a14="http://schemas.microsoft.com/office/drawing/2010/main" val="0"/>
+              </a:ext>
+            </a:extLst>
+          </a:blip>
+          <a:stretch>
+            <a:fillRect/>
+          </a:stretch>
+        </p:blipFill>
+        <p:spPr>
+          <a:xfrm>
+            <a:off x="474407" y="5410185"/>
+            <a:ext cx="9144018" cy="3657607"/>
+          </a:xfrm>
+          <a:prstGeom prst="rect">
+            <a:avLst/>
+          </a:prstGeom>
+        </p:spPr>
+      </p:pic>
+      <p:pic>
+        <p:nvPicPr>
+          <p:cNvPr id="48" name="圖片 47" descr="一張含有 文字, 行, 繪圖, 螢幕擷取畫面 的圖片&#10;&#10;自動產生的描述">
+            <a:extLst>
+              <a:ext uri="{FF2B5EF4-FFF2-40B4-BE49-F238E27FC236}">
+                <a16:creationId xmlns:a16="http://schemas.microsoft.com/office/drawing/2014/main" id="{24A70236-C614-1D89-5606-70722E5167F5}"/>
+              </a:ext>
+            </a:extLst>
+          </p:cNvPr>
+          <p:cNvPicPr>
+            <a:picLocks noChangeAspect="1"/>
+          </p:cNvPicPr>
+          <p:nvPr/>
+        </p:nvPicPr>
+        <p:blipFill>
+          <a:blip r:embed="rId22">
+            <a:extLst>
+              <a:ext uri="{28A0092B-C50C-407E-A947-70E740481C1C}">
+                <a14:useLocalDpi xmlns:a14="http://schemas.microsoft.com/office/drawing/2010/main" val="0"/>
+              </a:ext>
+            </a:extLst>
+          </a:blip>
+          <a:stretch>
+            <a:fillRect/>
+          </a:stretch>
+        </p:blipFill>
+        <p:spPr>
+          <a:xfrm>
+            <a:off x="8804769" y="1896187"/>
+            <a:ext cx="9144018" cy="3657607"/>
+          </a:xfrm>
+          <a:prstGeom prst="rect">
+            <a:avLst/>
+          </a:prstGeom>
+        </p:spPr>
+      </p:pic>
+      <p:pic>
+        <p:nvPicPr>
+          <p:cNvPr id="50" name="圖片 49" descr="一張含有 行, 繪圖, 圖表, 螢幕擷取畫面 的圖片&#10;&#10;自動產生的描述">
+            <a:extLst>
+              <a:ext uri="{FF2B5EF4-FFF2-40B4-BE49-F238E27FC236}">
+                <a16:creationId xmlns:a16="http://schemas.microsoft.com/office/drawing/2014/main" id="{C18E59FF-65AF-5344-08BE-17D32E57E919}"/>
+              </a:ext>
+            </a:extLst>
+          </p:cNvPr>
+          <p:cNvPicPr>
+            <a:picLocks noChangeAspect="1"/>
+          </p:cNvPicPr>
+          <p:nvPr/>
+        </p:nvPicPr>
+        <p:blipFill>
+          <a:blip r:embed="rId23">
+            <a:extLst>
+              <a:ext uri="{28A0092B-C50C-407E-A947-70E740481C1C}">
+                <a14:useLocalDpi xmlns:a14="http://schemas.microsoft.com/office/drawing/2010/main" val="0"/>
+              </a:ext>
+            </a:extLst>
+          </a:blip>
+          <a:stretch>
+            <a:fillRect/>
+          </a:stretch>
+        </p:blipFill>
+        <p:spPr>
+          <a:xfrm>
+            <a:off x="9121855" y="5623639"/>
+            <a:ext cx="9144018" cy="3657607"/>
+          </a:xfrm>
+          <a:prstGeom prst="rect">
+            <a:avLst/>
+          </a:prstGeom>
+        </p:spPr>
+      </p:pic>
+      <p:pic>
+        <p:nvPicPr>
+          <p:cNvPr id="52" name="圖片 51" descr="一張含有 繪圖, 行, 圖表, 斜率、斜坡 的圖片&#10;&#10;自動產生的描述">
+            <a:extLst>
+              <a:ext uri="{FF2B5EF4-FFF2-40B4-BE49-F238E27FC236}">
+                <a16:creationId xmlns:a16="http://schemas.microsoft.com/office/drawing/2014/main" id="{0F64B8C8-07B6-9FF6-A727-5C6ECE7BC23F}"/>
+              </a:ext>
+            </a:extLst>
+          </p:cNvPr>
+          <p:cNvPicPr>
+            <a:picLocks noChangeAspect="1"/>
+          </p:cNvPicPr>
+          <p:nvPr/>
+        </p:nvPicPr>
+        <p:blipFill>
+          <a:blip r:embed="rId24">
+            <a:extLst>
+              <a:ext uri="{28A0092B-C50C-407E-A947-70E740481C1C}">
+                <a14:useLocalDpi xmlns:a14="http://schemas.microsoft.com/office/drawing/2010/main" val="0"/>
+              </a:ext>
+            </a:extLst>
+          </a:blip>
+          <a:stretch>
+            <a:fillRect/>
+          </a:stretch>
+        </p:blipFill>
+        <p:spPr>
+          <a:xfrm>
+            <a:off x="304800" y="1790700"/>
+            <a:ext cx="9144018" cy="3657607"/>
           </a:xfrm>
           <a:prstGeom prst="rect">
             <a:avLst/>
@@ -15060,7 +15576,7 @@
     </p:spTree>
     <p:extLst>
       <p:ext uri="{BB962C8B-B14F-4D97-AF65-F5344CB8AC3E}">
-        <p14:creationId xmlns:p14="http://schemas.microsoft.com/office/powerpoint/2010/main" val="1948605613"/>
+        <p14:creationId xmlns:p14="http://schemas.microsoft.com/office/powerpoint/2010/main" val="2732152689"/>
       </p:ext>
     </p:extLst>
   </p:cSld>
@@ -15857,7 +16373,7 @@
         </p:blipFill>
         <p:spPr>
           <a:xfrm>
-            <a:off x="4571991" y="3314696"/>
+            <a:off x="9173493" y="5573458"/>
             <a:ext cx="9144018" cy="3657607"/>
           </a:xfrm>
           <a:prstGeom prst="rect">
@@ -15893,7 +16409,7 @@
         </p:blipFill>
         <p:spPr>
           <a:xfrm>
-            <a:off x="4571991" y="3314696"/>
+            <a:off x="580103" y="5537400"/>
             <a:ext cx="9144018" cy="3657607"/>
           </a:xfrm>
           <a:prstGeom prst="rect">
@@ -15929,7 +16445,7 @@
         </p:blipFill>
         <p:spPr>
           <a:xfrm>
-            <a:off x="4571991" y="3314696"/>
+            <a:off x="8915400" y="1915851"/>
             <a:ext cx="9144018" cy="3657607"/>
           </a:xfrm>
           <a:prstGeom prst="rect">
@@ -15965,151 +16481,7 @@
         </p:blipFill>
         <p:spPr>
           <a:xfrm>
-            <a:off x="4571991" y="3314696"/>
-            <a:ext cx="9144018" cy="3657607"/>
-          </a:xfrm>
-          <a:prstGeom prst="rect">
-            <a:avLst/>
-          </a:prstGeom>
-        </p:spPr>
-      </p:pic>
-      <p:pic>
-        <p:nvPicPr>
-          <p:cNvPr id="46" name="圖片 45" descr="一張含有 行, 文字, 繪圖, 螢幕擷取畫面 的圖片&#10;&#10;自動產生的描述">
-            <a:extLst>
-              <a:ext uri="{FF2B5EF4-FFF2-40B4-BE49-F238E27FC236}">
-                <a16:creationId xmlns:a16="http://schemas.microsoft.com/office/drawing/2014/main" id="{375EF2C9-2E35-CC0F-A8DC-13E330611A2D}"/>
-              </a:ext>
-            </a:extLst>
-          </p:cNvPr>
-          <p:cNvPicPr>
-            <a:picLocks noChangeAspect="1"/>
-          </p:cNvPicPr>
-          <p:nvPr/>
-        </p:nvPicPr>
-        <p:blipFill>
-          <a:blip r:embed="rId21">
-            <a:extLst>
-              <a:ext uri="{28A0092B-C50C-407E-A947-70E740481C1C}">
-                <a14:useLocalDpi xmlns:a14="http://schemas.microsoft.com/office/drawing/2010/main" val="0"/>
-              </a:ext>
-            </a:extLst>
-          </a:blip>
-          <a:stretch>
-            <a:fillRect/>
-          </a:stretch>
-        </p:blipFill>
-        <p:spPr>
-          <a:xfrm>
-            <a:off x="474407" y="5410185"/>
-            <a:ext cx="9144018" cy="3657607"/>
-          </a:xfrm>
-          <a:prstGeom prst="rect">
-            <a:avLst/>
-          </a:prstGeom>
-        </p:spPr>
-      </p:pic>
-      <p:pic>
-        <p:nvPicPr>
-          <p:cNvPr id="48" name="圖片 47" descr="一張含有 文字, 行, 繪圖, 螢幕擷取畫面 的圖片&#10;&#10;自動產生的描述">
-            <a:extLst>
-              <a:ext uri="{FF2B5EF4-FFF2-40B4-BE49-F238E27FC236}">
-                <a16:creationId xmlns:a16="http://schemas.microsoft.com/office/drawing/2014/main" id="{24A70236-C614-1D89-5606-70722E5167F5}"/>
-              </a:ext>
-            </a:extLst>
-          </p:cNvPr>
-          <p:cNvPicPr>
-            <a:picLocks noChangeAspect="1"/>
-          </p:cNvPicPr>
-          <p:nvPr/>
-        </p:nvPicPr>
-        <p:blipFill>
-          <a:blip r:embed="rId22">
-            <a:extLst>
-              <a:ext uri="{28A0092B-C50C-407E-A947-70E740481C1C}">
-                <a14:useLocalDpi xmlns:a14="http://schemas.microsoft.com/office/drawing/2010/main" val="0"/>
-              </a:ext>
-            </a:extLst>
-          </a:blip>
-          <a:stretch>
-            <a:fillRect/>
-          </a:stretch>
-        </p:blipFill>
-        <p:spPr>
-          <a:xfrm>
-            <a:off x="8804769" y="1896187"/>
-            <a:ext cx="9144018" cy="3657607"/>
-          </a:xfrm>
-          <a:prstGeom prst="rect">
-            <a:avLst/>
-          </a:prstGeom>
-        </p:spPr>
-      </p:pic>
-      <p:pic>
-        <p:nvPicPr>
-          <p:cNvPr id="50" name="圖片 49" descr="一張含有 行, 繪圖, 圖表, 螢幕擷取畫面 的圖片&#10;&#10;自動產生的描述">
-            <a:extLst>
-              <a:ext uri="{FF2B5EF4-FFF2-40B4-BE49-F238E27FC236}">
-                <a16:creationId xmlns:a16="http://schemas.microsoft.com/office/drawing/2014/main" id="{C18E59FF-65AF-5344-08BE-17D32E57E919}"/>
-              </a:ext>
-            </a:extLst>
-          </p:cNvPr>
-          <p:cNvPicPr>
-            <a:picLocks noChangeAspect="1"/>
-          </p:cNvPicPr>
-          <p:nvPr/>
-        </p:nvPicPr>
-        <p:blipFill>
-          <a:blip r:embed="rId23">
-            <a:extLst>
-              <a:ext uri="{28A0092B-C50C-407E-A947-70E740481C1C}">
-                <a14:useLocalDpi xmlns:a14="http://schemas.microsoft.com/office/drawing/2010/main" val="0"/>
-              </a:ext>
-            </a:extLst>
-          </a:blip>
-          <a:stretch>
-            <a:fillRect/>
-          </a:stretch>
-        </p:blipFill>
-        <p:spPr>
-          <a:xfrm>
-            <a:off x="9121855" y="5623639"/>
-            <a:ext cx="9144018" cy="3657607"/>
-          </a:xfrm>
-          <a:prstGeom prst="rect">
-            <a:avLst/>
-          </a:prstGeom>
-        </p:spPr>
-      </p:pic>
-      <p:pic>
-        <p:nvPicPr>
-          <p:cNvPr id="52" name="圖片 51" descr="一張含有 繪圖, 行, 圖表, 斜率、斜坡 的圖片&#10;&#10;自動產生的描述">
-            <a:extLst>
-              <a:ext uri="{FF2B5EF4-FFF2-40B4-BE49-F238E27FC236}">
-                <a16:creationId xmlns:a16="http://schemas.microsoft.com/office/drawing/2014/main" id="{0F64B8C8-07B6-9FF6-A727-5C6ECE7BC23F}"/>
-              </a:ext>
-            </a:extLst>
-          </p:cNvPr>
-          <p:cNvPicPr>
-            <a:picLocks noChangeAspect="1"/>
-          </p:cNvPicPr>
-          <p:nvPr/>
-        </p:nvPicPr>
-        <p:blipFill>
-          <a:blip r:embed="rId24">
-            <a:extLst>
-              <a:ext uri="{28A0092B-C50C-407E-A947-70E740481C1C}">
-                <a14:useLocalDpi xmlns:a14="http://schemas.microsoft.com/office/drawing/2010/main" val="0"/>
-              </a:ext>
-            </a:extLst>
-          </a:blip>
-          <a:stretch>
-            <a:fillRect/>
-          </a:stretch>
-        </p:blipFill>
-        <p:spPr>
-          <a:xfrm>
-            <a:off x="304800" y="1790700"/>
+            <a:off x="685800" y="1782496"/>
             <a:ext cx="9144018" cy="3657607"/>
           </a:xfrm>
           <a:prstGeom prst="rect">
@@ -16120,7 +16492,7 @@
     </p:spTree>
     <p:extLst>
       <p:ext uri="{BB962C8B-B14F-4D97-AF65-F5344CB8AC3E}">
-        <p14:creationId xmlns:p14="http://schemas.microsoft.com/office/powerpoint/2010/main" val="2732152689"/>
+        <p14:creationId xmlns:p14="http://schemas.microsoft.com/office/powerpoint/2010/main" val="261562840"/>
       </p:ext>
     </p:extLst>
   </p:cSld>
@@ -16773,7 +17145,7 @@
         </p:blipFill>
         <p:spPr>
           <a:xfrm>
-            <a:off x="4571991" y="3314696"/>
+            <a:off x="9029673" y="5578375"/>
             <a:ext cx="9144018" cy="3657607"/>
           </a:xfrm>
           <a:prstGeom prst="rect">
@@ -16809,7 +17181,7 @@
         </p:blipFill>
         <p:spPr>
           <a:xfrm>
-            <a:off x="4571991" y="3314696"/>
+            <a:off x="449826" y="5497554"/>
             <a:ext cx="9144018" cy="3657607"/>
           </a:xfrm>
           <a:prstGeom prst="rect">
@@ -16845,7 +17217,7 @@
         </p:blipFill>
         <p:spPr>
           <a:xfrm>
-            <a:off x="4571991" y="3314696"/>
+            <a:off x="8915364" y="2126057"/>
             <a:ext cx="9144018" cy="3657607"/>
           </a:xfrm>
           <a:prstGeom prst="rect">
@@ -16881,151 +17253,7 @@
         </p:blipFill>
         <p:spPr>
           <a:xfrm>
-            <a:off x="4571991" y="3314696"/>
-            <a:ext cx="9144018" cy="3657607"/>
-          </a:xfrm>
-          <a:prstGeom prst="rect">
-            <a:avLst/>
-          </a:prstGeom>
-        </p:spPr>
-      </p:pic>
-      <p:pic>
-        <p:nvPicPr>
-          <p:cNvPr id="38" name="圖片 37" descr="一張含有 文字, 行, 繪圖, 螢幕擷取畫面 的圖片&#10;&#10;自動產生的描述">
-            <a:extLst>
-              <a:ext uri="{FF2B5EF4-FFF2-40B4-BE49-F238E27FC236}">
-                <a16:creationId xmlns:a16="http://schemas.microsoft.com/office/drawing/2014/main" id="{14D67A10-D1BE-D243-2E30-879BC2CA1621}"/>
-              </a:ext>
-            </a:extLst>
-          </p:cNvPr>
-          <p:cNvPicPr>
-            <a:picLocks noChangeAspect="1"/>
-          </p:cNvPicPr>
-          <p:nvPr/>
-        </p:nvPicPr>
-        <p:blipFill>
-          <a:blip r:embed="rId17">
-            <a:extLst>
-              <a:ext uri="{28A0092B-C50C-407E-A947-70E740481C1C}">
-                <a14:useLocalDpi xmlns:a14="http://schemas.microsoft.com/office/drawing/2010/main" val="0"/>
-              </a:ext>
-            </a:extLst>
-          </a:blip>
-          <a:stretch>
-            <a:fillRect/>
-          </a:stretch>
-        </p:blipFill>
-        <p:spPr>
-          <a:xfrm>
-            <a:off x="9173493" y="5573458"/>
-            <a:ext cx="9144018" cy="3657607"/>
-          </a:xfrm>
-          <a:prstGeom prst="rect">
-            <a:avLst/>
-          </a:prstGeom>
-        </p:spPr>
-      </p:pic>
-      <p:pic>
-        <p:nvPicPr>
-          <p:cNvPr id="40" name="圖片 39" descr="一張含有 圖表, 行, 繪圖, 斜率、斜坡 的圖片&#10;&#10;自動產生的描述">
-            <a:extLst>
-              <a:ext uri="{FF2B5EF4-FFF2-40B4-BE49-F238E27FC236}">
-                <a16:creationId xmlns:a16="http://schemas.microsoft.com/office/drawing/2014/main" id="{AE98C5E0-D567-E5CC-E521-17E568DDBBB5}"/>
-              </a:ext>
-            </a:extLst>
-          </p:cNvPr>
-          <p:cNvPicPr>
-            <a:picLocks noChangeAspect="1"/>
-          </p:cNvPicPr>
-          <p:nvPr/>
-        </p:nvPicPr>
-        <p:blipFill>
-          <a:blip r:embed="rId18">
-            <a:extLst>
-              <a:ext uri="{28A0092B-C50C-407E-A947-70E740481C1C}">
-                <a14:useLocalDpi xmlns:a14="http://schemas.microsoft.com/office/drawing/2010/main" val="0"/>
-              </a:ext>
-            </a:extLst>
-          </a:blip>
-          <a:stretch>
-            <a:fillRect/>
-          </a:stretch>
-        </p:blipFill>
-        <p:spPr>
-          <a:xfrm>
-            <a:off x="580103" y="5537400"/>
-            <a:ext cx="9144018" cy="3657607"/>
-          </a:xfrm>
-          <a:prstGeom prst="rect">
-            <a:avLst/>
-          </a:prstGeom>
-        </p:spPr>
-      </p:pic>
-      <p:pic>
-        <p:nvPicPr>
-          <p:cNvPr id="42" name="圖片 41" descr="一張含有 行, 繪圖, 螢幕擷取畫面, 圖表 的圖片&#10;&#10;自動產生的描述">
-            <a:extLst>
-              <a:ext uri="{FF2B5EF4-FFF2-40B4-BE49-F238E27FC236}">
-                <a16:creationId xmlns:a16="http://schemas.microsoft.com/office/drawing/2014/main" id="{8B2E047E-243C-DD15-7802-FFDE1F492619}"/>
-              </a:ext>
-            </a:extLst>
-          </p:cNvPr>
-          <p:cNvPicPr>
-            <a:picLocks noChangeAspect="1"/>
-          </p:cNvPicPr>
-          <p:nvPr/>
-        </p:nvPicPr>
-        <p:blipFill>
-          <a:blip r:embed="rId19">
-            <a:extLst>
-              <a:ext uri="{28A0092B-C50C-407E-A947-70E740481C1C}">
-                <a14:useLocalDpi xmlns:a14="http://schemas.microsoft.com/office/drawing/2010/main" val="0"/>
-              </a:ext>
-            </a:extLst>
-          </a:blip>
-          <a:stretch>
-            <a:fillRect/>
-          </a:stretch>
-        </p:blipFill>
-        <p:spPr>
-          <a:xfrm>
-            <a:off x="8915400" y="1915851"/>
-            <a:ext cx="9144018" cy="3657607"/>
-          </a:xfrm>
-          <a:prstGeom prst="rect">
-            <a:avLst/>
-          </a:prstGeom>
-        </p:spPr>
-      </p:pic>
-      <p:pic>
-        <p:nvPicPr>
-          <p:cNvPr id="44" name="圖片 43" descr="一張含有 文字, 行, 螢幕擷取畫面, 繪圖 的圖片&#10;&#10;自動產生的描述">
-            <a:extLst>
-              <a:ext uri="{FF2B5EF4-FFF2-40B4-BE49-F238E27FC236}">
-                <a16:creationId xmlns:a16="http://schemas.microsoft.com/office/drawing/2014/main" id="{1F81DABA-B482-CE73-D02E-09304C718F39}"/>
-              </a:ext>
-            </a:extLst>
-          </p:cNvPr>
-          <p:cNvPicPr>
-            <a:picLocks noChangeAspect="1"/>
-          </p:cNvPicPr>
-          <p:nvPr/>
-        </p:nvPicPr>
-        <p:blipFill>
-          <a:blip r:embed="rId20">
-            <a:extLst>
-              <a:ext uri="{28A0092B-C50C-407E-A947-70E740481C1C}">
-                <a14:useLocalDpi xmlns:a14="http://schemas.microsoft.com/office/drawing/2010/main" val="0"/>
-              </a:ext>
-            </a:extLst>
-          </a:blip>
-          <a:stretch>
-            <a:fillRect/>
-          </a:stretch>
-        </p:blipFill>
-        <p:spPr>
-          <a:xfrm>
-            <a:off x="685800" y="1782496"/>
+            <a:off x="457200" y="1920768"/>
             <a:ext cx="9144018" cy="3657607"/>
           </a:xfrm>
           <a:prstGeom prst="rect">
@@ -17036,7 +17264,7 @@
     </p:spTree>
     <p:extLst>
       <p:ext uri="{BB962C8B-B14F-4D97-AF65-F5344CB8AC3E}">
-        <p14:creationId xmlns:p14="http://schemas.microsoft.com/office/powerpoint/2010/main" val="261562840"/>
+        <p14:creationId xmlns:p14="http://schemas.microsoft.com/office/powerpoint/2010/main" val="27427763"/>
       </p:ext>
     </p:extLst>
   </p:cSld>
@@ -17545,7 +17773,7 @@
         </p:blipFill>
         <p:spPr>
           <a:xfrm>
-            <a:off x="4571991" y="3314696"/>
+            <a:off x="8809676" y="5862124"/>
             <a:ext cx="9144018" cy="3657607"/>
           </a:xfrm>
           <a:prstGeom prst="rect">
@@ -17581,7 +17809,7 @@
         </p:blipFill>
         <p:spPr>
           <a:xfrm>
-            <a:off x="4571991" y="3314696"/>
+            <a:off x="304773" y="5813481"/>
             <a:ext cx="9144018" cy="3657607"/>
           </a:xfrm>
           <a:prstGeom prst="rect">
@@ -17617,7 +17845,7 @@
         </p:blipFill>
         <p:spPr>
           <a:xfrm>
-            <a:off x="4571991" y="3314696"/>
+            <a:off x="8534400" y="2204517"/>
             <a:ext cx="9144018" cy="3657607"/>
           </a:xfrm>
           <a:prstGeom prst="rect">
@@ -17653,151 +17881,7 @@
         </p:blipFill>
         <p:spPr>
           <a:xfrm>
-            <a:off x="4571991" y="3314696"/>
-            <a:ext cx="9144018" cy="3657607"/>
-          </a:xfrm>
-          <a:prstGeom prst="rect">
-            <a:avLst/>
-          </a:prstGeom>
-        </p:spPr>
-      </p:pic>
-      <p:pic>
-        <p:nvPicPr>
-          <p:cNvPr id="30" name="圖片 29" descr="一張含有 文字, 螢幕擷取畫面, 行, 繪圖 的圖片&#10;&#10;自動產生的描述">
-            <a:extLst>
-              <a:ext uri="{FF2B5EF4-FFF2-40B4-BE49-F238E27FC236}">
-                <a16:creationId xmlns:a16="http://schemas.microsoft.com/office/drawing/2014/main" id="{CA845AB8-CBA1-E9AD-5E2B-46AEF1407881}"/>
-              </a:ext>
-            </a:extLst>
-          </p:cNvPr>
-          <p:cNvPicPr>
-            <a:picLocks noChangeAspect="1"/>
-          </p:cNvPicPr>
-          <p:nvPr/>
-        </p:nvPicPr>
-        <p:blipFill>
-          <a:blip r:embed="rId13">
-            <a:extLst>
-              <a:ext uri="{28A0092B-C50C-407E-A947-70E740481C1C}">
-                <a14:useLocalDpi xmlns:a14="http://schemas.microsoft.com/office/drawing/2010/main" val="0"/>
-              </a:ext>
-            </a:extLst>
-          </a:blip>
-          <a:stretch>
-            <a:fillRect/>
-          </a:stretch>
-        </p:blipFill>
-        <p:spPr>
-          <a:xfrm>
-            <a:off x="9029673" y="5578375"/>
-            <a:ext cx="9144018" cy="3657607"/>
-          </a:xfrm>
-          <a:prstGeom prst="rect">
-            <a:avLst/>
-          </a:prstGeom>
-        </p:spPr>
-      </p:pic>
-      <p:pic>
-        <p:nvPicPr>
-          <p:cNvPr id="32" name="圖片 31" descr="一張含有 行, 繪圖, 圖表, 螢幕擷取畫面 的圖片&#10;&#10;自動產生的描述">
-            <a:extLst>
-              <a:ext uri="{FF2B5EF4-FFF2-40B4-BE49-F238E27FC236}">
-                <a16:creationId xmlns:a16="http://schemas.microsoft.com/office/drawing/2014/main" id="{657FE066-B92C-945E-E497-53625C09E6AF}"/>
-              </a:ext>
-            </a:extLst>
-          </p:cNvPr>
-          <p:cNvPicPr>
-            <a:picLocks noChangeAspect="1"/>
-          </p:cNvPicPr>
-          <p:nvPr/>
-        </p:nvPicPr>
-        <p:blipFill>
-          <a:blip r:embed="rId14">
-            <a:extLst>
-              <a:ext uri="{28A0092B-C50C-407E-A947-70E740481C1C}">
-                <a14:useLocalDpi xmlns:a14="http://schemas.microsoft.com/office/drawing/2010/main" val="0"/>
-              </a:ext>
-            </a:extLst>
-          </a:blip>
-          <a:stretch>
-            <a:fillRect/>
-          </a:stretch>
-        </p:blipFill>
-        <p:spPr>
-          <a:xfrm>
-            <a:off x="449826" y="5497554"/>
-            <a:ext cx="9144018" cy="3657607"/>
-          </a:xfrm>
-          <a:prstGeom prst="rect">
-            <a:avLst/>
-          </a:prstGeom>
-        </p:spPr>
-      </p:pic>
-      <p:pic>
-        <p:nvPicPr>
-          <p:cNvPr id="34" name="圖片 33" descr="一張含有 行, 繪圖, 圖表, 螢幕擷取畫面 的圖片&#10;&#10;自動產生的描述">
-            <a:extLst>
-              <a:ext uri="{FF2B5EF4-FFF2-40B4-BE49-F238E27FC236}">
-                <a16:creationId xmlns:a16="http://schemas.microsoft.com/office/drawing/2014/main" id="{8BD8ABA5-5D2F-DDF6-FFDF-D04EA7E06F95}"/>
-              </a:ext>
-            </a:extLst>
-          </p:cNvPr>
-          <p:cNvPicPr>
-            <a:picLocks noChangeAspect="1"/>
-          </p:cNvPicPr>
-          <p:nvPr/>
-        </p:nvPicPr>
-        <p:blipFill>
-          <a:blip r:embed="rId15">
-            <a:extLst>
-              <a:ext uri="{28A0092B-C50C-407E-A947-70E740481C1C}">
-                <a14:useLocalDpi xmlns:a14="http://schemas.microsoft.com/office/drawing/2010/main" val="0"/>
-              </a:ext>
-            </a:extLst>
-          </a:blip>
-          <a:stretch>
-            <a:fillRect/>
-          </a:stretch>
-        </p:blipFill>
-        <p:spPr>
-          <a:xfrm>
-            <a:off x="8915364" y="2126057"/>
-            <a:ext cx="9144018" cy="3657607"/>
-          </a:xfrm>
-          <a:prstGeom prst="rect">
-            <a:avLst/>
-          </a:prstGeom>
-        </p:spPr>
-      </p:pic>
-      <p:pic>
-        <p:nvPicPr>
-          <p:cNvPr id="36" name="圖片 35" descr="一張含有 圖表, 行, 繪圖 的圖片&#10;&#10;自動產生的描述">
-            <a:extLst>
-              <a:ext uri="{FF2B5EF4-FFF2-40B4-BE49-F238E27FC236}">
-                <a16:creationId xmlns:a16="http://schemas.microsoft.com/office/drawing/2014/main" id="{0870CDE4-9889-3586-C861-A016B1EE5AE0}"/>
-              </a:ext>
-            </a:extLst>
-          </p:cNvPr>
-          <p:cNvPicPr>
-            <a:picLocks noChangeAspect="1"/>
-          </p:cNvPicPr>
-          <p:nvPr/>
-        </p:nvPicPr>
-        <p:blipFill>
-          <a:blip r:embed="rId16">
-            <a:extLst>
-              <a:ext uri="{28A0092B-C50C-407E-A947-70E740481C1C}">
-                <a14:useLocalDpi xmlns:a14="http://schemas.microsoft.com/office/drawing/2010/main" val="0"/>
-              </a:ext>
-            </a:extLst>
-          </a:blip>
-          <a:stretch>
-            <a:fillRect/>
-          </a:stretch>
-        </p:blipFill>
-        <p:spPr>
-          <a:xfrm>
-            <a:off x="457200" y="1920768"/>
+            <a:off x="167135" y="2155874"/>
             <a:ext cx="9144018" cy="3657607"/>
           </a:xfrm>
           <a:prstGeom prst="rect">
@@ -17808,7 +17892,7 @@
     </p:spTree>
     <p:extLst>
       <p:ext uri="{BB962C8B-B14F-4D97-AF65-F5344CB8AC3E}">
-        <p14:creationId xmlns:p14="http://schemas.microsoft.com/office/powerpoint/2010/main" val="27427763"/>
+        <p14:creationId xmlns:p14="http://schemas.microsoft.com/office/powerpoint/2010/main" val="4012990484"/>
       </p:ext>
     </p:extLst>
   </p:cSld>
@@ -18173,7 +18257,7 @@
         </p:blipFill>
         <p:spPr>
           <a:xfrm>
-            <a:off x="4571991" y="3314696"/>
+            <a:off x="9143991" y="5707558"/>
             <a:ext cx="9144018" cy="3657607"/>
           </a:xfrm>
           <a:prstGeom prst="rect">
@@ -18209,7 +18293,7 @@
         </p:blipFill>
         <p:spPr>
           <a:xfrm>
-            <a:off x="4571991" y="3314696"/>
+            <a:off x="575205" y="5569771"/>
             <a:ext cx="9144018" cy="3657607"/>
           </a:xfrm>
           <a:prstGeom prst="rect">
@@ -18245,7 +18329,7 @@
         </p:blipFill>
         <p:spPr>
           <a:xfrm>
-            <a:off x="4571991" y="3314696"/>
+            <a:off x="9144000" y="2126057"/>
             <a:ext cx="9144018" cy="3657607"/>
           </a:xfrm>
           <a:prstGeom prst="rect">
@@ -18281,151 +18365,7 @@
         </p:blipFill>
         <p:spPr>
           <a:xfrm>
-            <a:off x="4571991" y="3314696"/>
-            <a:ext cx="9144018" cy="3657607"/>
-          </a:xfrm>
-          <a:prstGeom prst="rect">
-            <a:avLst/>
-          </a:prstGeom>
-        </p:spPr>
-      </p:pic>
-      <p:pic>
-        <p:nvPicPr>
-          <p:cNvPr id="22" name="圖片 21" descr="一張含有 行, 文字, 繪圖, 螢幕擷取畫面 的圖片&#10;&#10;自動產生的描述">
-            <a:extLst>
-              <a:ext uri="{FF2B5EF4-FFF2-40B4-BE49-F238E27FC236}">
-                <a16:creationId xmlns:a16="http://schemas.microsoft.com/office/drawing/2014/main" id="{A742EC76-1FE4-E78A-F6AD-38E83EE99856}"/>
-              </a:ext>
-            </a:extLst>
-          </p:cNvPr>
-          <p:cNvPicPr>
-            <a:picLocks noChangeAspect="1"/>
-          </p:cNvPicPr>
-          <p:nvPr/>
-        </p:nvPicPr>
-        <p:blipFill>
-          <a:blip r:embed="rId9">
-            <a:extLst>
-              <a:ext uri="{28A0092B-C50C-407E-A947-70E740481C1C}">
-                <a14:useLocalDpi xmlns:a14="http://schemas.microsoft.com/office/drawing/2010/main" val="0"/>
-              </a:ext>
-            </a:extLst>
-          </a:blip>
-          <a:stretch>
-            <a:fillRect/>
-          </a:stretch>
-        </p:blipFill>
-        <p:spPr>
-          <a:xfrm>
-            <a:off x="8809676" y="5862124"/>
-            <a:ext cx="9144018" cy="3657607"/>
-          </a:xfrm>
-          <a:prstGeom prst="rect">
-            <a:avLst/>
-          </a:prstGeom>
-        </p:spPr>
-      </p:pic>
-      <p:pic>
-        <p:nvPicPr>
-          <p:cNvPr id="24" name="圖片 23" descr="一張含有 文字, 行, 螢幕擷取畫面, 繪圖 的圖片&#10;&#10;自動產生的描述">
-            <a:extLst>
-              <a:ext uri="{FF2B5EF4-FFF2-40B4-BE49-F238E27FC236}">
-                <a16:creationId xmlns:a16="http://schemas.microsoft.com/office/drawing/2014/main" id="{46912A58-5789-0908-7A4F-BD50F7BB7A73}"/>
-              </a:ext>
-            </a:extLst>
-          </p:cNvPr>
-          <p:cNvPicPr>
-            <a:picLocks noChangeAspect="1"/>
-          </p:cNvPicPr>
-          <p:nvPr/>
-        </p:nvPicPr>
-        <p:blipFill>
-          <a:blip r:embed="rId10">
-            <a:extLst>
-              <a:ext uri="{28A0092B-C50C-407E-A947-70E740481C1C}">
-                <a14:useLocalDpi xmlns:a14="http://schemas.microsoft.com/office/drawing/2010/main" val="0"/>
-              </a:ext>
-            </a:extLst>
-          </a:blip>
-          <a:stretch>
-            <a:fillRect/>
-          </a:stretch>
-        </p:blipFill>
-        <p:spPr>
-          <a:xfrm>
-            <a:off x="304773" y="5813481"/>
-            <a:ext cx="9144018" cy="3657607"/>
-          </a:xfrm>
-          <a:prstGeom prst="rect">
-            <a:avLst/>
-          </a:prstGeom>
-        </p:spPr>
-      </p:pic>
-      <p:pic>
-        <p:nvPicPr>
-          <p:cNvPr id="26" name="圖片 25" descr="一張含有 文字, 行, 繪圖, 螢幕擷取畫面 的圖片&#10;&#10;自動產生的描述">
-            <a:extLst>
-              <a:ext uri="{FF2B5EF4-FFF2-40B4-BE49-F238E27FC236}">
-                <a16:creationId xmlns:a16="http://schemas.microsoft.com/office/drawing/2014/main" id="{48A7568A-DC64-0554-8682-7FD109BD2EB0}"/>
-              </a:ext>
-            </a:extLst>
-          </p:cNvPr>
-          <p:cNvPicPr>
-            <a:picLocks noChangeAspect="1"/>
-          </p:cNvPicPr>
-          <p:nvPr/>
-        </p:nvPicPr>
-        <p:blipFill>
-          <a:blip r:embed="rId11">
-            <a:extLst>
-              <a:ext uri="{28A0092B-C50C-407E-A947-70E740481C1C}">
-                <a14:useLocalDpi xmlns:a14="http://schemas.microsoft.com/office/drawing/2010/main" val="0"/>
-              </a:ext>
-            </a:extLst>
-          </a:blip>
-          <a:stretch>
-            <a:fillRect/>
-          </a:stretch>
-        </p:blipFill>
-        <p:spPr>
-          <a:xfrm>
-            <a:off x="8534400" y="2204517"/>
-            <a:ext cx="9144018" cy="3657607"/>
-          </a:xfrm>
-          <a:prstGeom prst="rect">
-            <a:avLst/>
-          </a:prstGeom>
-        </p:spPr>
-      </p:pic>
-      <p:pic>
-        <p:nvPicPr>
-          <p:cNvPr id="28" name="圖片 27" descr="一張含有 圖表, 行, 繪圖 的圖片&#10;&#10;自動產生的描述">
-            <a:extLst>
-              <a:ext uri="{FF2B5EF4-FFF2-40B4-BE49-F238E27FC236}">
-                <a16:creationId xmlns:a16="http://schemas.microsoft.com/office/drawing/2014/main" id="{3B87E719-C663-00A4-D595-D5591ACC290B}"/>
-              </a:ext>
-            </a:extLst>
-          </p:cNvPr>
-          <p:cNvPicPr>
-            <a:picLocks noChangeAspect="1"/>
-          </p:cNvPicPr>
-          <p:nvPr/>
-        </p:nvPicPr>
-        <p:blipFill>
-          <a:blip r:embed="rId12">
-            <a:extLst>
-              <a:ext uri="{28A0092B-C50C-407E-A947-70E740481C1C}">
-                <a14:useLocalDpi xmlns:a14="http://schemas.microsoft.com/office/drawing/2010/main" val="0"/>
-              </a:ext>
-            </a:extLst>
-          </a:blip>
-          <a:stretch>
-            <a:fillRect/>
-          </a:stretch>
-        </p:blipFill>
-        <p:spPr>
-          <a:xfrm>
-            <a:off x="167135" y="2155874"/>
+            <a:off x="609600" y="1918309"/>
             <a:ext cx="9144018" cy="3657607"/>
           </a:xfrm>
           <a:prstGeom prst="rect">
@@ -18436,7 +18376,7 @@
     </p:spTree>
     <p:extLst>
       <p:ext uri="{BB962C8B-B14F-4D97-AF65-F5344CB8AC3E}">
-        <p14:creationId xmlns:p14="http://schemas.microsoft.com/office/powerpoint/2010/main" val="4012990484"/>
+        <p14:creationId xmlns:p14="http://schemas.microsoft.com/office/powerpoint/2010/main" val="2757744911"/>
       </p:ext>
     </p:extLst>
   </p:cSld>
@@ -18765,152 +18705,8 @@
         </p:blipFill>
         <p:spPr>
           <a:xfrm>
-            <a:off x="4571991" y="3314696"/>
-            <a:ext cx="9144018" cy="3657607"/>
-          </a:xfrm>
-          <a:prstGeom prst="rect">
-            <a:avLst/>
-          </a:prstGeom>
-        </p:spPr>
-      </p:pic>
-      <p:pic>
-        <p:nvPicPr>
-          <p:cNvPr id="14" name="圖片 13" descr="一張含有 行, 繪圖, 螢幕擷取畫面, 圖表 的圖片&#10;&#10;自動產生的描述">
-            <a:extLst>
-              <a:ext uri="{FF2B5EF4-FFF2-40B4-BE49-F238E27FC236}">
-                <a16:creationId xmlns:a16="http://schemas.microsoft.com/office/drawing/2014/main" id="{54457286-689B-5ED8-353D-7987D5755D1B}"/>
-              </a:ext>
-            </a:extLst>
-          </p:cNvPr>
-          <p:cNvPicPr>
-            <a:picLocks noChangeAspect="1"/>
-          </p:cNvPicPr>
-          <p:nvPr/>
-        </p:nvPicPr>
-        <p:blipFill>
-          <a:blip r:embed="rId5">
-            <a:extLst>
-              <a:ext uri="{28A0092B-C50C-407E-A947-70E740481C1C}">
-                <a14:useLocalDpi xmlns:a14="http://schemas.microsoft.com/office/drawing/2010/main" val="0"/>
-              </a:ext>
-            </a:extLst>
-          </a:blip>
-          <a:stretch>
-            <a:fillRect/>
-          </a:stretch>
-        </p:blipFill>
-        <p:spPr>
-          <a:xfrm>
-            <a:off x="9143991" y="5707558"/>
-            <a:ext cx="9144018" cy="3657607"/>
-          </a:xfrm>
-          <a:prstGeom prst="rect">
-            <a:avLst/>
-          </a:prstGeom>
-        </p:spPr>
-      </p:pic>
-      <p:pic>
-        <p:nvPicPr>
-          <p:cNvPr id="16" name="圖片 15" descr="一張含有 行, 繪圖, 螢幕擷取畫面, 圖表 的圖片&#10;&#10;自動產生的描述">
-            <a:extLst>
-              <a:ext uri="{FF2B5EF4-FFF2-40B4-BE49-F238E27FC236}">
-                <a16:creationId xmlns:a16="http://schemas.microsoft.com/office/drawing/2014/main" id="{D1775368-1117-B9AC-28FC-FAFBFA09D944}"/>
-              </a:ext>
-            </a:extLst>
-          </p:cNvPr>
-          <p:cNvPicPr>
-            <a:picLocks noChangeAspect="1"/>
-          </p:cNvPicPr>
-          <p:nvPr/>
-        </p:nvPicPr>
-        <p:blipFill>
-          <a:blip r:embed="rId6">
-            <a:extLst>
-              <a:ext uri="{28A0092B-C50C-407E-A947-70E740481C1C}">
-                <a14:useLocalDpi xmlns:a14="http://schemas.microsoft.com/office/drawing/2010/main" val="0"/>
-              </a:ext>
-            </a:extLst>
-          </a:blip>
-          <a:stretch>
-            <a:fillRect/>
-          </a:stretch>
-        </p:blipFill>
-        <p:spPr>
-          <a:xfrm>
-            <a:off x="575205" y="5569771"/>
-            <a:ext cx="9144018" cy="3657607"/>
-          </a:xfrm>
-          <a:prstGeom prst="rect">
-            <a:avLst/>
-          </a:prstGeom>
-        </p:spPr>
-      </p:pic>
-      <p:pic>
-        <p:nvPicPr>
-          <p:cNvPr id="18" name="圖片 17" descr="一張含有 圖表, 行, 繪圖 的圖片&#10;&#10;自動產生的描述">
-            <a:extLst>
-              <a:ext uri="{FF2B5EF4-FFF2-40B4-BE49-F238E27FC236}">
-                <a16:creationId xmlns:a16="http://schemas.microsoft.com/office/drawing/2014/main" id="{319A22AE-0BAB-A3B3-962B-109DFBB03A53}"/>
-              </a:ext>
-            </a:extLst>
-          </p:cNvPr>
-          <p:cNvPicPr>
-            <a:picLocks noChangeAspect="1"/>
-          </p:cNvPicPr>
-          <p:nvPr/>
-        </p:nvPicPr>
-        <p:blipFill>
-          <a:blip r:embed="rId7">
-            <a:extLst>
-              <a:ext uri="{28A0092B-C50C-407E-A947-70E740481C1C}">
-                <a14:useLocalDpi xmlns:a14="http://schemas.microsoft.com/office/drawing/2010/main" val="0"/>
-              </a:ext>
-            </a:extLst>
-          </a:blip>
-          <a:stretch>
-            <a:fillRect/>
-          </a:stretch>
-        </p:blipFill>
-        <p:spPr>
-          <a:xfrm>
-            <a:off x="9144000" y="2126057"/>
-            <a:ext cx="9144018" cy="3657607"/>
-          </a:xfrm>
-          <a:prstGeom prst="rect">
-            <a:avLst/>
-          </a:prstGeom>
-        </p:spPr>
-      </p:pic>
-      <p:pic>
-        <p:nvPicPr>
-          <p:cNvPr id="20" name="圖片 19" descr="一張含有 行, 繪圖, 螢幕擷取畫面, 圖表 的圖片&#10;&#10;自動產生的描述">
-            <a:extLst>
-              <a:ext uri="{FF2B5EF4-FFF2-40B4-BE49-F238E27FC236}">
-                <a16:creationId xmlns:a16="http://schemas.microsoft.com/office/drawing/2014/main" id="{F625BC58-F5E5-5213-AFD3-8676AF74B772}"/>
-              </a:ext>
-            </a:extLst>
-          </p:cNvPr>
-          <p:cNvPicPr>
-            <a:picLocks noChangeAspect="1"/>
-          </p:cNvPicPr>
-          <p:nvPr/>
-        </p:nvPicPr>
-        <p:blipFill>
-          <a:blip r:embed="rId8">
-            <a:extLst>
-              <a:ext uri="{28A0092B-C50C-407E-A947-70E740481C1C}">
-                <a14:useLocalDpi xmlns:a14="http://schemas.microsoft.com/office/drawing/2010/main" val="0"/>
-              </a:ext>
-            </a:extLst>
-          </a:blip>
-          <a:stretch>
-            <a:fillRect/>
-          </a:stretch>
-        </p:blipFill>
-        <p:spPr>
-          <a:xfrm>
-            <a:off x="609600" y="1918309"/>
-            <a:ext cx="9144018" cy="3657607"/>
+            <a:off x="2057400" y="2400298"/>
+            <a:ext cx="13716011" cy="5486404"/>
           </a:xfrm>
           <a:prstGeom prst="rect">
             <a:avLst/>
@@ -18920,7 +18716,7 @@
     </p:spTree>
     <p:extLst>
       <p:ext uri="{BB962C8B-B14F-4D97-AF65-F5344CB8AC3E}">
-        <p14:creationId xmlns:p14="http://schemas.microsoft.com/office/powerpoint/2010/main" val="2757744911"/>
+        <p14:creationId xmlns:p14="http://schemas.microsoft.com/office/powerpoint/2010/main" val="2454961724"/>
       </p:ext>
     </p:extLst>
   </p:cSld>
@@ -19073,7 +18869,7 @@
         <p:spPr>
           <a:xfrm>
             <a:off x="609600" y="462624"/>
-            <a:ext cx="12344400" cy="974626"/>
+            <a:ext cx="12344400" cy="908326"/>
           </a:xfrm>
           <a:prstGeom prst="rect">
             <a:avLst/>
@@ -19100,7 +18896,7 @@
                 <a:cs typeface="Arimo Bold"/>
                 <a:sym typeface="Arimo Bold"/>
               </a:rPr>
-              <a:t>Appendix: </a:t>
+              <a:t>Operating with </a:t>
             </a:r>
             <a:r>
               <a:rPr lang="en-US" altLang="zh-TW" sz="6075" dirty="0">
@@ -19112,43 +18908,7 @@
                 <a:cs typeface="Arimo Bold"/>
                 <a:sym typeface="Arimo Bold"/>
               </a:rPr>
-              <a:t>Other</a:t>
-            </a:r>
-            <a:r>
-              <a:rPr lang="zh-TW" altLang="en-US" sz="6075" dirty="0">
-                <a:solidFill>
-                  <a:srgbClr val="5B5F72"/>
-                </a:solidFill>
-                <a:latin typeface="Arimo Bold"/>
-                <a:ea typeface="Arimo Bold"/>
-                <a:cs typeface="Arimo Bold"/>
-                <a:sym typeface="Arimo Bold"/>
-              </a:rPr>
-              <a:t> </a:t>
-            </a:r>
-            <a:r>
-              <a:rPr lang="en-US" altLang="zh-TW" sz="6600" dirty="0">
-                <a:solidFill>
-                  <a:srgbClr val="5B5F72"/>
-                </a:solidFill>
-                <a:latin typeface="Arimo Bold"/>
-                <a:ea typeface="Arimo Bold"/>
-                <a:cs typeface="Arimo Bold"/>
-                <a:sym typeface="Arimo Bold"/>
-              </a:rPr>
-              <a:t>Distribution</a:t>
-            </a:r>
-            <a:r>
-              <a:rPr lang="zh-TW" altLang="en-US" sz="6075" dirty="0">
-                <a:solidFill>
-                  <a:srgbClr val="5B5F72"/>
-                </a:solidFill>
-                <a:latin typeface="Arimo Bold"/>
-                <a:ea typeface="Arimo Bold"/>
-                <a:cs typeface="Arimo Bold"/>
-                <a:sym typeface="Arimo Bold"/>
-              </a:rPr>
-              <a:t> </a:t>
+              <a:t>LLM</a:t>
             </a:r>
             <a:endParaRPr lang="en-US" sz="6075" dirty="0">
               <a:solidFill>
@@ -19162,71 +18922,12 @@
           </a:p>
         </p:txBody>
       </p:sp>
-      <p:sp>
-        <p:nvSpPr>
-          <p:cNvPr id="8" name="文字方塊 7">
+      <p:pic>
+        <p:nvPicPr>
+          <p:cNvPr id="11" name="圖片 10">
             <a:extLst>
               <a:ext uri="{FF2B5EF4-FFF2-40B4-BE49-F238E27FC236}">
-                <a16:creationId xmlns:a16="http://schemas.microsoft.com/office/drawing/2014/main" id="{11A5788B-4766-AEB9-B43C-D1DAD19588BA}"/>
-              </a:ext>
-            </a:extLst>
-          </p:cNvPr>
-          <p:cNvSpPr txBox="1"/>
-          <p:nvPr/>
-        </p:nvSpPr>
-        <p:spPr>
-          <a:xfrm>
-            <a:off x="11887200" y="770641"/>
-            <a:ext cx="9144000" cy="584775"/>
-          </a:xfrm>
-          <a:prstGeom prst="rect">
-            <a:avLst/>
-          </a:prstGeom>
-          <a:noFill/>
-        </p:spPr>
-        <p:txBody>
-          <a:bodyPr wrap="square">
-            <a:spAutoFit/>
-          </a:bodyPr>
-          <a:lstStyle/>
-          <a:p>
-            <a:r>
-              <a:rPr lang="en-US" altLang="zh-TW" sz="3200" dirty="0">
-                <a:latin typeface="Arimo Bold"/>
-                <a:ea typeface="Arimo Bold"/>
-                <a:cs typeface="Arimo Bold"/>
-                <a:sym typeface="Arimo Bold"/>
-              </a:rPr>
-              <a:t>(After</a:t>
-            </a:r>
-            <a:r>
-              <a:rPr lang="zh-TW" altLang="en-US" sz="3200" dirty="0">
-                <a:latin typeface="Arimo Bold"/>
-                <a:ea typeface="Arimo Bold"/>
-                <a:cs typeface="Arimo Bold"/>
-                <a:sym typeface="Arimo Bold"/>
-              </a:rPr>
-              <a:t> </a:t>
-            </a:r>
-            <a:r>
-              <a:rPr lang="en-US" altLang="zh-TW" sz="3200" dirty="0">
-                <a:latin typeface="Arimo Bold"/>
-                <a:ea typeface="Arimo Bold"/>
-                <a:cs typeface="Arimo Bold"/>
-                <a:sym typeface="Arimo Bold"/>
-              </a:rPr>
-              <a:t>Data Cleaning)</a:t>
-            </a:r>
-            <a:endParaRPr lang="zh-TW" altLang="en-US" sz="3200" dirty="0"/>
-          </a:p>
-        </p:txBody>
-      </p:sp>
-      <p:pic>
-        <p:nvPicPr>
-          <p:cNvPr id="12" name="圖片 11" descr="一張含有 文字, 行, 繪圖, 螢幕擷取畫面 的圖片&#10;&#10;自動產生的描述">
-            <a:extLst>
-              <a:ext uri="{FF2B5EF4-FFF2-40B4-BE49-F238E27FC236}">
-                <a16:creationId xmlns:a16="http://schemas.microsoft.com/office/drawing/2014/main" id="{CA1F114C-34F8-23C5-E5DD-F15CAB3B6065}"/>
+                <a16:creationId xmlns:a16="http://schemas.microsoft.com/office/drawing/2014/main" id="{348BD9CA-975A-7683-FE75-E2A766535C40}"/>
               </a:ext>
             </a:extLst>
           </p:cNvPr>
@@ -19236,21 +18937,339 @@
           <p:nvPr/>
         </p:nvPicPr>
         <p:blipFill>
-          <a:blip r:embed="rId4">
-            <a:extLst>
-              <a:ext uri="{28A0092B-C50C-407E-A947-70E740481C1C}">
-                <a14:useLocalDpi xmlns:a14="http://schemas.microsoft.com/office/drawing/2010/main" val="0"/>
-              </a:ext>
-            </a:extLst>
-          </a:blip>
+          <a:blip r:embed="rId4"/>
           <a:stretch>
             <a:fillRect/>
           </a:stretch>
         </p:blipFill>
         <p:spPr>
           <a:xfrm>
-            <a:off x="2057400" y="2400298"/>
-            <a:ext cx="13716011" cy="5486404"/>
+            <a:off x="0" y="2305668"/>
+            <a:ext cx="9691204" cy="4557578"/>
+          </a:xfrm>
+          <a:prstGeom prst="rect">
+            <a:avLst/>
+          </a:prstGeom>
+        </p:spPr>
+      </p:pic>
+      <p:sp>
+        <p:nvSpPr>
+          <p:cNvPr id="9" name="TextBox 8">
+            <a:extLst>
+              <a:ext uri="{FF2B5EF4-FFF2-40B4-BE49-F238E27FC236}">
+                <a16:creationId xmlns:a16="http://schemas.microsoft.com/office/drawing/2014/main" id="{5B5632D9-E642-B005-DAD3-6F2BD2792370}"/>
+              </a:ext>
+            </a:extLst>
+          </p:cNvPr>
+          <p:cNvSpPr txBox="1"/>
+          <p:nvPr/>
+        </p:nvSpPr>
+        <p:spPr>
+          <a:xfrm>
+            <a:off x="7216407" y="8047264"/>
+            <a:ext cx="3961768" cy="453394"/>
+          </a:xfrm>
+          <a:prstGeom prst="rect">
+            <a:avLst/>
+          </a:prstGeom>
+        </p:spPr>
+        <p:txBody>
+          <a:bodyPr wrap="square" lIns="0" tIns="0" rIns="0" bIns="0" rtlCol="0" anchor="t">
+            <a:spAutoFit/>
+          </a:bodyPr>
+          <a:lstStyle/>
+          <a:p>
+            <a:pPr algn="ctr">
+              <a:lnSpc>
+                <a:spcPts val="3499"/>
+              </a:lnSpc>
+              <a:spcBef>
+                <a:spcPct val="0"/>
+              </a:spcBef>
+            </a:pPr>
+            <a:r>
+              <a:rPr lang="en-US" sz="4000" dirty="0" err="1">
+                <a:solidFill>
+                  <a:srgbClr val="000000"/>
+                </a:solidFill>
+                <a:latin typeface="Arimo Bold"/>
+                <a:ea typeface="Arimo Bold"/>
+                <a:cs typeface="Arimo Bold"/>
+                <a:sym typeface="Arimo Bold"/>
+              </a:rPr>
+              <a:t>hemo</a:t>
+            </a:r>
+            <a:r>
+              <a:rPr lang="en-US" sz="4000" dirty="0">
+                <a:solidFill>
+                  <a:srgbClr val="000000"/>
+                </a:solidFill>
+                <a:latin typeface="Arimo Bold"/>
+                <a:ea typeface="Arimo Bold"/>
+                <a:cs typeface="Arimo Bold"/>
+                <a:sym typeface="Arimo Bold"/>
+              </a:rPr>
+              <a:t>:  0.106</a:t>
+            </a:r>
+          </a:p>
+        </p:txBody>
+      </p:sp>
+      <p:sp>
+        <p:nvSpPr>
+          <p:cNvPr id="10" name="TextBox 9">
+            <a:extLst>
+              <a:ext uri="{FF2B5EF4-FFF2-40B4-BE49-F238E27FC236}">
+                <a16:creationId xmlns:a16="http://schemas.microsoft.com/office/drawing/2014/main" id="{2D36F5FE-08B5-52A8-938C-1CBD306BDA78}"/>
+              </a:ext>
+            </a:extLst>
+          </p:cNvPr>
+          <p:cNvSpPr txBox="1"/>
+          <p:nvPr/>
+        </p:nvSpPr>
+        <p:spPr>
+          <a:xfrm>
+            <a:off x="7817519" y="8953500"/>
+            <a:ext cx="6157316" cy="453394"/>
+          </a:xfrm>
+          <a:prstGeom prst="rect">
+            <a:avLst/>
+          </a:prstGeom>
+        </p:spPr>
+        <p:txBody>
+          <a:bodyPr lIns="0" tIns="0" rIns="0" bIns="0" rtlCol="0" anchor="t">
+            <a:spAutoFit/>
+          </a:bodyPr>
+          <a:lstStyle/>
+          <a:p>
+            <a:pPr algn="l">
+              <a:lnSpc>
+                <a:spcPts val="3499"/>
+              </a:lnSpc>
+              <a:spcBef>
+                <a:spcPct val="0"/>
+              </a:spcBef>
+            </a:pPr>
+            <a:r>
+              <a:rPr lang="en-US" altLang="zh-TW" sz="4000" dirty="0" err="1">
+                <a:solidFill>
+                  <a:srgbClr val="000000"/>
+                </a:solidFill>
+                <a:latin typeface="Arimo Bold"/>
+                <a:ea typeface="Arimo Bold"/>
+                <a:cs typeface="Arimo Bold"/>
+                <a:sym typeface="Arimo Bold"/>
+              </a:rPr>
+              <a:t>pcv</a:t>
+            </a:r>
+            <a:r>
+              <a:rPr lang="en-US" sz="4000" dirty="0">
+                <a:solidFill>
+                  <a:srgbClr val="000000"/>
+                </a:solidFill>
+                <a:latin typeface="Arimo Bold"/>
+                <a:ea typeface="Arimo Bold"/>
+                <a:cs typeface="Arimo Bold"/>
+                <a:sym typeface="Arimo Bold"/>
+              </a:rPr>
+              <a:t>:  0.076</a:t>
+            </a:r>
+          </a:p>
+        </p:txBody>
+      </p:sp>
+      <p:sp>
+        <p:nvSpPr>
+          <p:cNvPr id="12" name="TextBox 9">
+            <a:extLst>
+              <a:ext uri="{FF2B5EF4-FFF2-40B4-BE49-F238E27FC236}">
+                <a16:creationId xmlns:a16="http://schemas.microsoft.com/office/drawing/2014/main" id="{B584BA96-3B49-0977-B64A-A6094E3D5E3C}"/>
+              </a:ext>
+            </a:extLst>
+          </p:cNvPr>
+          <p:cNvSpPr txBox="1"/>
+          <p:nvPr/>
+        </p:nvSpPr>
+        <p:spPr>
+          <a:xfrm>
+            <a:off x="11811000" y="8046988"/>
+            <a:ext cx="6157316" cy="453394"/>
+          </a:xfrm>
+          <a:prstGeom prst="rect">
+            <a:avLst/>
+          </a:prstGeom>
+        </p:spPr>
+        <p:txBody>
+          <a:bodyPr lIns="0" tIns="0" rIns="0" bIns="0" rtlCol="0" anchor="t">
+            <a:spAutoFit/>
+          </a:bodyPr>
+          <a:lstStyle/>
+          <a:p>
+            <a:pPr algn="l">
+              <a:lnSpc>
+                <a:spcPts val="3499"/>
+              </a:lnSpc>
+              <a:spcBef>
+                <a:spcPct val="0"/>
+              </a:spcBef>
+            </a:pPr>
+            <a:r>
+              <a:rPr lang="en-US" altLang="zh-TW" sz="4000" dirty="0" err="1">
+                <a:solidFill>
+                  <a:srgbClr val="000000"/>
+                </a:solidFill>
+                <a:latin typeface="Arimo Bold"/>
+                <a:ea typeface="Arimo Bold"/>
+                <a:cs typeface="Arimo Bold"/>
+                <a:sym typeface="Arimo Bold"/>
+              </a:rPr>
+              <a:t>bgr</a:t>
+            </a:r>
+            <a:r>
+              <a:rPr lang="en-US" sz="4000" dirty="0">
+                <a:solidFill>
+                  <a:srgbClr val="000000"/>
+                </a:solidFill>
+                <a:latin typeface="Arimo Bold"/>
+                <a:ea typeface="Arimo Bold"/>
+                <a:cs typeface="Arimo Bold"/>
+                <a:sym typeface="Arimo Bold"/>
+              </a:rPr>
+              <a:t>:  0.088</a:t>
+            </a:r>
+          </a:p>
+        </p:txBody>
+      </p:sp>
+      <p:sp>
+        <p:nvSpPr>
+          <p:cNvPr id="13" name="TextBox 9">
+            <a:extLst>
+              <a:ext uri="{FF2B5EF4-FFF2-40B4-BE49-F238E27FC236}">
+                <a16:creationId xmlns:a16="http://schemas.microsoft.com/office/drawing/2014/main" id="{D0364517-0620-A26C-1B74-81127C58CD39}"/>
+              </a:ext>
+            </a:extLst>
+          </p:cNvPr>
+          <p:cNvSpPr txBox="1"/>
+          <p:nvPr/>
+        </p:nvSpPr>
+        <p:spPr>
+          <a:xfrm>
+            <a:off x="11811000" y="8964544"/>
+            <a:ext cx="6157316" cy="453394"/>
+          </a:xfrm>
+          <a:prstGeom prst="rect">
+            <a:avLst/>
+          </a:prstGeom>
+        </p:spPr>
+        <p:txBody>
+          <a:bodyPr wrap="square" lIns="0" tIns="0" rIns="0" bIns="0" rtlCol="0" anchor="t">
+            <a:spAutoFit/>
+          </a:bodyPr>
+          <a:lstStyle/>
+          <a:p>
+            <a:pPr algn="l">
+              <a:lnSpc>
+                <a:spcPts val="3499"/>
+              </a:lnSpc>
+              <a:spcBef>
+                <a:spcPct val="0"/>
+              </a:spcBef>
+            </a:pPr>
+            <a:r>
+              <a:rPr lang="en-US" altLang="zh-TW" sz="4000" dirty="0" err="1">
+                <a:solidFill>
+                  <a:srgbClr val="000000"/>
+                </a:solidFill>
+                <a:latin typeface="Arimo Bold"/>
+                <a:ea typeface="Arimo Bold"/>
+                <a:cs typeface="Arimo Bold"/>
+                <a:sym typeface="Arimo Bold"/>
+              </a:rPr>
+              <a:t>sc</a:t>
+            </a:r>
+            <a:r>
+              <a:rPr lang="en-US" sz="4000" dirty="0">
+                <a:solidFill>
+                  <a:srgbClr val="000000"/>
+                </a:solidFill>
+                <a:latin typeface="Arimo Bold"/>
+                <a:ea typeface="Arimo Bold"/>
+                <a:cs typeface="Arimo Bold"/>
+                <a:sym typeface="Arimo Bold"/>
+              </a:rPr>
+              <a:t>:  0.081</a:t>
+            </a:r>
+          </a:p>
+        </p:txBody>
+      </p:sp>
+      <p:sp>
+        <p:nvSpPr>
+          <p:cNvPr id="6" name="TextBox 4">
+            <a:extLst>
+              <a:ext uri="{FF2B5EF4-FFF2-40B4-BE49-F238E27FC236}">
+                <a16:creationId xmlns:a16="http://schemas.microsoft.com/office/drawing/2014/main" id="{313AF073-18F0-6D15-2CE8-49C1FF777FF5}"/>
+              </a:ext>
+            </a:extLst>
+          </p:cNvPr>
+          <p:cNvSpPr txBox="1"/>
+          <p:nvPr/>
+        </p:nvSpPr>
+        <p:spPr>
+          <a:xfrm>
+            <a:off x="2742354" y="8393609"/>
+            <a:ext cx="7239000" cy="615553"/>
+          </a:xfrm>
+          <a:prstGeom prst="rect">
+            <a:avLst/>
+          </a:prstGeom>
+        </p:spPr>
+        <p:txBody>
+          <a:bodyPr wrap="square" lIns="0" tIns="0" rIns="0" bIns="0" rtlCol="0" anchor="t">
+            <a:spAutoFit/>
+          </a:bodyPr>
+          <a:lstStyle/>
+          <a:p>
+            <a:pPr>
+              <a:lnSpc>
+                <a:spcPts val="4750"/>
+              </a:lnSpc>
+            </a:pPr>
+            <a:r>
+              <a:rPr lang="en-US" sz="4800" dirty="0">
+                <a:solidFill>
+                  <a:srgbClr val="5B5F72"/>
+                </a:solidFill>
+                <a:latin typeface="Arimo Bold"/>
+                <a:ea typeface="Arimo Bold"/>
+                <a:cs typeface="Arimo Bold"/>
+                <a:sym typeface="Arimo Bold"/>
+              </a:rPr>
+              <a:t>Same factors:</a:t>
+            </a:r>
+          </a:p>
+        </p:txBody>
+      </p:sp>
+      <p:pic>
+        <p:nvPicPr>
+          <p:cNvPr id="14" name="圖片 13">
+            <a:extLst>
+              <a:ext uri="{FF2B5EF4-FFF2-40B4-BE49-F238E27FC236}">
+                <a16:creationId xmlns:a16="http://schemas.microsoft.com/office/drawing/2014/main" id="{B528F986-F6E4-9101-4879-87E419BC55CF}"/>
+              </a:ext>
+            </a:extLst>
+          </p:cNvPr>
+          <p:cNvPicPr>
+            <a:picLocks noChangeAspect="1"/>
+          </p:cNvPicPr>
+          <p:nvPr/>
+        </p:nvPicPr>
+        <p:blipFill rotWithShape="1">
+          <a:blip r:embed="rId5"/>
+          <a:srcRect t="19001" r="26800" b="15218"/>
+          <a:stretch/>
+        </p:blipFill>
+        <p:spPr>
+          <a:xfrm>
+            <a:off x="9676437" y="2441083"/>
+            <a:ext cx="8596796" cy="4285632"/>
           </a:xfrm>
           <a:prstGeom prst="rect">
             <a:avLst/>
@@ -19260,7 +19279,7 @@
     </p:spTree>
     <p:extLst>
       <p:ext uri="{BB962C8B-B14F-4D97-AF65-F5344CB8AC3E}">
-        <p14:creationId xmlns:p14="http://schemas.microsoft.com/office/powerpoint/2010/main" val="2454961724"/>
+        <p14:creationId xmlns:p14="http://schemas.microsoft.com/office/powerpoint/2010/main" val="2947347181"/>
       </p:ext>
     </p:extLst>
   </p:cSld>

--- a/ckd_process/kidney_disease_ppt.pptx
+++ b/ckd_process/kidney_disease_ppt.pptx
@@ -27,14 +27,14 @@
     <p:sldId id="277" r:id="rId18"/>
     <p:sldId id="278" r:id="rId19"/>
     <p:sldId id="276" r:id="rId20"/>
-    <p:sldId id="270" r:id="rId21"/>
-    <p:sldId id="288" r:id="rId22"/>
-    <p:sldId id="289" r:id="rId23"/>
-    <p:sldId id="290" r:id="rId24"/>
-    <p:sldId id="291" r:id="rId25"/>
-    <p:sldId id="292" r:id="rId26"/>
-    <p:sldId id="293" r:id="rId27"/>
-    <p:sldId id="285" r:id="rId28"/>
+    <p:sldId id="294" r:id="rId21"/>
+    <p:sldId id="270" r:id="rId22"/>
+    <p:sldId id="288" r:id="rId23"/>
+    <p:sldId id="289" r:id="rId24"/>
+    <p:sldId id="290" r:id="rId25"/>
+    <p:sldId id="291" r:id="rId26"/>
+    <p:sldId id="292" r:id="rId27"/>
+    <p:sldId id="293" r:id="rId28"/>
   </p:sldIdLst>
   <p:sldSz cx="18288000" cy="10287000"/>
   <p:notesSz cx="6858000" cy="9144000"/>
@@ -244,7 +244,7 @@
           <a:p>
             <a:fld id="{B7268E1E-0E44-426D-905E-8AD9B19D2182}" type="datetimeFigureOut">
               <a:rPr lang="cs-CZ" smtClean="0"/>
-              <a:t>16.07.2024</a:t>
+              <a:t>19.07.2024</a:t>
             </a:fld>
             <a:endParaRPr lang="cs-CZ"/>
           </a:p>
@@ -3376,7 +3376,7 @@
     </p:spTree>
     <p:extLst>
       <p:ext uri="{BB962C8B-B14F-4D97-AF65-F5344CB8AC3E}">
-        <p14:creationId xmlns:p14="http://schemas.microsoft.com/office/powerpoint/2010/main" val="1388914314"/>
+        <p14:creationId xmlns:p14="http://schemas.microsoft.com/office/powerpoint/2010/main" val="3453979789"/>
       </p:ext>
     </p:extLst>
   </p:cSld>
@@ -3599,7 +3599,7 @@
     </p:spTree>
     <p:extLst>
       <p:ext uri="{BB962C8B-B14F-4D97-AF65-F5344CB8AC3E}">
-        <p14:creationId xmlns:p14="http://schemas.microsoft.com/office/powerpoint/2010/main" val="3529726037"/>
+        <p14:creationId xmlns:p14="http://schemas.microsoft.com/office/powerpoint/2010/main" val="1388914314"/>
       </p:ext>
     </p:extLst>
   </p:cSld>
@@ -3822,7 +3822,7 @@
     </p:spTree>
     <p:extLst>
       <p:ext uri="{BB962C8B-B14F-4D97-AF65-F5344CB8AC3E}">
-        <p14:creationId xmlns:p14="http://schemas.microsoft.com/office/powerpoint/2010/main" val="207979381"/>
+        <p14:creationId xmlns:p14="http://schemas.microsoft.com/office/powerpoint/2010/main" val="3529726037"/>
       </p:ext>
     </p:extLst>
   </p:cSld>
@@ -4045,7 +4045,7 @@
     </p:spTree>
     <p:extLst>
       <p:ext uri="{BB962C8B-B14F-4D97-AF65-F5344CB8AC3E}">
-        <p14:creationId xmlns:p14="http://schemas.microsoft.com/office/powerpoint/2010/main" val="2583077700"/>
+        <p14:creationId xmlns:p14="http://schemas.microsoft.com/office/powerpoint/2010/main" val="207979381"/>
       </p:ext>
     </p:extLst>
   </p:cSld>
@@ -4268,7 +4268,7 @@
     </p:spTree>
     <p:extLst>
       <p:ext uri="{BB962C8B-B14F-4D97-AF65-F5344CB8AC3E}">
-        <p14:creationId xmlns:p14="http://schemas.microsoft.com/office/powerpoint/2010/main" val="1014304450"/>
+        <p14:creationId xmlns:p14="http://schemas.microsoft.com/office/powerpoint/2010/main" val="2583077700"/>
       </p:ext>
     </p:extLst>
   </p:cSld>
@@ -4491,7 +4491,7 @@
     </p:spTree>
     <p:extLst>
       <p:ext uri="{BB962C8B-B14F-4D97-AF65-F5344CB8AC3E}">
-        <p14:creationId xmlns:p14="http://schemas.microsoft.com/office/powerpoint/2010/main" val="1378124044"/>
+        <p14:creationId xmlns:p14="http://schemas.microsoft.com/office/powerpoint/2010/main" val="1014304450"/>
       </p:ext>
     </p:extLst>
   </p:cSld>
@@ -4714,7 +4714,7 @@
     </p:spTree>
     <p:extLst>
       <p:ext uri="{BB962C8B-B14F-4D97-AF65-F5344CB8AC3E}">
-        <p14:creationId xmlns:p14="http://schemas.microsoft.com/office/powerpoint/2010/main" val="2582398869"/>
+        <p14:creationId xmlns:p14="http://schemas.microsoft.com/office/powerpoint/2010/main" val="1378124044"/>
       </p:ext>
     </p:extLst>
   </p:cSld>
@@ -4937,7 +4937,7 @@
     </p:spTree>
     <p:extLst>
       <p:ext uri="{BB962C8B-B14F-4D97-AF65-F5344CB8AC3E}">
-        <p14:creationId xmlns:p14="http://schemas.microsoft.com/office/powerpoint/2010/main" val="3258520254"/>
+        <p14:creationId xmlns:p14="http://schemas.microsoft.com/office/powerpoint/2010/main" val="2582398869"/>
       </p:ext>
     </p:extLst>
   </p:cSld>
@@ -6673,7 +6673,7 @@
             <a:fld id="{1D8BD707-D9CF-40AE-B4C6-C98DA3205C09}" type="datetimeFigureOut">
               <a:rPr lang="en-US" smtClean="0"/>
               <a:pPr/>
-              <a:t>7/16/2024</a:t>
+              <a:t>7/19/2024</a:t>
             </a:fld>
             <a:endParaRPr lang="en-US"/>
           </a:p>
@@ -6838,7 +6838,7 @@
             <a:fld id="{1D8BD707-D9CF-40AE-B4C6-C98DA3205C09}" type="datetimeFigureOut">
               <a:rPr lang="en-US" smtClean="0"/>
               <a:pPr/>
-              <a:t>7/16/2024</a:t>
+              <a:t>7/19/2024</a:t>
             </a:fld>
             <a:endParaRPr lang="en-US"/>
           </a:p>
@@ -7013,7 +7013,7 @@
             <a:fld id="{1D8BD707-D9CF-40AE-B4C6-C98DA3205C09}" type="datetimeFigureOut">
               <a:rPr lang="en-US" smtClean="0"/>
               <a:pPr/>
-              <a:t>7/16/2024</a:t>
+              <a:t>7/19/2024</a:t>
             </a:fld>
             <a:endParaRPr lang="en-US"/>
           </a:p>
@@ -7178,7 +7178,7 @@
             <a:fld id="{1D8BD707-D9CF-40AE-B4C6-C98DA3205C09}" type="datetimeFigureOut">
               <a:rPr lang="en-US" smtClean="0"/>
               <a:pPr/>
-              <a:t>7/16/2024</a:t>
+              <a:t>7/19/2024</a:t>
             </a:fld>
             <a:endParaRPr lang="en-US"/>
           </a:p>
@@ -7420,7 +7420,7 @@
             <a:fld id="{1D8BD707-D9CF-40AE-B4C6-C98DA3205C09}" type="datetimeFigureOut">
               <a:rPr lang="en-US" smtClean="0"/>
               <a:pPr/>
-              <a:t>7/16/2024</a:t>
+              <a:t>7/19/2024</a:t>
             </a:fld>
             <a:endParaRPr lang="en-US"/>
           </a:p>
@@ -7702,7 +7702,7 @@
             <a:fld id="{1D8BD707-D9CF-40AE-B4C6-C98DA3205C09}" type="datetimeFigureOut">
               <a:rPr lang="en-US" smtClean="0"/>
               <a:pPr/>
-              <a:t>7/16/2024</a:t>
+              <a:t>7/19/2024</a:t>
             </a:fld>
             <a:endParaRPr lang="en-US"/>
           </a:p>
@@ -8118,7 +8118,7 @@
             <a:fld id="{1D8BD707-D9CF-40AE-B4C6-C98DA3205C09}" type="datetimeFigureOut">
               <a:rPr lang="en-US" smtClean="0"/>
               <a:pPr/>
-              <a:t>7/16/2024</a:t>
+              <a:t>7/19/2024</a:t>
             </a:fld>
             <a:endParaRPr lang="en-US"/>
           </a:p>
@@ -8232,7 +8232,7 @@
             <a:fld id="{1D8BD707-D9CF-40AE-B4C6-C98DA3205C09}" type="datetimeFigureOut">
               <a:rPr lang="en-US" smtClean="0"/>
               <a:pPr/>
-              <a:t>7/16/2024</a:t>
+              <a:t>7/19/2024</a:t>
             </a:fld>
             <a:endParaRPr lang="en-US"/>
           </a:p>
@@ -8324,7 +8324,7 @@
             <a:fld id="{1D8BD707-D9CF-40AE-B4C6-C98DA3205C09}" type="datetimeFigureOut">
               <a:rPr lang="en-US" smtClean="0"/>
               <a:pPr/>
-              <a:t>7/16/2024</a:t>
+              <a:t>7/19/2024</a:t>
             </a:fld>
             <a:endParaRPr lang="en-US"/>
           </a:p>
@@ -8596,7 +8596,7 @@
             <a:fld id="{1D8BD707-D9CF-40AE-B4C6-C98DA3205C09}" type="datetimeFigureOut">
               <a:rPr lang="en-US" smtClean="0"/>
               <a:pPr/>
-              <a:t>7/16/2024</a:t>
+              <a:t>7/19/2024</a:t>
             </a:fld>
             <a:endParaRPr lang="en-US"/>
           </a:p>
@@ -8845,7 +8845,7 @@
             <a:fld id="{1D8BD707-D9CF-40AE-B4C6-C98DA3205C09}" type="datetimeFigureOut">
               <a:rPr lang="en-US" smtClean="0"/>
               <a:pPr/>
-              <a:t>7/16/2024</a:t>
+              <a:t>7/19/2024</a:t>
             </a:fld>
             <a:endParaRPr lang="en-US"/>
           </a:p>
@@ -9053,7 +9053,7 @@
             <a:fld id="{1D8BD707-D9CF-40AE-B4C6-C98DA3205C09}" type="datetimeFigureOut">
               <a:rPr lang="en-US" smtClean="0"/>
               <a:pPr/>
-              <a:t>7/16/2024</a:t>
+              <a:t>7/19/2024</a:t>
             </a:fld>
             <a:endParaRPr lang="en-US"/>
           </a:p>
@@ -11217,181 +11217,6 @@
           </a:p>
         </p:txBody>
       </p:sp>
-      <p:pic>
-        <p:nvPicPr>
-          <p:cNvPr id="6" name="圖片 5">
-            <a:extLst>
-              <a:ext uri="{FF2B5EF4-FFF2-40B4-BE49-F238E27FC236}">
-                <a16:creationId xmlns:a16="http://schemas.microsoft.com/office/drawing/2014/main" id="{D6EC57B0-83DB-973A-656E-701B1B9753A4}"/>
-              </a:ext>
-            </a:extLst>
-          </p:cNvPr>
-          <p:cNvPicPr>
-            <a:picLocks noChangeAspect="1"/>
-          </p:cNvPicPr>
-          <p:nvPr/>
-        </p:nvPicPr>
-        <p:blipFill rotWithShape="1">
-          <a:blip r:embed="rId4">
-            <a:extLst>
-              <a:ext uri="{28A0092B-C50C-407E-A947-70E740481C1C}">
-                <a14:useLocalDpi xmlns:a14="http://schemas.microsoft.com/office/drawing/2010/main" val="0"/>
-              </a:ext>
-            </a:extLst>
-          </a:blip>
-          <a:srcRect l="833" t="42643" r="833" b="18885"/>
-          <a:stretch/>
-        </p:blipFill>
-        <p:spPr>
-          <a:xfrm>
-            <a:off x="152400" y="6193947"/>
-            <a:ext cx="17983200" cy="557952"/>
-          </a:xfrm>
-          <a:prstGeom prst="rect">
-            <a:avLst/>
-          </a:prstGeom>
-        </p:spPr>
-      </p:pic>
-      <p:pic>
-        <p:nvPicPr>
-          <p:cNvPr id="8" name="圖片 7">
-            <a:extLst>
-              <a:ext uri="{FF2B5EF4-FFF2-40B4-BE49-F238E27FC236}">
-                <a16:creationId xmlns:a16="http://schemas.microsoft.com/office/drawing/2014/main" id="{A51865C3-2F8D-F62E-B233-D1D203775FD4}"/>
-              </a:ext>
-            </a:extLst>
-          </p:cNvPr>
-          <p:cNvPicPr>
-            <a:picLocks noChangeAspect="1"/>
-          </p:cNvPicPr>
-          <p:nvPr/>
-        </p:nvPicPr>
-        <p:blipFill rotWithShape="1">
-          <a:blip r:embed="rId5">
-            <a:extLst>
-              <a:ext uri="{28A0092B-C50C-407E-A947-70E740481C1C}">
-                <a14:useLocalDpi xmlns:a14="http://schemas.microsoft.com/office/drawing/2010/main" val="0"/>
-              </a:ext>
-            </a:extLst>
-          </a:blip>
-          <a:srcRect l="833" t="41489" r="833" b="15354"/>
-          <a:stretch/>
-        </p:blipFill>
-        <p:spPr>
-          <a:xfrm>
-            <a:off x="152400" y="5557837"/>
-            <a:ext cx="17983200" cy="629416"/>
-          </a:xfrm>
-          <a:prstGeom prst="rect">
-            <a:avLst/>
-          </a:prstGeom>
-        </p:spPr>
-      </p:pic>
-      <p:pic>
-        <p:nvPicPr>
-          <p:cNvPr id="12" name="圖片 11">
-            <a:extLst>
-              <a:ext uri="{FF2B5EF4-FFF2-40B4-BE49-F238E27FC236}">
-                <a16:creationId xmlns:a16="http://schemas.microsoft.com/office/drawing/2014/main" id="{A35022FE-6AD7-7326-9882-AE8C280387C8}"/>
-              </a:ext>
-            </a:extLst>
-          </p:cNvPr>
-          <p:cNvPicPr>
-            <a:picLocks noChangeAspect="1"/>
-          </p:cNvPicPr>
-          <p:nvPr/>
-        </p:nvPicPr>
-        <p:blipFill rotWithShape="1">
-          <a:blip r:embed="rId6">
-            <a:extLst>
-              <a:ext uri="{28A0092B-C50C-407E-A947-70E740481C1C}">
-                <a14:useLocalDpi xmlns:a14="http://schemas.microsoft.com/office/drawing/2010/main" val="0"/>
-              </a:ext>
-            </a:extLst>
-          </a:blip>
-          <a:srcRect l="833" t="42271" r="833" b="19039"/>
-          <a:stretch/>
-        </p:blipFill>
-        <p:spPr>
-          <a:xfrm>
-            <a:off x="152400" y="5010984"/>
-            <a:ext cx="17983200" cy="557952"/>
-          </a:xfrm>
-          <a:prstGeom prst="rect">
-            <a:avLst/>
-          </a:prstGeom>
-        </p:spPr>
-      </p:pic>
-      <p:pic>
-        <p:nvPicPr>
-          <p:cNvPr id="14" name="圖片 13">
-            <a:extLst>
-              <a:ext uri="{FF2B5EF4-FFF2-40B4-BE49-F238E27FC236}">
-                <a16:creationId xmlns:a16="http://schemas.microsoft.com/office/drawing/2014/main" id="{63CF62E8-A453-D2DB-FC19-B56061FB140F}"/>
-              </a:ext>
-            </a:extLst>
-          </p:cNvPr>
-          <p:cNvPicPr>
-            <a:picLocks noChangeAspect="1"/>
-          </p:cNvPicPr>
-          <p:nvPr/>
-        </p:nvPicPr>
-        <p:blipFill rotWithShape="1">
-          <a:blip r:embed="rId7">
-            <a:extLst>
-              <a:ext uri="{28A0092B-C50C-407E-A947-70E740481C1C}">
-                <a14:useLocalDpi xmlns:a14="http://schemas.microsoft.com/office/drawing/2010/main" val="0"/>
-              </a:ext>
-            </a:extLst>
-          </a:blip>
-          <a:srcRect l="833" t="40308" r="833" b="16171"/>
-          <a:stretch/>
-        </p:blipFill>
-        <p:spPr>
-          <a:xfrm>
-            <a:off x="152400" y="4347428"/>
-            <a:ext cx="17983200" cy="684399"/>
-          </a:xfrm>
-          <a:prstGeom prst="rect">
-            <a:avLst/>
-          </a:prstGeom>
-        </p:spPr>
-      </p:pic>
-      <p:pic>
-        <p:nvPicPr>
-          <p:cNvPr id="17" name="圖片 16">
-            <a:extLst>
-              <a:ext uri="{FF2B5EF4-FFF2-40B4-BE49-F238E27FC236}">
-                <a16:creationId xmlns:a16="http://schemas.microsoft.com/office/drawing/2014/main" id="{597F2191-BC98-19B8-0A3D-6CC388F69526}"/>
-              </a:ext>
-            </a:extLst>
-          </p:cNvPr>
-          <p:cNvPicPr>
-            <a:picLocks noChangeAspect="1"/>
-          </p:cNvPicPr>
-          <p:nvPr/>
-        </p:nvPicPr>
-        <p:blipFill rotWithShape="1">
-          <a:blip r:embed="rId8">
-            <a:extLst>
-              <a:ext uri="{28A0092B-C50C-407E-A947-70E740481C1C}">
-                <a14:useLocalDpi xmlns:a14="http://schemas.microsoft.com/office/drawing/2010/main" val="0"/>
-              </a:ext>
-            </a:extLst>
-          </a:blip>
-          <a:srcRect t="-2788"/>
-          <a:stretch/>
-        </p:blipFill>
-        <p:spPr>
-          <a:xfrm>
-            <a:off x="152400" y="2781300"/>
-            <a:ext cx="17983200" cy="1592725"/>
-          </a:xfrm>
-          <a:prstGeom prst="rect">
-            <a:avLst/>
-          </a:prstGeom>
-        </p:spPr>
-      </p:pic>
       <p:sp>
         <p:nvSpPr>
           <p:cNvPr id="18" name="TextBox 8">
@@ -11406,8 +11231,8 @@
         </p:nvSpPr>
         <p:spPr>
           <a:xfrm>
-            <a:off x="762000" y="7726375"/>
-            <a:ext cx="17068800" cy="968663"/>
+            <a:off x="914400" y="8316053"/>
+            <a:ext cx="17068800" cy="1480534"/>
           </a:xfrm>
           <a:prstGeom prst="rect">
             <a:avLst/>
@@ -11425,53 +11250,90 @@
               </a:lnSpc>
             </a:pPr>
             <a:r>
-              <a:rPr lang="en-US" altLang="zh-TW" sz="3200" dirty="0">
-                <a:latin typeface="Arimo"/>
-                <a:ea typeface="Arimo"/>
-                <a:cs typeface="Arimo"/>
-                <a:sym typeface="Arimo"/>
-              </a:rPr>
-              <a:t>Here I input 5 piece of data for testing the target value – classification. And I found </a:t>
-            </a:r>
-            <a:r>
-              <a:rPr lang="en-US" altLang="zh-TW" sz="3200">
-                <a:latin typeface="Arimo"/>
-                <a:ea typeface="Arimo"/>
-                <a:cs typeface="Arimo"/>
-                <a:sym typeface="Arimo"/>
-              </a:rPr>
-              <a:t>that it’s </a:t>
-            </a:r>
-            <a:r>
-              <a:rPr lang="en-US" altLang="zh-TW" sz="3200" dirty="0">
-                <a:latin typeface="Arimo"/>
-                <a:ea typeface="Arimo"/>
-                <a:cs typeface="Arimo"/>
-                <a:sym typeface="Arimo"/>
-              </a:rPr>
-              <a:t>totally correct, Which means we can use this tool to predict whether patient will get </a:t>
-            </a:r>
-            <a:r>
-              <a:rPr lang="en-US" altLang="zh-TW" sz="3200" dirty="0" err="1">
-                <a:latin typeface="Arimo"/>
-                <a:ea typeface="Arimo"/>
-                <a:cs typeface="Arimo"/>
-                <a:sym typeface="Arimo"/>
-              </a:rPr>
-              <a:t>ckd</a:t>
-            </a:r>
-            <a:r>
-              <a:rPr lang="en-US" altLang="zh-TW" sz="3200" dirty="0">
-                <a:latin typeface="Arimo"/>
-                <a:ea typeface="Arimo"/>
-                <a:cs typeface="Arimo"/>
-                <a:sym typeface="Arimo"/>
-              </a:rPr>
-              <a:t> or not.</a:t>
-            </a:r>
-          </a:p>
-        </p:txBody>
-      </p:sp>
+              <a:rPr lang="en-US" altLang="zh-TW" sz="3200" dirty="0"/>
+              <a:t>Here I use 70% of data for training and input 30% of data for testing the target value – classification. And The prediction is 100% correct. As the image above, The ROC Curve and Confusion Matrix indicate the model predict 64 piece of data and exist no prediction errors.</a:t>
+            </a:r>
+            <a:endParaRPr lang="en-US" altLang="zh-TW" sz="3200" dirty="0">
+              <a:latin typeface="Arimo"/>
+              <a:ea typeface="Arimo"/>
+              <a:cs typeface="Arimo"/>
+              <a:sym typeface="Arimo"/>
+            </a:endParaRPr>
+          </a:p>
+        </p:txBody>
+      </p:sp>
+      <p:pic>
+        <p:nvPicPr>
+          <p:cNvPr id="7" name="圖片 6" descr="一張含有 文字, 螢幕擷取畫面, 圖表, Rectangle 的圖片&#10;&#10;自動產生的描述">
+            <a:extLst>
+              <a:ext uri="{FF2B5EF4-FFF2-40B4-BE49-F238E27FC236}">
+                <a16:creationId xmlns:a16="http://schemas.microsoft.com/office/drawing/2014/main" id="{3AF034A6-E600-8F01-A049-6E32A94F10E6}"/>
+              </a:ext>
+            </a:extLst>
+          </p:cNvPr>
+          <p:cNvPicPr>
+            <a:picLocks noChangeAspect="1"/>
+          </p:cNvPicPr>
+          <p:nvPr/>
+        </p:nvPicPr>
+        <p:blipFill>
+          <a:blip r:embed="rId4">
+            <a:extLst>
+              <a:ext uri="{28A0092B-C50C-407E-A947-70E740481C1C}">
+                <a14:useLocalDpi xmlns:a14="http://schemas.microsoft.com/office/drawing/2010/main" val="0"/>
+              </a:ext>
+            </a:extLst>
+          </a:blip>
+          <a:stretch>
+            <a:fillRect/>
+          </a:stretch>
+        </p:blipFill>
+        <p:spPr>
+          <a:xfrm>
+            <a:off x="9144000" y="2378856"/>
+            <a:ext cx="7240101" cy="5446784"/>
+          </a:xfrm>
+          <a:prstGeom prst="rect">
+            <a:avLst/>
+          </a:prstGeom>
+        </p:spPr>
+      </p:pic>
+      <p:pic>
+        <p:nvPicPr>
+          <p:cNvPr id="13" name="圖片 12" descr="一張含有 文字, 螢幕擷取畫面, 行, 繪圖 的圖片&#10;&#10;自動產生的描述">
+            <a:extLst>
+              <a:ext uri="{FF2B5EF4-FFF2-40B4-BE49-F238E27FC236}">
+                <a16:creationId xmlns:a16="http://schemas.microsoft.com/office/drawing/2014/main" id="{2CAE3639-D0F1-1DB1-62AF-5CD266931CA2}"/>
+              </a:ext>
+            </a:extLst>
+          </p:cNvPr>
+          <p:cNvPicPr>
+            <a:picLocks noChangeAspect="1"/>
+          </p:cNvPicPr>
+          <p:nvPr/>
+        </p:nvPicPr>
+        <p:blipFill>
+          <a:blip r:embed="rId5">
+            <a:extLst>
+              <a:ext uri="{28A0092B-C50C-407E-A947-70E740481C1C}">
+                <a14:useLocalDpi xmlns:a14="http://schemas.microsoft.com/office/drawing/2010/main" val="0"/>
+              </a:ext>
+            </a:extLst>
+          </a:blip>
+          <a:stretch>
+            <a:fillRect/>
+          </a:stretch>
+        </p:blipFill>
+        <p:spPr>
+          <a:xfrm>
+            <a:off x="1524000" y="2378856"/>
+            <a:ext cx="7162800" cy="5484884"/>
+          </a:xfrm>
+          <a:prstGeom prst="rect">
+            <a:avLst/>
+          </a:prstGeom>
+        </p:spPr>
+      </p:pic>
     </p:spTree>
   </p:cSld>
   <p:clrMapOvr>
@@ -13334,7 +13196,7 @@
         </p:nvSpPr>
         <p:spPr>
           <a:xfrm>
-            <a:off x="1981200" y="9175742"/>
+            <a:off x="1278038" y="9175742"/>
             <a:ext cx="23337821" cy="525337"/>
           </a:xfrm>
           <a:prstGeom prst="rect">
@@ -13470,7 +13332,55 @@
                 <a:cs typeface="Arimo Bold"/>
                 <a:sym typeface="Arimo Bold"/>
               </a:rPr>
-              <a:t>data(random). </a:t>
+              <a:t>data</a:t>
+            </a:r>
+            <a:r>
+              <a:rPr lang="zh-TW" altLang="en-US" sz="3500" dirty="0">
+                <a:solidFill>
+                  <a:srgbClr val="5B5F72"/>
+                </a:solidFill>
+                <a:latin typeface="Arimo Bold"/>
+                <a:ea typeface="Arimo Bold"/>
+                <a:cs typeface="Arimo Bold"/>
+                <a:sym typeface="Arimo Bold"/>
+              </a:rPr>
+              <a:t> </a:t>
+            </a:r>
+            <a:r>
+              <a:rPr lang="en-US" altLang="zh-TW" sz="3500" dirty="0">
+                <a:solidFill>
+                  <a:srgbClr val="5B5F72"/>
+                </a:solidFill>
+                <a:latin typeface="Arimo Bold"/>
+                <a:ea typeface="Arimo Bold"/>
+                <a:cs typeface="Arimo Bold"/>
+                <a:sym typeface="Arimo Bold"/>
+              </a:rPr>
+              <a:t>(300</a:t>
+            </a:r>
+            <a:r>
+              <a:rPr lang="zh-TW" altLang="en-US" sz="3500" dirty="0">
+                <a:solidFill>
+                  <a:srgbClr val="5B5F72"/>
+                </a:solidFill>
+                <a:latin typeface="Arimo Bold"/>
+                <a:ea typeface="Arimo Bold"/>
+                <a:cs typeface="Arimo Bold"/>
+                <a:sym typeface="Arimo Bold"/>
+              </a:rPr>
+              <a:t> </a:t>
+            </a:r>
+            <a:r>
+              <a:rPr lang="en-US" altLang="zh-TW" sz="3500" dirty="0">
+                <a:solidFill>
+                  <a:srgbClr val="5B5F72"/>
+                </a:solidFill>
+                <a:latin typeface="Arimo Bold"/>
+                <a:ea typeface="Arimo Bold"/>
+                <a:cs typeface="Arimo Bold"/>
+                <a:sym typeface="Arimo Bold"/>
+              </a:rPr>
+              <a:t>rows). </a:t>
             </a:r>
             <a:r>
               <a:rPr lang="en-US" altLang="zh-TW" sz="3500" dirty="0" err="1">
@@ -14400,7 +14310,7 @@
         <p:spPr>
           <a:xfrm>
             <a:off x="609600" y="462624"/>
-            <a:ext cx="12344400" cy="908326"/>
+            <a:ext cx="14090804" cy="908326"/>
           </a:xfrm>
           <a:prstGeom prst="rect">
             <a:avLst/>
@@ -14439,7 +14349,31 @@
                 <a:cs typeface="Arimo Bold"/>
                 <a:sym typeface="Arimo Bold"/>
               </a:rPr>
-              <a:t>Variable Information</a:t>
+              <a:t>Compare</a:t>
+            </a:r>
+            <a:r>
+              <a:rPr lang="zh-TW" altLang="en-US" sz="6075" dirty="0">
+                <a:solidFill>
+                  <a:srgbClr val="5B5F72"/>
+                </a:solidFill>
+                <a:latin typeface="Arimo Bold"/>
+                <a:ea typeface="Arimo Bold"/>
+                <a:cs typeface="Arimo Bold"/>
+                <a:sym typeface="Arimo Bold"/>
+              </a:rPr>
+              <a:t> </a:t>
+            </a:r>
+            <a:r>
+              <a:rPr lang="en-US" altLang="zh-TW" sz="6075" dirty="0">
+                <a:solidFill>
+                  <a:srgbClr val="5B5F72"/>
+                </a:solidFill>
+                <a:latin typeface="Arimo Bold"/>
+                <a:ea typeface="Arimo Bold"/>
+                <a:cs typeface="Arimo Bold"/>
+                <a:sym typeface="Arimo Bold"/>
+              </a:rPr>
+              <a:t>with other model</a:t>
             </a:r>
             <a:endParaRPr lang="en-US" sz="6075" dirty="0">
               <a:solidFill>
@@ -14453,12 +14387,57 @@
           </a:p>
         </p:txBody>
       </p:sp>
+      <p:sp>
+        <p:nvSpPr>
+          <p:cNvPr id="6" name="AutoShape 2">
+            <a:extLst>
+              <a:ext uri="{FF2B5EF4-FFF2-40B4-BE49-F238E27FC236}">
+                <a16:creationId xmlns:a16="http://schemas.microsoft.com/office/drawing/2014/main" id="{5F8A087B-4577-35EF-836E-EE27EC467713}"/>
+              </a:ext>
+            </a:extLst>
+          </p:cNvPr>
+          <p:cNvSpPr>
+            <a:spLocks noChangeAspect="1" noChangeArrowheads="1"/>
+          </p:cNvSpPr>
+          <p:nvPr/>
+        </p:nvSpPr>
+        <p:spPr bwMode="auto">
+          <a:xfrm>
+            <a:off x="8991600" y="4991100"/>
+            <a:ext cx="2362200" cy="2362200"/>
+          </a:xfrm>
+          <a:prstGeom prst="rect">
+            <a:avLst/>
+          </a:prstGeom>
+          <a:noFill/>
+          <a:extLst>
+            <a:ext uri="{909E8E84-426E-40DD-AFC4-6F175D3DCCD1}">
+              <a14:hiddenFill xmlns:a14="http://schemas.microsoft.com/office/drawing/2010/main">
+                <a:solidFill>
+                  <a:srgbClr val="FFFFFF"/>
+                </a:solidFill>
+              </a14:hiddenFill>
+            </a:ext>
+          </a:extLst>
+        </p:spPr>
+        <p:txBody>
+          <a:bodyPr vert="horz" wrap="square" lIns="91440" tIns="45720" rIns="91440" bIns="45720" numCol="1" anchor="t" anchorCtr="0" compatLnSpc="1">
+            <a:prstTxWarp prst="textNoShape">
+              <a:avLst/>
+            </a:prstTxWarp>
+          </a:bodyPr>
+          <a:lstStyle/>
+          <a:p>
+            <a:endParaRPr lang="zh-TW" altLang="en-US"/>
+          </a:p>
+        </p:txBody>
+      </p:sp>
       <p:pic>
         <p:nvPicPr>
-          <p:cNvPr id="25" name="圖片 24">
+          <p:cNvPr id="13" name="圖片 12">
             <a:extLst>
               <a:ext uri="{FF2B5EF4-FFF2-40B4-BE49-F238E27FC236}">
-                <a16:creationId xmlns:a16="http://schemas.microsoft.com/office/drawing/2014/main" id="{B529D0E5-9016-71E8-305F-7EA7B06DA10D}"/>
+                <a16:creationId xmlns:a16="http://schemas.microsoft.com/office/drawing/2014/main" id="{4F68BA5C-E335-2FED-7561-DF160125686B}"/>
               </a:ext>
             </a:extLst>
           </p:cNvPr>
@@ -14475,48 +14454,62 @@
         </p:blipFill>
         <p:spPr>
           <a:xfrm>
-            <a:off x="3048000" y="2171700"/>
-            <a:ext cx="5638800" cy="6601111"/>
+            <a:off x="1586157" y="1833574"/>
+            <a:ext cx="8120526" cy="7747704"/>
           </a:xfrm>
           <a:prstGeom prst="rect">
             <a:avLst/>
           </a:prstGeom>
         </p:spPr>
       </p:pic>
-      <p:pic>
-        <p:nvPicPr>
-          <p:cNvPr id="27" name="圖片 26">
+      <p:sp>
+        <p:nvSpPr>
+          <p:cNvPr id="15" name="文字方塊 14">
             <a:extLst>
               <a:ext uri="{FF2B5EF4-FFF2-40B4-BE49-F238E27FC236}">
-                <a16:creationId xmlns:a16="http://schemas.microsoft.com/office/drawing/2014/main" id="{9E1C51FB-1A68-7782-6B44-A6FF1E28CDE9}"/>
+                <a16:creationId xmlns:a16="http://schemas.microsoft.com/office/drawing/2014/main" id="{EDB5E0F4-117B-ADF5-1FD0-8EDBDDCA639A}"/>
               </a:ext>
             </a:extLst>
           </p:cNvPr>
-          <p:cNvPicPr>
-            <a:picLocks noChangeAspect="1"/>
-          </p:cNvPicPr>
-          <p:nvPr/>
-        </p:nvPicPr>
-        <p:blipFill>
-          <a:blip r:embed="rId5"/>
-          <a:stretch>
-            <a:fillRect/>
-          </a:stretch>
-        </p:blipFill>
-        <p:spPr>
-          <a:xfrm>
-            <a:off x="9296400" y="2776998"/>
-            <a:ext cx="5404004" cy="5338302"/>
-          </a:xfrm>
-          <a:prstGeom prst="rect">
-            <a:avLst/>
-          </a:prstGeom>
-        </p:spPr>
-      </p:pic>
+          <p:cNvSpPr txBox="1"/>
+          <p:nvPr/>
+        </p:nvSpPr>
+        <p:spPr>
+          <a:xfrm>
+            <a:off x="10172700" y="4000500"/>
+            <a:ext cx="7315200" cy="3970318"/>
+          </a:xfrm>
+          <a:prstGeom prst="rect">
+            <a:avLst/>
+          </a:prstGeom>
+          <a:noFill/>
+        </p:spPr>
+        <p:txBody>
+          <a:bodyPr wrap="square">
+            <a:spAutoFit/>
+          </a:bodyPr>
+          <a:lstStyle/>
+          <a:p>
+            <a:r>
+              <a:rPr lang="en-US" altLang="zh-TW" sz="2800" dirty="0"/>
+              <a:t>This</a:t>
+            </a:r>
+            <a:r>
+              <a:rPr lang="zh-TW" altLang="en-US" sz="2800" dirty="0"/>
+              <a:t> </a:t>
+            </a:r>
+            <a:r>
+              <a:rPr lang="en-US" altLang="zh-TW" sz="2800" dirty="0"/>
+              <a:t>is the causal graph that training by an open-source dataset. As you can see, nothing changes "classification" at all. And there are many Factors changing "age"(shouldn't happen). Overall, our model not only allows users to customize the causal graph, but also enables them to observe the positive and negative relationships, set target values, and apply prior knowledge. This makes the results more accurate.</a:t>
+            </a:r>
+            <a:endParaRPr lang="zh-TW" altLang="en-US" sz="2800" dirty="0"/>
+          </a:p>
+        </p:txBody>
+      </p:sp>
     </p:spTree>
     <p:extLst>
       <p:ext uri="{BB962C8B-B14F-4D97-AF65-F5344CB8AC3E}">
-        <p14:creationId xmlns:p14="http://schemas.microsoft.com/office/powerpoint/2010/main" val="1948605613"/>
+        <p14:creationId xmlns:p14="http://schemas.microsoft.com/office/powerpoint/2010/main" val="2212127101"/>
       </p:ext>
     </p:extLst>
   </p:cSld>
@@ -14669,7 +14662,7 @@
         <p:spPr>
           <a:xfrm>
             <a:off x="609600" y="462624"/>
-            <a:ext cx="12344400" cy="974626"/>
+            <a:ext cx="12344400" cy="908326"/>
           </a:xfrm>
           <a:prstGeom prst="rect">
             <a:avLst/>
@@ -14708,43 +14701,7 @@
                 <a:cs typeface="Arimo Bold"/>
                 <a:sym typeface="Arimo Bold"/>
               </a:rPr>
-              <a:t>Other</a:t>
-            </a:r>
-            <a:r>
-              <a:rPr lang="zh-TW" altLang="en-US" sz="6075" dirty="0">
-                <a:solidFill>
-                  <a:srgbClr val="5B5F72"/>
-                </a:solidFill>
-                <a:latin typeface="Arimo Bold"/>
-                <a:ea typeface="Arimo Bold"/>
-                <a:cs typeface="Arimo Bold"/>
-                <a:sym typeface="Arimo Bold"/>
-              </a:rPr>
-              <a:t> </a:t>
-            </a:r>
-            <a:r>
-              <a:rPr lang="en-US" altLang="zh-TW" sz="6600" dirty="0">
-                <a:solidFill>
-                  <a:srgbClr val="5B5F72"/>
-                </a:solidFill>
-                <a:latin typeface="Arimo Bold"/>
-                <a:ea typeface="Arimo Bold"/>
-                <a:cs typeface="Arimo Bold"/>
-                <a:sym typeface="Arimo Bold"/>
-              </a:rPr>
-              <a:t>Distribution</a:t>
-            </a:r>
-            <a:r>
-              <a:rPr lang="zh-TW" altLang="en-US" sz="6075" dirty="0">
-                <a:solidFill>
-                  <a:srgbClr val="5B5F72"/>
-                </a:solidFill>
-                <a:latin typeface="Arimo Bold"/>
-                <a:ea typeface="Arimo Bold"/>
-                <a:cs typeface="Arimo Bold"/>
-                <a:sym typeface="Arimo Bold"/>
-              </a:rPr>
-              <a:t> </a:t>
+              <a:t>Variable Information</a:t>
             </a:r>
             <a:endParaRPr lang="en-US" sz="6075" dirty="0">
               <a:solidFill>
@@ -14758,71 +14715,12 @@
           </a:p>
         </p:txBody>
       </p:sp>
-      <p:sp>
-        <p:nvSpPr>
-          <p:cNvPr id="8" name="文字方塊 7">
+      <p:pic>
+        <p:nvPicPr>
+          <p:cNvPr id="25" name="圖片 24">
             <a:extLst>
               <a:ext uri="{FF2B5EF4-FFF2-40B4-BE49-F238E27FC236}">
-                <a16:creationId xmlns:a16="http://schemas.microsoft.com/office/drawing/2014/main" id="{11A5788B-4766-AEB9-B43C-D1DAD19588BA}"/>
-              </a:ext>
-            </a:extLst>
-          </p:cNvPr>
-          <p:cNvSpPr txBox="1"/>
-          <p:nvPr/>
-        </p:nvSpPr>
-        <p:spPr>
-          <a:xfrm>
-            <a:off x="11887200" y="770641"/>
-            <a:ext cx="9144000" cy="584775"/>
-          </a:xfrm>
-          <a:prstGeom prst="rect">
-            <a:avLst/>
-          </a:prstGeom>
-          <a:noFill/>
-        </p:spPr>
-        <p:txBody>
-          <a:bodyPr wrap="square">
-            <a:spAutoFit/>
-          </a:bodyPr>
-          <a:lstStyle/>
-          <a:p>
-            <a:r>
-              <a:rPr lang="en-US" altLang="zh-TW" sz="3200" dirty="0">
-                <a:latin typeface="Arimo Bold"/>
-                <a:ea typeface="Arimo Bold"/>
-                <a:cs typeface="Arimo Bold"/>
-                <a:sym typeface="Arimo Bold"/>
-              </a:rPr>
-              <a:t>(After</a:t>
-            </a:r>
-            <a:r>
-              <a:rPr lang="zh-TW" altLang="en-US" sz="3200" dirty="0">
-                <a:latin typeface="Arimo Bold"/>
-                <a:ea typeface="Arimo Bold"/>
-                <a:cs typeface="Arimo Bold"/>
-                <a:sym typeface="Arimo Bold"/>
-              </a:rPr>
-              <a:t> </a:t>
-            </a:r>
-            <a:r>
-              <a:rPr lang="en-US" altLang="zh-TW" sz="3200" dirty="0">
-                <a:latin typeface="Arimo Bold"/>
-                <a:ea typeface="Arimo Bold"/>
-                <a:cs typeface="Arimo Bold"/>
-                <a:sym typeface="Arimo Bold"/>
-              </a:rPr>
-              <a:t>Data Cleaning)</a:t>
-            </a:r>
-            <a:endParaRPr lang="zh-TW" altLang="en-US" sz="3200" dirty="0"/>
-          </a:p>
-        </p:txBody>
-      </p:sp>
-      <p:pic>
-        <p:nvPicPr>
-          <p:cNvPr id="12" name="圖片 11" descr="一張含有 文字, 行, 繪圖, 螢幕擷取畫面 的圖片&#10;&#10;自動產生的描述">
-            <a:extLst>
-              <a:ext uri="{FF2B5EF4-FFF2-40B4-BE49-F238E27FC236}">
-                <a16:creationId xmlns:a16="http://schemas.microsoft.com/office/drawing/2014/main" id="{CA1F114C-34F8-23C5-E5DD-F15CAB3B6065}"/>
+                <a16:creationId xmlns:a16="http://schemas.microsoft.com/office/drawing/2014/main" id="{B529D0E5-9016-71E8-305F-7EA7B06DA10D}"/>
               </a:ext>
             </a:extLst>
           </p:cNvPr>
@@ -14832,21 +14730,15 @@
           <p:nvPr/>
         </p:nvPicPr>
         <p:blipFill>
-          <a:blip r:embed="rId4">
-            <a:extLst>
-              <a:ext uri="{28A0092B-C50C-407E-A947-70E740481C1C}">
-                <a14:useLocalDpi xmlns:a14="http://schemas.microsoft.com/office/drawing/2010/main" val="0"/>
-              </a:ext>
-            </a:extLst>
-          </a:blip>
+          <a:blip r:embed="rId4"/>
           <a:stretch>
             <a:fillRect/>
           </a:stretch>
         </p:blipFill>
         <p:spPr>
           <a:xfrm>
-            <a:off x="4571991" y="3314696"/>
-            <a:ext cx="9144018" cy="3657607"/>
+            <a:off x="3048000" y="2171700"/>
+            <a:ext cx="5638800" cy="6601111"/>
           </a:xfrm>
           <a:prstGeom prst="rect">
             <a:avLst/>
@@ -14855,10 +14747,10 @@
       </p:pic>
       <p:pic>
         <p:nvPicPr>
-          <p:cNvPr id="14" name="圖片 13" descr="一張含有 行, 繪圖, 螢幕擷取畫面, 圖表 的圖片&#10;&#10;自動產生的描述">
+          <p:cNvPr id="27" name="圖片 26">
             <a:extLst>
               <a:ext uri="{FF2B5EF4-FFF2-40B4-BE49-F238E27FC236}">
-                <a16:creationId xmlns:a16="http://schemas.microsoft.com/office/drawing/2014/main" id="{54457286-689B-5ED8-353D-7987D5755D1B}"/>
+                <a16:creationId xmlns:a16="http://schemas.microsoft.com/office/drawing/2014/main" id="{9E1C51FB-1A68-7782-6B44-A6FF1E28CDE9}"/>
               </a:ext>
             </a:extLst>
           </p:cNvPr>
@@ -14868,705 +14760,15 @@
           <p:nvPr/>
         </p:nvPicPr>
         <p:blipFill>
-          <a:blip r:embed="rId5">
-            <a:extLst>
-              <a:ext uri="{28A0092B-C50C-407E-A947-70E740481C1C}">
-                <a14:useLocalDpi xmlns:a14="http://schemas.microsoft.com/office/drawing/2010/main" val="0"/>
-              </a:ext>
-            </a:extLst>
-          </a:blip>
+          <a:blip r:embed="rId5"/>
           <a:stretch>
             <a:fillRect/>
           </a:stretch>
         </p:blipFill>
         <p:spPr>
           <a:xfrm>
-            <a:off x="4571991" y="3314696"/>
-            <a:ext cx="9144018" cy="3657607"/>
-          </a:xfrm>
-          <a:prstGeom prst="rect">
-            <a:avLst/>
-          </a:prstGeom>
-        </p:spPr>
-      </p:pic>
-      <p:pic>
-        <p:nvPicPr>
-          <p:cNvPr id="16" name="圖片 15" descr="一張含有 行, 繪圖, 螢幕擷取畫面, 圖表 的圖片&#10;&#10;自動產生的描述">
-            <a:extLst>
-              <a:ext uri="{FF2B5EF4-FFF2-40B4-BE49-F238E27FC236}">
-                <a16:creationId xmlns:a16="http://schemas.microsoft.com/office/drawing/2014/main" id="{D1775368-1117-B9AC-28FC-FAFBFA09D944}"/>
-              </a:ext>
-            </a:extLst>
-          </p:cNvPr>
-          <p:cNvPicPr>
-            <a:picLocks noChangeAspect="1"/>
-          </p:cNvPicPr>
-          <p:nvPr/>
-        </p:nvPicPr>
-        <p:blipFill>
-          <a:blip r:embed="rId6">
-            <a:extLst>
-              <a:ext uri="{28A0092B-C50C-407E-A947-70E740481C1C}">
-                <a14:useLocalDpi xmlns:a14="http://schemas.microsoft.com/office/drawing/2010/main" val="0"/>
-              </a:ext>
-            </a:extLst>
-          </a:blip>
-          <a:stretch>
-            <a:fillRect/>
-          </a:stretch>
-        </p:blipFill>
-        <p:spPr>
-          <a:xfrm>
-            <a:off x="4571991" y="3314696"/>
-            <a:ext cx="9144018" cy="3657607"/>
-          </a:xfrm>
-          <a:prstGeom prst="rect">
-            <a:avLst/>
-          </a:prstGeom>
-        </p:spPr>
-      </p:pic>
-      <p:pic>
-        <p:nvPicPr>
-          <p:cNvPr id="18" name="圖片 17" descr="一張含有 圖表, 行, 繪圖 的圖片&#10;&#10;自動產生的描述">
-            <a:extLst>
-              <a:ext uri="{FF2B5EF4-FFF2-40B4-BE49-F238E27FC236}">
-                <a16:creationId xmlns:a16="http://schemas.microsoft.com/office/drawing/2014/main" id="{319A22AE-0BAB-A3B3-962B-109DFBB03A53}"/>
-              </a:ext>
-            </a:extLst>
-          </p:cNvPr>
-          <p:cNvPicPr>
-            <a:picLocks noChangeAspect="1"/>
-          </p:cNvPicPr>
-          <p:nvPr/>
-        </p:nvPicPr>
-        <p:blipFill>
-          <a:blip r:embed="rId7">
-            <a:extLst>
-              <a:ext uri="{28A0092B-C50C-407E-A947-70E740481C1C}">
-                <a14:useLocalDpi xmlns:a14="http://schemas.microsoft.com/office/drawing/2010/main" val="0"/>
-              </a:ext>
-            </a:extLst>
-          </a:blip>
-          <a:stretch>
-            <a:fillRect/>
-          </a:stretch>
-        </p:blipFill>
-        <p:spPr>
-          <a:xfrm>
-            <a:off x="4571991" y="3314696"/>
-            <a:ext cx="9144018" cy="3657607"/>
-          </a:xfrm>
-          <a:prstGeom prst="rect">
-            <a:avLst/>
-          </a:prstGeom>
-        </p:spPr>
-      </p:pic>
-      <p:pic>
-        <p:nvPicPr>
-          <p:cNvPr id="20" name="圖片 19" descr="一張含有 行, 繪圖, 螢幕擷取畫面, 圖表 的圖片&#10;&#10;自動產生的描述">
-            <a:extLst>
-              <a:ext uri="{FF2B5EF4-FFF2-40B4-BE49-F238E27FC236}">
-                <a16:creationId xmlns:a16="http://schemas.microsoft.com/office/drawing/2014/main" id="{F625BC58-F5E5-5213-AFD3-8676AF74B772}"/>
-              </a:ext>
-            </a:extLst>
-          </p:cNvPr>
-          <p:cNvPicPr>
-            <a:picLocks noChangeAspect="1"/>
-          </p:cNvPicPr>
-          <p:nvPr/>
-        </p:nvPicPr>
-        <p:blipFill>
-          <a:blip r:embed="rId8">
-            <a:extLst>
-              <a:ext uri="{28A0092B-C50C-407E-A947-70E740481C1C}">
-                <a14:useLocalDpi xmlns:a14="http://schemas.microsoft.com/office/drawing/2010/main" val="0"/>
-              </a:ext>
-            </a:extLst>
-          </a:blip>
-          <a:stretch>
-            <a:fillRect/>
-          </a:stretch>
-        </p:blipFill>
-        <p:spPr>
-          <a:xfrm>
-            <a:off x="4571991" y="3314696"/>
-            <a:ext cx="9144018" cy="3657607"/>
-          </a:xfrm>
-          <a:prstGeom prst="rect">
-            <a:avLst/>
-          </a:prstGeom>
-        </p:spPr>
-      </p:pic>
-      <p:pic>
-        <p:nvPicPr>
-          <p:cNvPr id="22" name="圖片 21" descr="一張含有 行, 文字, 繪圖, 螢幕擷取畫面 的圖片&#10;&#10;自動產生的描述">
-            <a:extLst>
-              <a:ext uri="{FF2B5EF4-FFF2-40B4-BE49-F238E27FC236}">
-                <a16:creationId xmlns:a16="http://schemas.microsoft.com/office/drawing/2014/main" id="{A742EC76-1FE4-E78A-F6AD-38E83EE99856}"/>
-              </a:ext>
-            </a:extLst>
-          </p:cNvPr>
-          <p:cNvPicPr>
-            <a:picLocks noChangeAspect="1"/>
-          </p:cNvPicPr>
-          <p:nvPr/>
-        </p:nvPicPr>
-        <p:blipFill>
-          <a:blip r:embed="rId9">
-            <a:extLst>
-              <a:ext uri="{28A0092B-C50C-407E-A947-70E740481C1C}">
-                <a14:useLocalDpi xmlns:a14="http://schemas.microsoft.com/office/drawing/2010/main" val="0"/>
-              </a:ext>
-            </a:extLst>
-          </a:blip>
-          <a:stretch>
-            <a:fillRect/>
-          </a:stretch>
-        </p:blipFill>
-        <p:spPr>
-          <a:xfrm>
-            <a:off x="4571991" y="3314696"/>
-            <a:ext cx="9144018" cy="3657607"/>
-          </a:xfrm>
-          <a:prstGeom prst="rect">
-            <a:avLst/>
-          </a:prstGeom>
-        </p:spPr>
-      </p:pic>
-      <p:pic>
-        <p:nvPicPr>
-          <p:cNvPr id="24" name="圖片 23" descr="一張含有 文字, 行, 螢幕擷取畫面, 繪圖 的圖片&#10;&#10;自動產生的描述">
-            <a:extLst>
-              <a:ext uri="{FF2B5EF4-FFF2-40B4-BE49-F238E27FC236}">
-                <a16:creationId xmlns:a16="http://schemas.microsoft.com/office/drawing/2014/main" id="{46912A58-5789-0908-7A4F-BD50F7BB7A73}"/>
-              </a:ext>
-            </a:extLst>
-          </p:cNvPr>
-          <p:cNvPicPr>
-            <a:picLocks noChangeAspect="1"/>
-          </p:cNvPicPr>
-          <p:nvPr/>
-        </p:nvPicPr>
-        <p:blipFill>
-          <a:blip r:embed="rId10">
-            <a:extLst>
-              <a:ext uri="{28A0092B-C50C-407E-A947-70E740481C1C}">
-                <a14:useLocalDpi xmlns:a14="http://schemas.microsoft.com/office/drawing/2010/main" val="0"/>
-              </a:ext>
-            </a:extLst>
-          </a:blip>
-          <a:stretch>
-            <a:fillRect/>
-          </a:stretch>
-        </p:blipFill>
-        <p:spPr>
-          <a:xfrm>
-            <a:off x="4571991" y="3314696"/>
-            <a:ext cx="9144018" cy="3657607"/>
-          </a:xfrm>
-          <a:prstGeom prst="rect">
-            <a:avLst/>
-          </a:prstGeom>
-        </p:spPr>
-      </p:pic>
-      <p:pic>
-        <p:nvPicPr>
-          <p:cNvPr id="26" name="圖片 25" descr="一張含有 文字, 行, 繪圖, 螢幕擷取畫面 的圖片&#10;&#10;自動產生的描述">
-            <a:extLst>
-              <a:ext uri="{FF2B5EF4-FFF2-40B4-BE49-F238E27FC236}">
-                <a16:creationId xmlns:a16="http://schemas.microsoft.com/office/drawing/2014/main" id="{48A7568A-DC64-0554-8682-7FD109BD2EB0}"/>
-              </a:ext>
-            </a:extLst>
-          </p:cNvPr>
-          <p:cNvPicPr>
-            <a:picLocks noChangeAspect="1"/>
-          </p:cNvPicPr>
-          <p:nvPr/>
-        </p:nvPicPr>
-        <p:blipFill>
-          <a:blip r:embed="rId11">
-            <a:extLst>
-              <a:ext uri="{28A0092B-C50C-407E-A947-70E740481C1C}">
-                <a14:useLocalDpi xmlns:a14="http://schemas.microsoft.com/office/drawing/2010/main" val="0"/>
-              </a:ext>
-            </a:extLst>
-          </a:blip>
-          <a:stretch>
-            <a:fillRect/>
-          </a:stretch>
-        </p:blipFill>
-        <p:spPr>
-          <a:xfrm>
-            <a:off x="4571991" y="3314696"/>
-            <a:ext cx="9144018" cy="3657607"/>
-          </a:xfrm>
-          <a:prstGeom prst="rect">
-            <a:avLst/>
-          </a:prstGeom>
-        </p:spPr>
-      </p:pic>
-      <p:pic>
-        <p:nvPicPr>
-          <p:cNvPr id="28" name="圖片 27" descr="一張含有 圖表, 行, 繪圖 的圖片&#10;&#10;自動產生的描述">
-            <a:extLst>
-              <a:ext uri="{FF2B5EF4-FFF2-40B4-BE49-F238E27FC236}">
-                <a16:creationId xmlns:a16="http://schemas.microsoft.com/office/drawing/2014/main" id="{3B87E719-C663-00A4-D595-D5591ACC290B}"/>
-              </a:ext>
-            </a:extLst>
-          </p:cNvPr>
-          <p:cNvPicPr>
-            <a:picLocks noChangeAspect="1"/>
-          </p:cNvPicPr>
-          <p:nvPr/>
-        </p:nvPicPr>
-        <p:blipFill>
-          <a:blip r:embed="rId12">
-            <a:extLst>
-              <a:ext uri="{28A0092B-C50C-407E-A947-70E740481C1C}">
-                <a14:useLocalDpi xmlns:a14="http://schemas.microsoft.com/office/drawing/2010/main" val="0"/>
-              </a:ext>
-            </a:extLst>
-          </a:blip>
-          <a:stretch>
-            <a:fillRect/>
-          </a:stretch>
-        </p:blipFill>
-        <p:spPr>
-          <a:xfrm>
-            <a:off x="4571991" y="3314696"/>
-            <a:ext cx="9144018" cy="3657607"/>
-          </a:xfrm>
-          <a:prstGeom prst="rect">
-            <a:avLst/>
-          </a:prstGeom>
-        </p:spPr>
-      </p:pic>
-      <p:pic>
-        <p:nvPicPr>
-          <p:cNvPr id="30" name="圖片 29" descr="一張含有 文字, 螢幕擷取畫面, 行, 繪圖 的圖片&#10;&#10;自動產生的描述">
-            <a:extLst>
-              <a:ext uri="{FF2B5EF4-FFF2-40B4-BE49-F238E27FC236}">
-                <a16:creationId xmlns:a16="http://schemas.microsoft.com/office/drawing/2014/main" id="{CA845AB8-CBA1-E9AD-5E2B-46AEF1407881}"/>
-              </a:ext>
-            </a:extLst>
-          </p:cNvPr>
-          <p:cNvPicPr>
-            <a:picLocks noChangeAspect="1"/>
-          </p:cNvPicPr>
-          <p:nvPr/>
-        </p:nvPicPr>
-        <p:blipFill>
-          <a:blip r:embed="rId13">
-            <a:extLst>
-              <a:ext uri="{28A0092B-C50C-407E-A947-70E740481C1C}">
-                <a14:useLocalDpi xmlns:a14="http://schemas.microsoft.com/office/drawing/2010/main" val="0"/>
-              </a:ext>
-            </a:extLst>
-          </a:blip>
-          <a:stretch>
-            <a:fillRect/>
-          </a:stretch>
-        </p:blipFill>
-        <p:spPr>
-          <a:xfrm>
-            <a:off x="4571991" y="3314696"/>
-            <a:ext cx="9144018" cy="3657607"/>
-          </a:xfrm>
-          <a:prstGeom prst="rect">
-            <a:avLst/>
-          </a:prstGeom>
-        </p:spPr>
-      </p:pic>
-      <p:pic>
-        <p:nvPicPr>
-          <p:cNvPr id="32" name="圖片 31" descr="一張含有 行, 繪圖, 圖表, 螢幕擷取畫面 的圖片&#10;&#10;自動產生的描述">
-            <a:extLst>
-              <a:ext uri="{FF2B5EF4-FFF2-40B4-BE49-F238E27FC236}">
-                <a16:creationId xmlns:a16="http://schemas.microsoft.com/office/drawing/2014/main" id="{657FE066-B92C-945E-E497-53625C09E6AF}"/>
-              </a:ext>
-            </a:extLst>
-          </p:cNvPr>
-          <p:cNvPicPr>
-            <a:picLocks noChangeAspect="1"/>
-          </p:cNvPicPr>
-          <p:nvPr/>
-        </p:nvPicPr>
-        <p:blipFill>
-          <a:blip r:embed="rId14">
-            <a:extLst>
-              <a:ext uri="{28A0092B-C50C-407E-A947-70E740481C1C}">
-                <a14:useLocalDpi xmlns:a14="http://schemas.microsoft.com/office/drawing/2010/main" val="0"/>
-              </a:ext>
-            </a:extLst>
-          </a:blip>
-          <a:stretch>
-            <a:fillRect/>
-          </a:stretch>
-        </p:blipFill>
-        <p:spPr>
-          <a:xfrm>
-            <a:off x="4571991" y="3314696"/>
-            <a:ext cx="9144018" cy="3657607"/>
-          </a:xfrm>
-          <a:prstGeom prst="rect">
-            <a:avLst/>
-          </a:prstGeom>
-        </p:spPr>
-      </p:pic>
-      <p:pic>
-        <p:nvPicPr>
-          <p:cNvPr id="34" name="圖片 33" descr="一張含有 行, 繪圖, 圖表, 螢幕擷取畫面 的圖片&#10;&#10;自動產生的描述">
-            <a:extLst>
-              <a:ext uri="{FF2B5EF4-FFF2-40B4-BE49-F238E27FC236}">
-                <a16:creationId xmlns:a16="http://schemas.microsoft.com/office/drawing/2014/main" id="{8BD8ABA5-5D2F-DDF6-FFDF-D04EA7E06F95}"/>
-              </a:ext>
-            </a:extLst>
-          </p:cNvPr>
-          <p:cNvPicPr>
-            <a:picLocks noChangeAspect="1"/>
-          </p:cNvPicPr>
-          <p:nvPr/>
-        </p:nvPicPr>
-        <p:blipFill>
-          <a:blip r:embed="rId15">
-            <a:extLst>
-              <a:ext uri="{28A0092B-C50C-407E-A947-70E740481C1C}">
-                <a14:useLocalDpi xmlns:a14="http://schemas.microsoft.com/office/drawing/2010/main" val="0"/>
-              </a:ext>
-            </a:extLst>
-          </a:blip>
-          <a:stretch>
-            <a:fillRect/>
-          </a:stretch>
-        </p:blipFill>
-        <p:spPr>
-          <a:xfrm>
-            <a:off x="4571991" y="3314696"/>
-            <a:ext cx="9144018" cy="3657607"/>
-          </a:xfrm>
-          <a:prstGeom prst="rect">
-            <a:avLst/>
-          </a:prstGeom>
-        </p:spPr>
-      </p:pic>
-      <p:pic>
-        <p:nvPicPr>
-          <p:cNvPr id="36" name="圖片 35" descr="一張含有 圖表, 行, 繪圖 的圖片&#10;&#10;自動產生的描述">
-            <a:extLst>
-              <a:ext uri="{FF2B5EF4-FFF2-40B4-BE49-F238E27FC236}">
-                <a16:creationId xmlns:a16="http://schemas.microsoft.com/office/drawing/2014/main" id="{0870CDE4-9889-3586-C861-A016B1EE5AE0}"/>
-              </a:ext>
-            </a:extLst>
-          </p:cNvPr>
-          <p:cNvPicPr>
-            <a:picLocks noChangeAspect="1"/>
-          </p:cNvPicPr>
-          <p:nvPr/>
-        </p:nvPicPr>
-        <p:blipFill>
-          <a:blip r:embed="rId16">
-            <a:extLst>
-              <a:ext uri="{28A0092B-C50C-407E-A947-70E740481C1C}">
-                <a14:useLocalDpi xmlns:a14="http://schemas.microsoft.com/office/drawing/2010/main" val="0"/>
-              </a:ext>
-            </a:extLst>
-          </a:blip>
-          <a:stretch>
-            <a:fillRect/>
-          </a:stretch>
-        </p:blipFill>
-        <p:spPr>
-          <a:xfrm>
-            <a:off x="4571991" y="3314696"/>
-            <a:ext cx="9144018" cy="3657607"/>
-          </a:xfrm>
-          <a:prstGeom prst="rect">
-            <a:avLst/>
-          </a:prstGeom>
-        </p:spPr>
-      </p:pic>
-      <p:pic>
-        <p:nvPicPr>
-          <p:cNvPr id="38" name="圖片 37" descr="一張含有 文字, 行, 繪圖, 螢幕擷取畫面 的圖片&#10;&#10;自動產生的描述">
-            <a:extLst>
-              <a:ext uri="{FF2B5EF4-FFF2-40B4-BE49-F238E27FC236}">
-                <a16:creationId xmlns:a16="http://schemas.microsoft.com/office/drawing/2014/main" id="{14D67A10-D1BE-D243-2E30-879BC2CA1621}"/>
-              </a:ext>
-            </a:extLst>
-          </p:cNvPr>
-          <p:cNvPicPr>
-            <a:picLocks noChangeAspect="1"/>
-          </p:cNvPicPr>
-          <p:nvPr/>
-        </p:nvPicPr>
-        <p:blipFill>
-          <a:blip r:embed="rId17">
-            <a:extLst>
-              <a:ext uri="{28A0092B-C50C-407E-A947-70E740481C1C}">
-                <a14:useLocalDpi xmlns:a14="http://schemas.microsoft.com/office/drawing/2010/main" val="0"/>
-              </a:ext>
-            </a:extLst>
-          </a:blip>
-          <a:stretch>
-            <a:fillRect/>
-          </a:stretch>
-        </p:blipFill>
-        <p:spPr>
-          <a:xfrm>
-            <a:off x="4571991" y="3314696"/>
-            <a:ext cx="9144018" cy="3657607"/>
-          </a:xfrm>
-          <a:prstGeom prst="rect">
-            <a:avLst/>
-          </a:prstGeom>
-        </p:spPr>
-      </p:pic>
-      <p:pic>
-        <p:nvPicPr>
-          <p:cNvPr id="40" name="圖片 39" descr="一張含有 圖表, 行, 繪圖, 斜率、斜坡 的圖片&#10;&#10;自動產生的描述">
-            <a:extLst>
-              <a:ext uri="{FF2B5EF4-FFF2-40B4-BE49-F238E27FC236}">
-                <a16:creationId xmlns:a16="http://schemas.microsoft.com/office/drawing/2014/main" id="{AE98C5E0-D567-E5CC-E521-17E568DDBBB5}"/>
-              </a:ext>
-            </a:extLst>
-          </p:cNvPr>
-          <p:cNvPicPr>
-            <a:picLocks noChangeAspect="1"/>
-          </p:cNvPicPr>
-          <p:nvPr/>
-        </p:nvPicPr>
-        <p:blipFill>
-          <a:blip r:embed="rId18">
-            <a:extLst>
-              <a:ext uri="{28A0092B-C50C-407E-A947-70E740481C1C}">
-                <a14:useLocalDpi xmlns:a14="http://schemas.microsoft.com/office/drawing/2010/main" val="0"/>
-              </a:ext>
-            </a:extLst>
-          </a:blip>
-          <a:stretch>
-            <a:fillRect/>
-          </a:stretch>
-        </p:blipFill>
-        <p:spPr>
-          <a:xfrm>
-            <a:off x="4571991" y="3314696"/>
-            <a:ext cx="9144018" cy="3657607"/>
-          </a:xfrm>
-          <a:prstGeom prst="rect">
-            <a:avLst/>
-          </a:prstGeom>
-        </p:spPr>
-      </p:pic>
-      <p:pic>
-        <p:nvPicPr>
-          <p:cNvPr id="42" name="圖片 41" descr="一張含有 行, 繪圖, 螢幕擷取畫面, 圖表 的圖片&#10;&#10;自動產生的描述">
-            <a:extLst>
-              <a:ext uri="{FF2B5EF4-FFF2-40B4-BE49-F238E27FC236}">
-                <a16:creationId xmlns:a16="http://schemas.microsoft.com/office/drawing/2014/main" id="{8B2E047E-243C-DD15-7802-FFDE1F492619}"/>
-              </a:ext>
-            </a:extLst>
-          </p:cNvPr>
-          <p:cNvPicPr>
-            <a:picLocks noChangeAspect="1"/>
-          </p:cNvPicPr>
-          <p:nvPr/>
-        </p:nvPicPr>
-        <p:blipFill>
-          <a:blip r:embed="rId19">
-            <a:extLst>
-              <a:ext uri="{28A0092B-C50C-407E-A947-70E740481C1C}">
-                <a14:useLocalDpi xmlns:a14="http://schemas.microsoft.com/office/drawing/2010/main" val="0"/>
-              </a:ext>
-            </a:extLst>
-          </a:blip>
-          <a:stretch>
-            <a:fillRect/>
-          </a:stretch>
-        </p:blipFill>
-        <p:spPr>
-          <a:xfrm>
-            <a:off x="4571991" y="3314696"/>
-            <a:ext cx="9144018" cy="3657607"/>
-          </a:xfrm>
-          <a:prstGeom prst="rect">
-            <a:avLst/>
-          </a:prstGeom>
-        </p:spPr>
-      </p:pic>
-      <p:pic>
-        <p:nvPicPr>
-          <p:cNvPr id="44" name="圖片 43" descr="一張含有 文字, 行, 螢幕擷取畫面, 繪圖 的圖片&#10;&#10;自動產生的描述">
-            <a:extLst>
-              <a:ext uri="{FF2B5EF4-FFF2-40B4-BE49-F238E27FC236}">
-                <a16:creationId xmlns:a16="http://schemas.microsoft.com/office/drawing/2014/main" id="{1F81DABA-B482-CE73-D02E-09304C718F39}"/>
-              </a:ext>
-            </a:extLst>
-          </p:cNvPr>
-          <p:cNvPicPr>
-            <a:picLocks noChangeAspect="1"/>
-          </p:cNvPicPr>
-          <p:nvPr/>
-        </p:nvPicPr>
-        <p:blipFill>
-          <a:blip r:embed="rId20">
-            <a:extLst>
-              <a:ext uri="{28A0092B-C50C-407E-A947-70E740481C1C}">
-                <a14:useLocalDpi xmlns:a14="http://schemas.microsoft.com/office/drawing/2010/main" val="0"/>
-              </a:ext>
-            </a:extLst>
-          </a:blip>
-          <a:stretch>
-            <a:fillRect/>
-          </a:stretch>
-        </p:blipFill>
-        <p:spPr>
-          <a:xfrm>
-            <a:off x="4571991" y="3314696"/>
-            <a:ext cx="9144018" cy="3657607"/>
-          </a:xfrm>
-          <a:prstGeom prst="rect">
-            <a:avLst/>
-          </a:prstGeom>
-        </p:spPr>
-      </p:pic>
-      <p:pic>
-        <p:nvPicPr>
-          <p:cNvPr id="46" name="圖片 45" descr="一張含有 行, 文字, 繪圖, 螢幕擷取畫面 的圖片&#10;&#10;自動產生的描述">
-            <a:extLst>
-              <a:ext uri="{FF2B5EF4-FFF2-40B4-BE49-F238E27FC236}">
-                <a16:creationId xmlns:a16="http://schemas.microsoft.com/office/drawing/2014/main" id="{375EF2C9-2E35-CC0F-A8DC-13E330611A2D}"/>
-              </a:ext>
-            </a:extLst>
-          </p:cNvPr>
-          <p:cNvPicPr>
-            <a:picLocks noChangeAspect="1"/>
-          </p:cNvPicPr>
-          <p:nvPr/>
-        </p:nvPicPr>
-        <p:blipFill>
-          <a:blip r:embed="rId21">
-            <a:extLst>
-              <a:ext uri="{28A0092B-C50C-407E-A947-70E740481C1C}">
-                <a14:useLocalDpi xmlns:a14="http://schemas.microsoft.com/office/drawing/2010/main" val="0"/>
-              </a:ext>
-            </a:extLst>
-          </a:blip>
-          <a:stretch>
-            <a:fillRect/>
-          </a:stretch>
-        </p:blipFill>
-        <p:spPr>
-          <a:xfrm>
-            <a:off x="474407" y="5410185"/>
-            <a:ext cx="9144018" cy="3657607"/>
-          </a:xfrm>
-          <a:prstGeom prst="rect">
-            <a:avLst/>
-          </a:prstGeom>
-        </p:spPr>
-      </p:pic>
-      <p:pic>
-        <p:nvPicPr>
-          <p:cNvPr id="48" name="圖片 47" descr="一張含有 文字, 行, 繪圖, 螢幕擷取畫面 的圖片&#10;&#10;自動產生的描述">
-            <a:extLst>
-              <a:ext uri="{FF2B5EF4-FFF2-40B4-BE49-F238E27FC236}">
-                <a16:creationId xmlns:a16="http://schemas.microsoft.com/office/drawing/2014/main" id="{24A70236-C614-1D89-5606-70722E5167F5}"/>
-              </a:ext>
-            </a:extLst>
-          </p:cNvPr>
-          <p:cNvPicPr>
-            <a:picLocks noChangeAspect="1"/>
-          </p:cNvPicPr>
-          <p:nvPr/>
-        </p:nvPicPr>
-        <p:blipFill>
-          <a:blip r:embed="rId22">
-            <a:extLst>
-              <a:ext uri="{28A0092B-C50C-407E-A947-70E740481C1C}">
-                <a14:useLocalDpi xmlns:a14="http://schemas.microsoft.com/office/drawing/2010/main" val="0"/>
-              </a:ext>
-            </a:extLst>
-          </a:blip>
-          <a:stretch>
-            <a:fillRect/>
-          </a:stretch>
-        </p:blipFill>
-        <p:spPr>
-          <a:xfrm>
-            <a:off x="8804769" y="1896187"/>
-            <a:ext cx="9144018" cy="3657607"/>
-          </a:xfrm>
-          <a:prstGeom prst="rect">
-            <a:avLst/>
-          </a:prstGeom>
-        </p:spPr>
-      </p:pic>
-      <p:pic>
-        <p:nvPicPr>
-          <p:cNvPr id="50" name="圖片 49" descr="一張含有 行, 繪圖, 圖表, 螢幕擷取畫面 的圖片&#10;&#10;自動產生的描述">
-            <a:extLst>
-              <a:ext uri="{FF2B5EF4-FFF2-40B4-BE49-F238E27FC236}">
-                <a16:creationId xmlns:a16="http://schemas.microsoft.com/office/drawing/2014/main" id="{C18E59FF-65AF-5344-08BE-17D32E57E919}"/>
-              </a:ext>
-            </a:extLst>
-          </p:cNvPr>
-          <p:cNvPicPr>
-            <a:picLocks noChangeAspect="1"/>
-          </p:cNvPicPr>
-          <p:nvPr/>
-        </p:nvPicPr>
-        <p:blipFill>
-          <a:blip r:embed="rId23">
-            <a:extLst>
-              <a:ext uri="{28A0092B-C50C-407E-A947-70E740481C1C}">
-                <a14:useLocalDpi xmlns:a14="http://schemas.microsoft.com/office/drawing/2010/main" val="0"/>
-              </a:ext>
-            </a:extLst>
-          </a:blip>
-          <a:stretch>
-            <a:fillRect/>
-          </a:stretch>
-        </p:blipFill>
-        <p:spPr>
-          <a:xfrm>
-            <a:off x="9121855" y="5623639"/>
-            <a:ext cx="9144018" cy="3657607"/>
-          </a:xfrm>
-          <a:prstGeom prst="rect">
-            <a:avLst/>
-          </a:prstGeom>
-        </p:spPr>
-      </p:pic>
-      <p:pic>
-        <p:nvPicPr>
-          <p:cNvPr id="52" name="圖片 51" descr="一張含有 繪圖, 行, 圖表, 斜率、斜坡 的圖片&#10;&#10;自動產生的描述">
-            <a:extLst>
-              <a:ext uri="{FF2B5EF4-FFF2-40B4-BE49-F238E27FC236}">
-                <a16:creationId xmlns:a16="http://schemas.microsoft.com/office/drawing/2014/main" id="{0F64B8C8-07B6-9FF6-A727-5C6ECE7BC23F}"/>
-              </a:ext>
-            </a:extLst>
-          </p:cNvPr>
-          <p:cNvPicPr>
-            <a:picLocks noChangeAspect="1"/>
-          </p:cNvPicPr>
-          <p:nvPr/>
-        </p:nvPicPr>
-        <p:blipFill>
-          <a:blip r:embed="rId24">
-            <a:extLst>
-              <a:ext uri="{28A0092B-C50C-407E-A947-70E740481C1C}">
-                <a14:useLocalDpi xmlns:a14="http://schemas.microsoft.com/office/drawing/2010/main" val="0"/>
-              </a:ext>
-            </a:extLst>
-          </a:blip>
-          <a:stretch>
-            <a:fillRect/>
-          </a:stretch>
-        </p:blipFill>
-        <p:spPr>
-          <a:xfrm>
-            <a:off x="304800" y="1790700"/>
-            <a:ext cx="9144018" cy="3657607"/>
+            <a:off x="9296400" y="2776998"/>
+            <a:ext cx="5404004" cy="5338302"/>
           </a:xfrm>
           <a:prstGeom prst="rect">
             <a:avLst/>
@@ -15576,7 +14778,7 @@
     </p:spTree>
     <p:extLst>
       <p:ext uri="{BB962C8B-B14F-4D97-AF65-F5344CB8AC3E}">
-        <p14:creationId xmlns:p14="http://schemas.microsoft.com/office/powerpoint/2010/main" val="2732152689"/>
+        <p14:creationId xmlns:p14="http://schemas.microsoft.com/office/powerpoint/2010/main" val="1948605613"/>
       </p:ext>
     </p:extLst>
   </p:cSld>
@@ -16373,7 +15575,7 @@
         </p:blipFill>
         <p:spPr>
           <a:xfrm>
-            <a:off x="9173493" y="5573458"/>
+            <a:off x="4571991" y="3314696"/>
             <a:ext cx="9144018" cy="3657607"/>
           </a:xfrm>
           <a:prstGeom prst="rect">
@@ -16409,7 +15611,7 @@
         </p:blipFill>
         <p:spPr>
           <a:xfrm>
-            <a:off x="580103" y="5537400"/>
+            <a:off x="4571991" y="3314696"/>
             <a:ext cx="9144018" cy="3657607"/>
           </a:xfrm>
           <a:prstGeom prst="rect">
@@ -16445,7 +15647,7 @@
         </p:blipFill>
         <p:spPr>
           <a:xfrm>
-            <a:off x="8915400" y="1915851"/>
+            <a:off x="4571991" y="3314696"/>
             <a:ext cx="9144018" cy="3657607"/>
           </a:xfrm>
           <a:prstGeom prst="rect">
@@ -16481,7 +15683,151 @@
         </p:blipFill>
         <p:spPr>
           <a:xfrm>
-            <a:off x="685800" y="1782496"/>
+            <a:off x="4571991" y="3314696"/>
+            <a:ext cx="9144018" cy="3657607"/>
+          </a:xfrm>
+          <a:prstGeom prst="rect">
+            <a:avLst/>
+          </a:prstGeom>
+        </p:spPr>
+      </p:pic>
+      <p:pic>
+        <p:nvPicPr>
+          <p:cNvPr id="46" name="圖片 45" descr="一張含有 行, 文字, 繪圖, 螢幕擷取畫面 的圖片&#10;&#10;自動產生的描述">
+            <a:extLst>
+              <a:ext uri="{FF2B5EF4-FFF2-40B4-BE49-F238E27FC236}">
+                <a16:creationId xmlns:a16="http://schemas.microsoft.com/office/drawing/2014/main" id="{375EF2C9-2E35-CC0F-A8DC-13E330611A2D}"/>
+              </a:ext>
+            </a:extLst>
+          </p:cNvPr>
+          <p:cNvPicPr>
+            <a:picLocks noChangeAspect="1"/>
+          </p:cNvPicPr>
+          <p:nvPr/>
+        </p:nvPicPr>
+        <p:blipFill>
+          <a:blip r:embed="rId21">
+            <a:extLst>
+              <a:ext uri="{28A0092B-C50C-407E-A947-70E740481C1C}">
+                <a14:useLocalDpi xmlns:a14="http://schemas.microsoft.com/office/drawing/2010/main" val="0"/>
+              </a:ext>
+            </a:extLst>
+          </a:blip>
+          <a:stretch>
+            <a:fillRect/>
+          </a:stretch>
+        </p:blipFill>
+        <p:spPr>
+          <a:xfrm>
+            <a:off x="474407" y="5410185"/>
+            <a:ext cx="9144018" cy="3657607"/>
+          </a:xfrm>
+          <a:prstGeom prst="rect">
+            <a:avLst/>
+          </a:prstGeom>
+        </p:spPr>
+      </p:pic>
+      <p:pic>
+        <p:nvPicPr>
+          <p:cNvPr id="48" name="圖片 47" descr="一張含有 文字, 行, 繪圖, 螢幕擷取畫面 的圖片&#10;&#10;自動產生的描述">
+            <a:extLst>
+              <a:ext uri="{FF2B5EF4-FFF2-40B4-BE49-F238E27FC236}">
+                <a16:creationId xmlns:a16="http://schemas.microsoft.com/office/drawing/2014/main" id="{24A70236-C614-1D89-5606-70722E5167F5}"/>
+              </a:ext>
+            </a:extLst>
+          </p:cNvPr>
+          <p:cNvPicPr>
+            <a:picLocks noChangeAspect="1"/>
+          </p:cNvPicPr>
+          <p:nvPr/>
+        </p:nvPicPr>
+        <p:blipFill>
+          <a:blip r:embed="rId22">
+            <a:extLst>
+              <a:ext uri="{28A0092B-C50C-407E-A947-70E740481C1C}">
+                <a14:useLocalDpi xmlns:a14="http://schemas.microsoft.com/office/drawing/2010/main" val="0"/>
+              </a:ext>
+            </a:extLst>
+          </a:blip>
+          <a:stretch>
+            <a:fillRect/>
+          </a:stretch>
+        </p:blipFill>
+        <p:spPr>
+          <a:xfrm>
+            <a:off x="8804769" y="1896187"/>
+            <a:ext cx="9144018" cy="3657607"/>
+          </a:xfrm>
+          <a:prstGeom prst="rect">
+            <a:avLst/>
+          </a:prstGeom>
+        </p:spPr>
+      </p:pic>
+      <p:pic>
+        <p:nvPicPr>
+          <p:cNvPr id="50" name="圖片 49" descr="一張含有 行, 繪圖, 圖表, 螢幕擷取畫面 的圖片&#10;&#10;自動產生的描述">
+            <a:extLst>
+              <a:ext uri="{FF2B5EF4-FFF2-40B4-BE49-F238E27FC236}">
+                <a16:creationId xmlns:a16="http://schemas.microsoft.com/office/drawing/2014/main" id="{C18E59FF-65AF-5344-08BE-17D32E57E919}"/>
+              </a:ext>
+            </a:extLst>
+          </p:cNvPr>
+          <p:cNvPicPr>
+            <a:picLocks noChangeAspect="1"/>
+          </p:cNvPicPr>
+          <p:nvPr/>
+        </p:nvPicPr>
+        <p:blipFill>
+          <a:blip r:embed="rId23">
+            <a:extLst>
+              <a:ext uri="{28A0092B-C50C-407E-A947-70E740481C1C}">
+                <a14:useLocalDpi xmlns:a14="http://schemas.microsoft.com/office/drawing/2010/main" val="0"/>
+              </a:ext>
+            </a:extLst>
+          </a:blip>
+          <a:stretch>
+            <a:fillRect/>
+          </a:stretch>
+        </p:blipFill>
+        <p:spPr>
+          <a:xfrm>
+            <a:off x="9121855" y="5623639"/>
+            <a:ext cx="9144018" cy="3657607"/>
+          </a:xfrm>
+          <a:prstGeom prst="rect">
+            <a:avLst/>
+          </a:prstGeom>
+        </p:spPr>
+      </p:pic>
+      <p:pic>
+        <p:nvPicPr>
+          <p:cNvPr id="52" name="圖片 51" descr="一張含有 繪圖, 行, 圖表, 斜率、斜坡 的圖片&#10;&#10;自動產生的描述">
+            <a:extLst>
+              <a:ext uri="{FF2B5EF4-FFF2-40B4-BE49-F238E27FC236}">
+                <a16:creationId xmlns:a16="http://schemas.microsoft.com/office/drawing/2014/main" id="{0F64B8C8-07B6-9FF6-A727-5C6ECE7BC23F}"/>
+              </a:ext>
+            </a:extLst>
+          </p:cNvPr>
+          <p:cNvPicPr>
+            <a:picLocks noChangeAspect="1"/>
+          </p:cNvPicPr>
+          <p:nvPr/>
+        </p:nvPicPr>
+        <p:blipFill>
+          <a:blip r:embed="rId24">
+            <a:extLst>
+              <a:ext uri="{28A0092B-C50C-407E-A947-70E740481C1C}">
+                <a14:useLocalDpi xmlns:a14="http://schemas.microsoft.com/office/drawing/2010/main" val="0"/>
+              </a:ext>
+            </a:extLst>
+          </a:blip>
+          <a:stretch>
+            <a:fillRect/>
+          </a:stretch>
+        </p:blipFill>
+        <p:spPr>
+          <a:xfrm>
+            <a:off x="304800" y="1790700"/>
             <a:ext cx="9144018" cy="3657607"/>
           </a:xfrm>
           <a:prstGeom prst="rect">
@@ -16492,7 +15838,7 @@
     </p:spTree>
     <p:extLst>
       <p:ext uri="{BB962C8B-B14F-4D97-AF65-F5344CB8AC3E}">
-        <p14:creationId xmlns:p14="http://schemas.microsoft.com/office/powerpoint/2010/main" val="261562840"/>
+        <p14:creationId xmlns:p14="http://schemas.microsoft.com/office/powerpoint/2010/main" val="2732152689"/>
       </p:ext>
     </p:extLst>
   </p:cSld>
@@ -17145,7 +16491,7 @@
         </p:blipFill>
         <p:spPr>
           <a:xfrm>
-            <a:off x="9029673" y="5578375"/>
+            <a:off x="4571991" y="3314696"/>
             <a:ext cx="9144018" cy="3657607"/>
           </a:xfrm>
           <a:prstGeom prst="rect">
@@ -17181,7 +16527,7 @@
         </p:blipFill>
         <p:spPr>
           <a:xfrm>
-            <a:off x="449826" y="5497554"/>
+            <a:off x="4571991" y="3314696"/>
             <a:ext cx="9144018" cy="3657607"/>
           </a:xfrm>
           <a:prstGeom prst="rect">
@@ -17217,7 +16563,7 @@
         </p:blipFill>
         <p:spPr>
           <a:xfrm>
-            <a:off x="8915364" y="2126057"/>
+            <a:off x="4571991" y="3314696"/>
             <a:ext cx="9144018" cy="3657607"/>
           </a:xfrm>
           <a:prstGeom prst="rect">
@@ -17253,7 +16599,151 @@
         </p:blipFill>
         <p:spPr>
           <a:xfrm>
-            <a:off x="457200" y="1920768"/>
+            <a:off x="4571991" y="3314696"/>
+            <a:ext cx="9144018" cy="3657607"/>
+          </a:xfrm>
+          <a:prstGeom prst="rect">
+            <a:avLst/>
+          </a:prstGeom>
+        </p:spPr>
+      </p:pic>
+      <p:pic>
+        <p:nvPicPr>
+          <p:cNvPr id="38" name="圖片 37" descr="一張含有 文字, 行, 繪圖, 螢幕擷取畫面 的圖片&#10;&#10;自動產生的描述">
+            <a:extLst>
+              <a:ext uri="{FF2B5EF4-FFF2-40B4-BE49-F238E27FC236}">
+                <a16:creationId xmlns:a16="http://schemas.microsoft.com/office/drawing/2014/main" id="{14D67A10-D1BE-D243-2E30-879BC2CA1621}"/>
+              </a:ext>
+            </a:extLst>
+          </p:cNvPr>
+          <p:cNvPicPr>
+            <a:picLocks noChangeAspect="1"/>
+          </p:cNvPicPr>
+          <p:nvPr/>
+        </p:nvPicPr>
+        <p:blipFill>
+          <a:blip r:embed="rId17">
+            <a:extLst>
+              <a:ext uri="{28A0092B-C50C-407E-A947-70E740481C1C}">
+                <a14:useLocalDpi xmlns:a14="http://schemas.microsoft.com/office/drawing/2010/main" val="0"/>
+              </a:ext>
+            </a:extLst>
+          </a:blip>
+          <a:stretch>
+            <a:fillRect/>
+          </a:stretch>
+        </p:blipFill>
+        <p:spPr>
+          <a:xfrm>
+            <a:off x="9173493" y="5573458"/>
+            <a:ext cx="9144018" cy="3657607"/>
+          </a:xfrm>
+          <a:prstGeom prst="rect">
+            <a:avLst/>
+          </a:prstGeom>
+        </p:spPr>
+      </p:pic>
+      <p:pic>
+        <p:nvPicPr>
+          <p:cNvPr id="40" name="圖片 39" descr="一張含有 圖表, 行, 繪圖, 斜率、斜坡 的圖片&#10;&#10;自動產生的描述">
+            <a:extLst>
+              <a:ext uri="{FF2B5EF4-FFF2-40B4-BE49-F238E27FC236}">
+                <a16:creationId xmlns:a16="http://schemas.microsoft.com/office/drawing/2014/main" id="{AE98C5E0-D567-E5CC-E521-17E568DDBBB5}"/>
+              </a:ext>
+            </a:extLst>
+          </p:cNvPr>
+          <p:cNvPicPr>
+            <a:picLocks noChangeAspect="1"/>
+          </p:cNvPicPr>
+          <p:nvPr/>
+        </p:nvPicPr>
+        <p:blipFill>
+          <a:blip r:embed="rId18">
+            <a:extLst>
+              <a:ext uri="{28A0092B-C50C-407E-A947-70E740481C1C}">
+                <a14:useLocalDpi xmlns:a14="http://schemas.microsoft.com/office/drawing/2010/main" val="0"/>
+              </a:ext>
+            </a:extLst>
+          </a:blip>
+          <a:stretch>
+            <a:fillRect/>
+          </a:stretch>
+        </p:blipFill>
+        <p:spPr>
+          <a:xfrm>
+            <a:off x="580103" y="5537400"/>
+            <a:ext cx="9144018" cy="3657607"/>
+          </a:xfrm>
+          <a:prstGeom prst="rect">
+            <a:avLst/>
+          </a:prstGeom>
+        </p:spPr>
+      </p:pic>
+      <p:pic>
+        <p:nvPicPr>
+          <p:cNvPr id="42" name="圖片 41" descr="一張含有 行, 繪圖, 螢幕擷取畫面, 圖表 的圖片&#10;&#10;自動產生的描述">
+            <a:extLst>
+              <a:ext uri="{FF2B5EF4-FFF2-40B4-BE49-F238E27FC236}">
+                <a16:creationId xmlns:a16="http://schemas.microsoft.com/office/drawing/2014/main" id="{8B2E047E-243C-DD15-7802-FFDE1F492619}"/>
+              </a:ext>
+            </a:extLst>
+          </p:cNvPr>
+          <p:cNvPicPr>
+            <a:picLocks noChangeAspect="1"/>
+          </p:cNvPicPr>
+          <p:nvPr/>
+        </p:nvPicPr>
+        <p:blipFill>
+          <a:blip r:embed="rId19">
+            <a:extLst>
+              <a:ext uri="{28A0092B-C50C-407E-A947-70E740481C1C}">
+                <a14:useLocalDpi xmlns:a14="http://schemas.microsoft.com/office/drawing/2010/main" val="0"/>
+              </a:ext>
+            </a:extLst>
+          </a:blip>
+          <a:stretch>
+            <a:fillRect/>
+          </a:stretch>
+        </p:blipFill>
+        <p:spPr>
+          <a:xfrm>
+            <a:off x="8915400" y="1915851"/>
+            <a:ext cx="9144018" cy="3657607"/>
+          </a:xfrm>
+          <a:prstGeom prst="rect">
+            <a:avLst/>
+          </a:prstGeom>
+        </p:spPr>
+      </p:pic>
+      <p:pic>
+        <p:nvPicPr>
+          <p:cNvPr id="44" name="圖片 43" descr="一張含有 文字, 行, 螢幕擷取畫面, 繪圖 的圖片&#10;&#10;自動產生的描述">
+            <a:extLst>
+              <a:ext uri="{FF2B5EF4-FFF2-40B4-BE49-F238E27FC236}">
+                <a16:creationId xmlns:a16="http://schemas.microsoft.com/office/drawing/2014/main" id="{1F81DABA-B482-CE73-D02E-09304C718F39}"/>
+              </a:ext>
+            </a:extLst>
+          </p:cNvPr>
+          <p:cNvPicPr>
+            <a:picLocks noChangeAspect="1"/>
+          </p:cNvPicPr>
+          <p:nvPr/>
+        </p:nvPicPr>
+        <p:blipFill>
+          <a:blip r:embed="rId20">
+            <a:extLst>
+              <a:ext uri="{28A0092B-C50C-407E-A947-70E740481C1C}">
+                <a14:useLocalDpi xmlns:a14="http://schemas.microsoft.com/office/drawing/2010/main" val="0"/>
+              </a:ext>
+            </a:extLst>
+          </a:blip>
+          <a:stretch>
+            <a:fillRect/>
+          </a:stretch>
+        </p:blipFill>
+        <p:spPr>
+          <a:xfrm>
+            <a:off x="685800" y="1782496"/>
             <a:ext cx="9144018" cy="3657607"/>
           </a:xfrm>
           <a:prstGeom prst="rect">
@@ -17264,7 +16754,7 @@
     </p:spTree>
     <p:extLst>
       <p:ext uri="{BB962C8B-B14F-4D97-AF65-F5344CB8AC3E}">
-        <p14:creationId xmlns:p14="http://schemas.microsoft.com/office/powerpoint/2010/main" val="27427763"/>
+        <p14:creationId xmlns:p14="http://schemas.microsoft.com/office/powerpoint/2010/main" val="261562840"/>
       </p:ext>
     </p:extLst>
   </p:cSld>
@@ -17773,7 +17263,7 @@
         </p:blipFill>
         <p:spPr>
           <a:xfrm>
-            <a:off x="8809676" y="5862124"/>
+            <a:off x="4571991" y="3314696"/>
             <a:ext cx="9144018" cy="3657607"/>
           </a:xfrm>
           <a:prstGeom prst="rect">
@@ -17809,7 +17299,7 @@
         </p:blipFill>
         <p:spPr>
           <a:xfrm>
-            <a:off x="304773" y="5813481"/>
+            <a:off x="4571991" y="3314696"/>
             <a:ext cx="9144018" cy="3657607"/>
           </a:xfrm>
           <a:prstGeom prst="rect">
@@ -17845,7 +17335,7 @@
         </p:blipFill>
         <p:spPr>
           <a:xfrm>
-            <a:off x="8534400" y="2204517"/>
+            <a:off x="4571991" y="3314696"/>
             <a:ext cx="9144018" cy="3657607"/>
           </a:xfrm>
           <a:prstGeom prst="rect">
@@ -17881,7 +17371,151 @@
         </p:blipFill>
         <p:spPr>
           <a:xfrm>
-            <a:off x="167135" y="2155874"/>
+            <a:off x="4571991" y="3314696"/>
+            <a:ext cx="9144018" cy="3657607"/>
+          </a:xfrm>
+          <a:prstGeom prst="rect">
+            <a:avLst/>
+          </a:prstGeom>
+        </p:spPr>
+      </p:pic>
+      <p:pic>
+        <p:nvPicPr>
+          <p:cNvPr id="30" name="圖片 29" descr="一張含有 文字, 螢幕擷取畫面, 行, 繪圖 的圖片&#10;&#10;自動產生的描述">
+            <a:extLst>
+              <a:ext uri="{FF2B5EF4-FFF2-40B4-BE49-F238E27FC236}">
+                <a16:creationId xmlns:a16="http://schemas.microsoft.com/office/drawing/2014/main" id="{CA845AB8-CBA1-E9AD-5E2B-46AEF1407881}"/>
+              </a:ext>
+            </a:extLst>
+          </p:cNvPr>
+          <p:cNvPicPr>
+            <a:picLocks noChangeAspect="1"/>
+          </p:cNvPicPr>
+          <p:nvPr/>
+        </p:nvPicPr>
+        <p:blipFill>
+          <a:blip r:embed="rId13">
+            <a:extLst>
+              <a:ext uri="{28A0092B-C50C-407E-A947-70E740481C1C}">
+                <a14:useLocalDpi xmlns:a14="http://schemas.microsoft.com/office/drawing/2010/main" val="0"/>
+              </a:ext>
+            </a:extLst>
+          </a:blip>
+          <a:stretch>
+            <a:fillRect/>
+          </a:stretch>
+        </p:blipFill>
+        <p:spPr>
+          <a:xfrm>
+            <a:off x="9029673" y="5578375"/>
+            <a:ext cx="9144018" cy="3657607"/>
+          </a:xfrm>
+          <a:prstGeom prst="rect">
+            <a:avLst/>
+          </a:prstGeom>
+        </p:spPr>
+      </p:pic>
+      <p:pic>
+        <p:nvPicPr>
+          <p:cNvPr id="32" name="圖片 31" descr="一張含有 行, 繪圖, 圖表, 螢幕擷取畫面 的圖片&#10;&#10;自動產生的描述">
+            <a:extLst>
+              <a:ext uri="{FF2B5EF4-FFF2-40B4-BE49-F238E27FC236}">
+                <a16:creationId xmlns:a16="http://schemas.microsoft.com/office/drawing/2014/main" id="{657FE066-B92C-945E-E497-53625C09E6AF}"/>
+              </a:ext>
+            </a:extLst>
+          </p:cNvPr>
+          <p:cNvPicPr>
+            <a:picLocks noChangeAspect="1"/>
+          </p:cNvPicPr>
+          <p:nvPr/>
+        </p:nvPicPr>
+        <p:blipFill>
+          <a:blip r:embed="rId14">
+            <a:extLst>
+              <a:ext uri="{28A0092B-C50C-407E-A947-70E740481C1C}">
+                <a14:useLocalDpi xmlns:a14="http://schemas.microsoft.com/office/drawing/2010/main" val="0"/>
+              </a:ext>
+            </a:extLst>
+          </a:blip>
+          <a:stretch>
+            <a:fillRect/>
+          </a:stretch>
+        </p:blipFill>
+        <p:spPr>
+          <a:xfrm>
+            <a:off x="449826" y="5497554"/>
+            <a:ext cx="9144018" cy="3657607"/>
+          </a:xfrm>
+          <a:prstGeom prst="rect">
+            <a:avLst/>
+          </a:prstGeom>
+        </p:spPr>
+      </p:pic>
+      <p:pic>
+        <p:nvPicPr>
+          <p:cNvPr id="34" name="圖片 33" descr="一張含有 行, 繪圖, 圖表, 螢幕擷取畫面 的圖片&#10;&#10;自動產生的描述">
+            <a:extLst>
+              <a:ext uri="{FF2B5EF4-FFF2-40B4-BE49-F238E27FC236}">
+                <a16:creationId xmlns:a16="http://schemas.microsoft.com/office/drawing/2014/main" id="{8BD8ABA5-5D2F-DDF6-FFDF-D04EA7E06F95}"/>
+              </a:ext>
+            </a:extLst>
+          </p:cNvPr>
+          <p:cNvPicPr>
+            <a:picLocks noChangeAspect="1"/>
+          </p:cNvPicPr>
+          <p:nvPr/>
+        </p:nvPicPr>
+        <p:blipFill>
+          <a:blip r:embed="rId15">
+            <a:extLst>
+              <a:ext uri="{28A0092B-C50C-407E-A947-70E740481C1C}">
+                <a14:useLocalDpi xmlns:a14="http://schemas.microsoft.com/office/drawing/2010/main" val="0"/>
+              </a:ext>
+            </a:extLst>
+          </a:blip>
+          <a:stretch>
+            <a:fillRect/>
+          </a:stretch>
+        </p:blipFill>
+        <p:spPr>
+          <a:xfrm>
+            <a:off x="8915364" y="2126057"/>
+            <a:ext cx="9144018" cy="3657607"/>
+          </a:xfrm>
+          <a:prstGeom prst="rect">
+            <a:avLst/>
+          </a:prstGeom>
+        </p:spPr>
+      </p:pic>
+      <p:pic>
+        <p:nvPicPr>
+          <p:cNvPr id="36" name="圖片 35" descr="一張含有 圖表, 行, 繪圖 的圖片&#10;&#10;自動產生的描述">
+            <a:extLst>
+              <a:ext uri="{FF2B5EF4-FFF2-40B4-BE49-F238E27FC236}">
+                <a16:creationId xmlns:a16="http://schemas.microsoft.com/office/drawing/2014/main" id="{0870CDE4-9889-3586-C861-A016B1EE5AE0}"/>
+              </a:ext>
+            </a:extLst>
+          </p:cNvPr>
+          <p:cNvPicPr>
+            <a:picLocks noChangeAspect="1"/>
+          </p:cNvPicPr>
+          <p:nvPr/>
+        </p:nvPicPr>
+        <p:blipFill>
+          <a:blip r:embed="rId16">
+            <a:extLst>
+              <a:ext uri="{28A0092B-C50C-407E-A947-70E740481C1C}">
+                <a14:useLocalDpi xmlns:a14="http://schemas.microsoft.com/office/drawing/2010/main" val="0"/>
+              </a:ext>
+            </a:extLst>
+          </a:blip>
+          <a:stretch>
+            <a:fillRect/>
+          </a:stretch>
+        </p:blipFill>
+        <p:spPr>
+          <a:xfrm>
+            <a:off x="457200" y="1920768"/>
             <a:ext cx="9144018" cy="3657607"/>
           </a:xfrm>
           <a:prstGeom prst="rect">
@@ -17892,7 +17526,7 @@
     </p:spTree>
     <p:extLst>
       <p:ext uri="{BB962C8B-B14F-4D97-AF65-F5344CB8AC3E}">
-        <p14:creationId xmlns:p14="http://schemas.microsoft.com/office/powerpoint/2010/main" val="4012990484"/>
+        <p14:creationId xmlns:p14="http://schemas.microsoft.com/office/powerpoint/2010/main" val="27427763"/>
       </p:ext>
     </p:extLst>
   </p:cSld>
@@ -18257,7 +17891,7 @@
         </p:blipFill>
         <p:spPr>
           <a:xfrm>
-            <a:off x="9143991" y="5707558"/>
+            <a:off x="4571991" y="3314696"/>
             <a:ext cx="9144018" cy="3657607"/>
           </a:xfrm>
           <a:prstGeom prst="rect">
@@ -18293,7 +17927,7 @@
         </p:blipFill>
         <p:spPr>
           <a:xfrm>
-            <a:off x="575205" y="5569771"/>
+            <a:off x="4571991" y="3314696"/>
             <a:ext cx="9144018" cy="3657607"/>
           </a:xfrm>
           <a:prstGeom prst="rect">
@@ -18329,7 +17963,7 @@
         </p:blipFill>
         <p:spPr>
           <a:xfrm>
-            <a:off x="9144000" y="2126057"/>
+            <a:off x="4571991" y="3314696"/>
             <a:ext cx="9144018" cy="3657607"/>
           </a:xfrm>
           <a:prstGeom prst="rect">
@@ -18365,7 +17999,151 @@
         </p:blipFill>
         <p:spPr>
           <a:xfrm>
-            <a:off x="609600" y="1918309"/>
+            <a:off x="4571991" y="3314696"/>
+            <a:ext cx="9144018" cy="3657607"/>
+          </a:xfrm>
+          <a:prstGeom prst="rect">
+            <a:avLst/>
+          </a:prstGeom>
+        </p:spPr>
+      </p:pic>
+      <p:pic>
+        <p:nvPicPr>
+          <p:cNvPr id="22" name="圖片 21" descr="一張含有 行, 文字, 繪圖, 螢幕擷取畫面 的圖片&#10;&#10;自動產生的描述">
+            <a:extLst>
+              <a:ext uri="{FF2B5EF4-FFF2-40B4-BE49-F238E27FC236}">
+                <a16:creationId xmlns:a16="http://schemas.microsoft.com/office/drawing/2014/main" id="{A742EC76-1FE4-E78A-F6AD-38E83EE99856}"/>
+              </a:ext>
+            </a:extLst>
+          </p:cNvPr>
+          <p:cNvPicPr>
+            <a:picLocks noChangeAspect="1"/>
+          </p:cNvPicPr>
+          <p:nvPr/>
+        </p:nvPicPr>
+        <p:blipFill>
+          <a:blip r:embed="rId9">
+            <a:extLst>
+              <a:ext uri="{28A0092B-C50C-407E-A947-70E740481C1C}">
+                <a14:useLocalDpi xmlns:a14="http://schemas.microsoft.com/office/drawing/2010/main" val="0"/>
+              </a:ext>
+            </a:extLst>
+          </a:blip>
+          <a:stretch>
+            <a:fillRect/>
+          </a:stretch>
+        </p:blipFill>
+        <p:spPr>
+          <a:xfrm>
+            <a:off x="8809676" y="5862124"/>
+            <a:ext cx="9144018" cy="3657607"/>
+          </a:xfrm>
+          <a:prstGeom prst="rect">
+            <a:avLst/>
+          </a:prstGeom>
+        </p:spPr>
+      </p:pic>
+      <p:pic>
+        <p:nvPicPr>
+          <p:cNvPr id="24" name="圖片 23" descr="一張含有 文字, 行, 螢幕擷取畫面, 繪圖 的圖片&#10;&#10;自動產生的描述">
+            <a:extLst>
+              <a:ext uri="{FF2B5EF4-FFF2-40B4-BE49-F238E27FC236}">
+                <a16:creationId xmlns:a16="http://schemas.microsoft.com/office/drawing/2014/main" id="{46912A58-5789-0908-7A4F-BD50F7BB7A73}"/>
+              </a:ext>
+            </a:extLst>
+          </p:cNvPr>
+          <p:cNvPicPr>
+            <a:picLocks noChangeAspect="1"/>
+          </p:cNvPicPr>
+          <p:nvPr/>
+        </p:nvPicPr>
+        <p:blipFill>
+          <a:blip r:embed="rId10">
+            <a:extLst>
+              <a:ext uri="{28A0092B-C50C-407E-A947-70E740481C1C}">
+                <a14:useLocalDpi xmlns:a14="http://schemas.microsoft.com/office/drawing/2010/main" val="0"/>
+              </a:ext>
+            </a:extLst>
+          </a:blip>
+          <a:stretch>
+            <a:fillRect/>
+          </a:stretch>
+        </p:blipFill>
+        <p:spPr>
+          <a:xfrm>
+            <a:off x="304773" y="5813481"/>
+            <a:ext cx="9144018" cy="3657607"/>
+          </a:xfrm>
+          <a:prstGeom prst="rect">
+            <a:avLst/>
+          </a:prstGeom>
+        </p:spPr>
+      </p:pic>
+      <p:pic>
+        <p:nvPicPr>
+          <p:cNvPr id="26" name="圖片 25" descr="一張含有 文字, 行, 繪圖, 螢幕擷取畫面 的圖片&#10;&#10;自動產生的描述">
+            <a:extLst>
+              <a:ext uri="{FF2B5EF4-FFF2-40B4-BE49-F238E27FC236}">
+                <a16:creationId xmlns:a16="http://schemas.microsoft.com/office/drawing/2014/main" id="{48A7568A-DC64-0554-8682-7FD109BD2EB0}"/>
+              </a:ext>
+            </a:extLst>
+          </p:cNvPr>
+          <p:cNvPicPr>
+            <a:picLocks noChangeAspect="1"/>
+          </p:cNvPicPr>
+          <p:nvPr/>
+        </p:nvPicPr>
+        <p:blipFill>
+          <a:blip r:embed="rId11">
+            <a:extLst>
+              <a:ext uri="{28A0092B-C50C-407E-A947-70E740481C1C}">
+                <a14:useLocalDpi xmlns:a14="http://schemas.microsoft.com/office/drawing/2010/main" val="0"/>
+              </a:ext>
+            </a:extLst>
+          </a:blip>
+          <a:stretch>
+            <a:fillRect/>
+          </a:stretch>
+        </p:blipFill>
+        <p:spPr>
+          <a:xfrm>
+            <a:off x="8534400" y="2204517"/>
+            <a:ext cx="9144018" cy="3657607"/>
+          </a:xfrm>
+          <a:prstGeom prst="rect">
+            <a:avLst/>
+          </a:prstGeom>
+        </p:spPr>
+      </p:pic>
+      <p:pic>
+        <p:nvPicPr>
+          <p:cNvPr id="28" name="圖片 27" descr="一張含有 圖表, 行, 繪圖 的圖片&#10;&#10;自動產生的描述">
+            <a:extLst>
+              <a:ext uri="{FF2B5EF4-FFF2-40B4-BE49-F238E27FC236}">
+                <a16:creationId xmlns:a16="http://schemas.microsoft.com/office/drawing/2014/main" id="{3B87E719-C663-00A4-D595-D5591ACC290B}"/>
+              </a:ext>
+            </a:extLst>
+          </p:cNvPr>
+          <p:cNvPicPr>
+            <a:picLocks noChangeAspect="1"/>
+          </p:cNvPicPr>
+          <p:nvPr/>
+        </p:nvPicPr>
+        <p:blipFill>
+          <a:blip r:embed="rId12">
+            <a:extLst>
+              <a:ext uri="{28A0092B-C50C-407E-A947-70E740481C1C}">
+                <a14:useLocalDpi xmlns:a14="http://schemas.microsoft.com/office/drawing/2010/main" val="0"/>
+              </a:ext>
+            </a:extLst>
+          </a:blip>
+          <a:stretch>
+            <a:fillRect/>
+          </a:stretch>
+        </p:blipFill>
+        <p:spPr>
+          <a:xfrm>
+            <a:off x="167135" y="2155874"/>
             <a:ext cx="9144018" cy="3657607"/>
           </a:xfrm>
           <a:prstGeom prst="rect">
@@ -18376,7 +18154,7 @@
     </p:spTree>
     <p:extLst>
       <p:ext uri="{BB962C8B-B14F-4D97-AF65-F5344CB8AC3E}">
-        <p14:creationId xmlns:p14="http://schemas.microsoft.com/office/powerpoint/2010/main" val="2757744911"/>
+        <p14:creationId xmlns:p14="http://schemas.microsoft.com/office/powerpoint/2010/main" val="4012990484"/>
       </p:ext>
     </p:extLst>
   </p:cSld>
@@ -18705,8 +18483,152 @@
         </p:blipFill>
         <p:spPr>
           <a:xfrm>
-            <a:off x="2057400" y="2400298"/>
-            <a:ext cx="13716011" cy="5486404"/>
+            <a:off x="4571991" y="3314696"/>
+            <a:ext cx="9144018" cy="3657607"/>
+          </a:xfrm>
+          <a:prstGeom prst="rect">
+            <a:avLst/>
+          </a:prstGeom>
+        </p:spPr>
+      </p:pic>
+      <p:pic>
+        <p:nvPicPr>
+          <p:cNvPr id="14" name="圖片 13" descr="一張含有 行, 繪圖, 螢幕擷取畫面, 圖表 的圖片&#10;&#10;自動產生的描述">
+            <a:extLst>
+              <a:ext uri="{FF2B5EF4-FFF2-40B4-BE49-F238E27FC236}">
+                <a16:creationId xmlns:a16="http://schemas.microsoft.com/office/drawing/2014/main" id="{54457286-689B-5ED8-353D-7987D5755D1B}"/>
+              </a:ext>
+            </a:extLst>
+          </p:cNvPr>
+          <p:cNvPicPr>
+            <a:picLocks noChangeAspect="1"/>
+          </p:cNvPicPr>
+          <p:nvPr/>
+        </p:nvPicPr>
+        <p:blipFill>
+          <a:blip r:embed="rId5">
+            <a:extLst>
+              <a:ext uri="{28A0092B-C50C-407E-A947-70E740481C1C}">
+                <a14:useLocalDpi xmlns:a14="http://schemas.microsoft.com/office/drawing/2010/main" val="0"/>
+              </a:ext>
+            </a:extLst>
+          </a:blip>
+          <a:stretch>
+            <a:fillRect/>
+          </a:stretch>
+        </p:blipFill>
+        <p:spPr>
+          <a:xfrm>
+            <a:off x="9143991" y="5707558"/>
+            <a:ext cx="9144018" cy="3657607"/>
+          </a:xfrm>
+          <a:prstGeom prst="rect">
+            <a:avLst/>
+          </a:prstGeom>
+        </p:spPr>
+      </p:pic>
+      <p:pic>
+        <p:nvPicPr>
+          <p:cNvPr id="16" name="圖片 15" descr="一張含有 行, 繪圖, 螢幕擷取畫面, 圖表 的圖片&#10;&#10;自動產生的描述">
+            <a:extLst>
+              <a:ext uri="{FF2B5EF4-FFF2-40B4-BE49-F238E27FC236}">
+                <a16:creationId xmlns:a16="http://schemas.microsoft.com/office/drawing/2014/main" id="{D1775368-1117-B9AC-28FC-FAFBFA09D944}"/>
+              </a:ext>
+            </a:extLst>
+          </p:cNvPr>
+          <p:cNvPicPr>
+            <a:picLocks noChangeAspect="1"/>
+          </p:cNvPicPr>
+          <p:nvPr/>
+        </p:nvPicPr>
+        <p:blipFill>
+          <a:blip r:embed="rId6">
+            <a:extLst>
+              <a:ext uri="{28A0092B-C50C-407E-A947-70E740481C1C}">
+                <a14:useLocalDpi xmlns:a14="http://schemas.microsoft.com/office/drawing/2010/main" val="0"/>
+              </a:ext>
+            </a:extLst>
+          </a:blip>
+          <a:stretch>
+            <a:fillRect/>
+          </a:stretch>
+        </p:blipFill>
+        <p:spPr>
+          <a:xfrm>
+            <a:off x="575205" y="5569771"/>
+            <a:ext cx="9144018" cy="3657607"/>
+          </a:xfrm>
+          <a:prstGeom prst="rect">
+            <a:avLst/>
+          </a:prstGeom>
+        </p:spPr>
+      </p:pic>
+      <p:pic>
+        <p:nvPicPr>
+          <p:cNvPr id="18" name="圖片 17" descr="一張含有 圖表, 行, 繪圖 的圖片&#10;&#10;自動產生的描述">
+            <a:extLst>
+              <a:ext uri="{FF2B5EF4-FFF2-40B4-BE49-F238E27FC236}">
+                <a16:creationId xmlns:a16="http://schemas.microsoft.com/office/drawing/2014/main" id="{319A22AE-0BAB-A3B3-962B-109DFBB03A53}"/>
+              </a:ext>
+            </a:extLst>
+          </p:cNvPr>
+          <p:cNvPicPr>
+            <a:picLocks noChangeAspect="1"/>
+          </p:cNvPicPr>
+          <p:nvPr/>
+        </p:nvPicPr>
+        <p:blipFill>
+          <a:blip r:embed="rId7">
+            <a:extLst>
+              <a:ext uri="{28A0092B-C50C-407E-A947-70E740481C1C}">
+                <a14:useLocalDpi xmlns:a14="http://schemas.microsoft.com/office/drawing/2010/main" val="0"/>
+              </a:ext>
+            </a:extLst>
+          </a:blip>
+          <a:stretch>
+            <a:fillRect/>
+          </a:stretch>
+        </p:blipFill>
+        <p:spPr>
+          <a:xfrm>
+            <a:off x="9144000" y="2126057"/>
+            <a:ext cx="9144018" cy="3657607"/>
+          </a:xfrm>
+          <a:prstGeom prst="rect">
+            <a:avLst/>
+          </a:prstGeom>
+        </p:spPr>
+      </p:pic>
+      <p:pic>
+        <p:nvPicPr>
+          <p:cNvPr id="20" name="圖片 19" descr="一張含有 行, 繪圖, 螢幕擷取畫面, 圖表 的圖片&#10;&#10;自動產生的描述">
+            <a:extLst>
+              <a:ext uri="{FF2B5EF4-FFF2-40B4-BE49-F238E27FC236}">
+                <a16:creationId xmlns:a16="http://schemas.microsoft.com/office/drawing/2014/main" id="{F625BC58-F5E5-5213-AFD3-8676AF74B772}"/>
+              </a:ext>
+            </a:extLst>
+          </p:cNvPr>
+          <p:cNvPicPr>
+            <a:picLocks noChangeAspect="1"/>
+          </p:cNvPicPr>
+          <p:nvPr/>
+        </p:nvPicPr>
+        <p:blipFill>
+          <a:blip r:embed="rId8">
+            <a:extLst>
+              <a:ext uri="{28A0092B-C50C-407E-A947-70E740481C1C}">
+                <a14:useLocalDpi xmlns:a14="http://schemas.microsoft.com/office/drawing/2010/main" val="0"/>
+              </a:ext>
+            </a:extLst>
+          </a:blip>
+          <a:stretch>
+            <a:fillRect/>
+          </a:stretch>
+        </p:blipFill>
+        <p:spPr>
+          <a:xfrm>
+            <a:off x="609600" y="1918309"/>
+            <a:ext cx="9144018" cy="3657607"/>
           </a:xfrm>
           <a:prstGeom prst="rect">
             <a:avLst/>
@@ -18716,7 +18638,7 @@
     </p:spTree>
     <p:extLst>
       <p:ext uri="{BB962C8B-B14F-4D97-AF65-F5344CB8AC3E}">
-        <p14:creationId xmlns:p14="http://schemas.microsoft.com/office/powerpoint/2010/main" val="2454961724"/>
+        <p14:creationId xmlns:p14="http://schemas.microsoft.com/office/powerpoint/2010/main" val="2757744911"/>
       </p:ext>
     </p:extLst>
   </p:cSld>
@@ -18869,7 +18791,7 @@
         <p:spPr>
           <a:xfrm>
             <a:off x="609600" y="462624"/>
-            <a:ext cx="12344400" cy="908326"/>
+            <a:ext cx="12344400" cy="974626"/>
           </a:xfrm>
           <a:prstGeom prst="rect">
             <a:avLst/>
@@ -18896,7 +18818,7 @@
                 <a:cs typeface="Arimo Bold"/>
                 <a:sym typeface="Arimo Bold"/>
               </a:rPr>
-              <a:t>Operating with </a:t>
+              <a:t>Appendix: </a:t>
             </a:r>
             <a:r>
               <a:rPr lang="en-US" altLang="zh-TW" sz="6075" dirty="0">
@@ -18908,7 +18830,43 @@
                 <a:cs typeface="Arimo Bold"/>
                 <a:sym typeface="Arimo Bold"/>
               </a:rPr>
-              <a:t>LLM</a:t>
+              <a:t>Other</a:t>
+            </a:r>
+            <a:r>
+              <a:rPr lang="zh-TW" altLang="en-US" sz="6075" dirty="0">
+                <a:solidFill>
+                  <a:srgbClr val="5B5F72"/>
+                </a:solidFill>
+                <a:latin typeface="Arimo Bold"/>
+                <a:ea typeface="Arimo Bold"/>
+                <a:cs typeface="Arimo Bold"/>
+                <a:sym typeface="Arimo Bold"/>
+              </a:rPr>
+              <a:t> </a:t>
+            </a:r>
+            <a:r>
+              <a:rPr lang="en-US" altLang="zh-TW" sz="6600" dirty="0">
+                <a:solidFill>
+                  <a:srgbClr val="5B5F72"/>
+                </a:solidFill>
+                <a:latin typeface="Arimo Bold"/>
+                <a:ea typeface="Arimo Bold"/>
+                <a:cs typeface="Arimo Bold"/>
+                <a:sym typeface="Arimo Bold"/>
+              </a:rPr>
+              <a:t>Distribution</a:t>
+            </a:r>
+            <a:r>
+              <a:rPr lang="zh-TW" altLang="en-US" sz="6075" dirty="0">
+                <a:solidFill>
+                  <a:srgbClr val="5B5F72"/>
+                </a:solidFill>
+                <a:latin typeface="Arimo Bold"/>
+                <a:ea typeface="Arimo Bold"/>
+                <a:cs typeface="Arimo Bold"/>
+                <a:sym typeface="Arimo Bold"/>
+              </a:rPr>
+              <a:t> </a:t>
             </a:r>
             <a:endParaRPr lang="en-US" sz="6075" dirty="0">
               <a:solidFill>
@@ -18922,12 +18880,71 @@
           </a:p>
         </p:txBody>
       </p:sp>
+      <p:sp>
+        <p:nvSpPr>
+          <p:cNvPr id="8" name="文字方塊 7">
+            <a:extLst>
+              <a:ext uri="{FF2B5EF4-FFF2-40B4-BE49-F238E27FC236}">
+                <a16:creationId xmlns:a16="http://schemas.microsoft.com/office/drawing/2014/main" id="{11A5788B-4766-AEB9-B43C-D1DAD19588BA}"/>
+              </a:ext>
+            </a:extLst>
+          </p:cNvPr>
+          <p:cNvSpPr txBox="1"/>
+          <p:nvPr/>
+        </p:nvSpPr>
+        <p:spPr>
+          <a:xfrm>
+            <a:off x="11887200" y="770641"/>
+            <a:ext cx="9144000" cy="584775"/>
+          </a:xfrm>
+          <a:prstGeom prst="rect">
+            <a:avLst/>
+          </a:prstGeom>
+          <a:noFill/>
+        </p:spPr>
+        <p:txBody>
+          <a:bodyPr wrap="square">
+            <a:spAutoFit/>
+          </a:bodyPr>
+          <a:lstStyle/>
+          <a:p>
+            <a:r>
+              <a:rPr lang="en-US" altLang="zh-TW" sz="3200" dirty="0">
+                <a:latin typeface="Arimo Bold"/>
+                <a:ea typeface="Arimo Bold"/>
+                <a:cs typeface="Arimo Bold"/>
+                <a:sym typeface="Arimo Bold"/>
+              </a:rPr>
+              <a:t>(After</a:t>
+            </a:r>
+            <a:r>
+              <a:rPr lang="zh-TW" altLang="en-US" sz="3200" dirty="0">
+                <a:latin typeface="Arimo Bold"/>
+                <a:ea typeface="Arimo Bold"/>
+                <a:cs typeface="Arimo Bold"/>
+                <a:sym typeface="Arimo Bold"/>
+              </a:rPr>
+              <a:t> </a:t>
+            </a:r>
+            <a:r>
+              <a:rPr lang="en-US" altLang="zh-TW" sz="3200" dirty="0">
+                <a:latin typeface="Arimo Bold"/>
+                <a:ea typeface="Arimo Bold"/>
+                <a:cs typeface="Arimo Bold"/>
+                <a:sym typeface="Arimo Bold"/>
+              </a:rPr>
+              <a:t>Data Cleaning)</a:t>
+            </a:r>
+            <a:endParaRPr lang="zh-TW" altLang="en-US" sz="3200" dirty="0"/>
+          </a:p>
+        </p:txBody>
+      </p:sp>
       <p:pic>
         <p:nvPicPr>
-          <p:cNvPr id="11" name="圖片 10">
+          <p:cNvPr id="12" name="圖片 11" descr="一張含有 文字, 行, 繪圖, 螢幕擷取畫面 的圖片&#10;&#10;自動產生的描述">
             <a:extLst>
               <a:ext uri="{FF2B5EF4-FFF2-40B4-BE49-F238E27FC236}">
-                <a16:creationId xmlns:a16="http://schemas.microsoft.com/office/drawing/2014/main" id="{348BD9CA-975A-7683-FE75-E2A766535C40}"/>
+                <a16:creationId xmlns:a16="http://schemas.microsoft.com/office/drawing/2014/main" id="{CA1F114C-34F8-23C5-E5DD-F15CAB3B6065}"/>
               </a:ext>
             </a:extLst>
           </p:cNvPr>
@@ -18937,339 +18954,21 @@
           <p:nvPr/>
         </p:nvPicPr>
         <p:blipFill>
-          <a:blip r:embed="rId4"/>
+          <a:blip r:embed="rId4">
+            <a:extLst>
+              <a:ext uri="{28A0092B-C50C-407E-A947-70E740481C1C}">
+                <a14:useLocalDpi xmlns:a14="http://schemas.microsoft.com/office/drawing/2010/main" val="0"/>
+              </a:ext>
+            </a:extLst>
+          </a:blip>
           <a:stretch>
             <a:fillRect/>
           </a:stretch>
         </p:blipFill>
         <p:spPr>
           <a:xfrm>
-            <a:off x="0" y="2305668"/>
-            <a:ext cx="9691204" cy="4557578"/>
-          </a:xfrm>
-          <a:prstGeom prst="rect">
-            <a:avLst/>
-          </a:prstGeom>
-        </p:spPr>
-      </p:pic>
-      <p:sp>
-        <p:nvSpPr>
-          <p:cNvPr id="9" name="TextBox 8">
-            <a:extLst>
-              <a:ext uri="{FF2B5EF4-FFF2-40B4-BE49-F238E27FC236}">
-                <a16:creationId xmlns:a16="http://schemas.microsoft.com/office/drawing/2014/main" id="{5B5632D9-E642-B005-DAD3-6F2BD2792370}"/>
-              </a:ext>
-            </a:extLst>
-          </p:cNvPr>
-          <p:cNvSpPr txBox="1"/>
-          <p:nvPr/>
-        </p:nvSpPr>
-        <p:spPr>
-          <a:xfrm>
-            <a:off x="7216407" y="8047264"/>
-            <a:ext cx="3961768" cy="453394"/>
-          </a:xfrm>
-          <a:prstGeom prst="rect">
-            <a:avLst/>
-          </a:prstGeom>
-        </p:spPr>
-        <p:txBody>
-          <a:bodyPr wrap="square" lIns="0" tIns="0" rIns="0" bIns="0" rtlCol="0" anchor="t">
-            <a:spAutoFit/>
-          </a:bodyPr>
-          <a:lstStyle/>
-          <a:p>
-            <a:pPr algn="ctr">
-              <a:lnSpc>
-                <a:spcPts val="3499"/>
-              </a:lnSpc>
-              <a:spcBef>
-                <a:spcPct val="0"/>
-              </a:spcBef>
-            </a:pPr>
-            <a:r>
-              <a:rPr lang="en-US" sz="4000" dirty="0" err="1">
-                <a:solidFill>
-                  <a:srgbClr val="000000"/>
-                </a:solidFill>
-                <a:latin typeface="Arimo Bold"/>
-                <a:ea typeface="Arimo Bold"/>
-                <a:cs typeface="Arimo Bold"/>
-                <a:sym typeface="Arimo Bold"/>
-              </a:rPr>
-              <a:t>hemo</a:t>
-            </a:r>
-            <a:r>
-              <a:rPr lang="en-US" sz="4000" dirty="0">
-                <a:solidFill>
-                  <a:srgbClr val="000000"/>
-                </a:solidFill>
-                <a:latin typeface="Arimo Bold"/>
-                <a:ea typeface="Arimo Bold"/>
-                <a:cs typeface="Arimo Bold"/>
-                <a:sym typeface="Arimo Bold"/>
-              </a:rPr>
-              <a:t>:  0.106</a:t>
-            </a:r>
-          </a:p>
-        </p:txBody>
-      </p:sp>
-      <p:sp>
-        <p:nvSpPr>
-          <p:cNvPr id="10" name="TextBox 9">
-            <a:extLst>
-              <a:ext uri="{FF2B5EF4-FFF2-40B4-BE49-F238E27FC236}">
-                <a16:creationId xmlns:a16="http://schemas.microsoft.com/office/drawing/2014/main" id="{2D36F5FE-08B5-52A8-938C-1CBD306BDA78}"/>
-              </a:ext>
-            </a:extLst>
-          </p:cNvPr>
-          <p:cNvSpPr txBox="1"/>
-          <p:nvPr/>
-        </p:nvSpPr>
-        <p:spPr>
-          <a:xfrm>
-            <a:off x="7817519" y="8953500"/>
-            <a:ext cx="6157316" cy="453394"/>
-          </a:xfrm>
-          <a:prstGeom prst="rect">
-            <a:avLst/>
-          </a:prstGeom>
-        </p:spPr>
-        <p:txBody>
-          <a:bodyPr lIns="0" tIns="0" rIns="0" bIns="0" rtlCol="0" anchor="t">
-            <a:spAutoFit/>
-          </a:bodyPr>
-          <a:lstStyle/>
-          <a:p>
-            <a:pPr algn="l">
-              <a:lnSpc>
-                <a:spcPts val="3499"/>
-              </a:lnSpc>
-              <a:spcBef>
-                <a:spcPct val="0"/>
-              </a:spcBef>
-            </a:pPr>
-            <a:r>
-              <a:rPr lang="en-US" altLang="zh-TW" sz="4000" dirty="0" err="1">
-                <a:solidFill>
-                  <a:srgbClr val="000000"/>
-                </a:solidFill>
-                <a:latin typeface="Arimo Bold"/>
-                <a:ea typeface="Arimo Bold"/>
-                <a:cs typeface="Arimo Bold"/>
-                <a:sym typeface="Arimo Bold"/>
-              </a:rPr>
-              <a:t>pcv</a:t>
-            </a:r>
-            <a:r>
-              <a:rPr lang="en-US" sz="4000" dirty="0">
-                <a:solidFill>
-                  <a:srgbClr val="000000"/>
-                </a:solidFill>
-                <a:latin typeface="Arimo Bold"/>
-                <a:ea typeface="Arimo Bold"/>
-                <a:cs typeface="Arimo Bold"/>
-                <a:sym typeface="Arimo Bold"/>
-              </a:rPr>
-              <a:t>:  0.076</a:t>
-            </a:r>
-          </a:p>
-        </p:txBody>
-      </p:sp>
-      <p:sp>
-        <p:nvSpPr>
-          <p:cNvPr id="12" name="TextBox 9">
-            <a:extLst>
-              <a:ext uri="{FF2B5EF4-FFF2-40B4-BE49-F238E27FC236}">
-                <a16:creationId xmlns:a16="http://schemas.microsoft.com/office/drawing/2014/main" id="{B584BA96-3B49-0977-B64A-A6094E3D5E3C}"/>
-              </a:ext>
-            </a:extLst>
-          </p:cNvPr>
-          <p:cNvSpPr txBox="1"/>
-          <p:nvPr/>
-        </p:nvSpPr>
-        <p:spPr>
-          <a:xfrm>
-            <a:off x="11811000" y="8046988"/>
-            <a:ext cx="6157316" cy="453394"/>
-          </a:xfrm>
-          <a:prstGeom prst="rect">
-            <a:avLst/>
-          </a:prstGeom>
-        </p:spPr>
-        <p:txBody>
-          <a:bodyPr lIns="0" tIns="0" rIns="0" bIns="0" rtlCol="0" anchor="t">
-            <a:spAutoFit/>
-          </a:bodyPr>
-          <a:lstStyle/>
-          <a:p>
-            <a:pPr algn="l">
-              <a:lnSpc>
-                <a:spcPts val="3499"/>
-              </a:lnSpc>
-              <a:spcBef>
-                <a:spcPct val="0"/>
-              </a:spcBef>
-            </a:pPr>
-            <a:r>
-              <a:rPr lang="en-US" altLang="zh-TW" sz="4000" dirty="0" err="1">
-                <a:solidFill>
-                  <a:srgbClr val="000000"/>
-                </a:solidFill>
-                <a:latin typeface="Arimo Bold"/>
-                <a:ea typeface="Arimo Bold"/>
-                <a:cs typeface="Arimo Bold"/>
-                <a:sym typeface="Arimo Bold"/>
-              </a:rPr>
-              <a:t>bgr</a:t>
-            </a:r>
-            <a:r>
-              <a:rPr lang="en-US" sz="4000" dirty="0">
-                <a:solidFill>
-                  <a:srgbClr val="000000"/>
-                </a:solidFill>
-                <a:latin typeface="Arimo Bold"/>
-                <a:ea typeface="Arimo Bold"/>
-                <a:cs typeface="Arimo Bold"/>
-                <a:sym typeface="Arimo Bold"/>
-              </a:rPr>
-              <a:t>:  0.088</a:t>
-            </a:r>
-          </a:p>
-        </p:txBody>
-      </p:sp>
-      <p:sp>
-        <p:nvSpPr>
-          <p:cNvPr id="13" name="TextBox 9">
-            <a:extLst>
-              <a:ext uri="{FF2B5EF4-FFF2-40B4-BE49-F238E27FC236}">
-                <a16:creationId xmlns:a16="http://schemas.microsoft.com/office/drawing/2014/main" id="{D0364517-0620-A26C-1B74-81127C58CD39}"/>
-              </a:ext>
-            </a:extLst>
-          </p:cNvPr>
-          <p:cNvSpPr txBox="1"/>
-          <p:nvPr/>
-        </p:nvSpPr>
-        <p:spPr>
-          <a:xfrm>
-            <a:off x="11811000" y="8964544"/>
-            <a:ext cx="6157316" cy="453394"/>
-          </a:xfrm>
-          <a:prstGeom prst="rect">
-            <a:avLst/>
-          </a:prstGeom>
-        </p:spPr>
-        <p:txBody>
-          <a:bodyPr wrap="square" lIns="0" tIns="0" rIns="0" bIns="0" rtlCol="0" anchor="t">
-            <a:spAutoFit/>
-          </a:bodyPr>
-          <a:lstStyle/>
-          <a:p>
-            <a:pPr algn="l">
-              <a:lnSpc>
-                <a:spcPts val="3499"/>
-              </a:lnSpc>
-              <a:spcBef>
-                <a:spcPct val="0"/>
-              </a:spcBef>
-            </a:pPr>
-            <a:r>
-              <a:rPr lang="en-US" altLang="zh-TW" sz="4000" dirty="0" err="1">
-                <a:solidFill>
-                  <a:srgbClr val="000000"/>
-                </a:solidFill>
-                <a:latin typeface="Arimo Bold"/>
-                <a:ea typeface="Arimo Bold"/>
-                <a:cs typeface="Arimo Bold"/>
-                <a:sym typeface="Arimo Bold"/>
-              </a:rPr>
-              <a:t>sc</a:t>
-            </a:r>
-            <a:r>
-              <a:rPr lang="en-US" sz="4000" dirty="0">
-                <a:solidFill>
-                  <a:srgbClr val="000000"/>
-                </a:solidFill>
-                <a:latin typeface="Arimo Bold"/>
-                <a:ea typeface="Arimo Bold"/>
-                <a:cs typeface="Arimo Bold"/>
-                <a:sym typeface="Arimo Bold"/>
-              </a:rPr>
-              <a:t>:  0.081</a:t>
-            </a:r>
-          </a:p>
-        </p:txBody>
-      </p:sp>
-      <p:sp>
-        <p:nvSpPr>
-          <p:cNvPr id="6" name="TextBox 4">
-            <a:extLst>
-              <a:ext uri="{FF2B5EF4-FFF2-40B4-BE49-F238E27FC236}">
-                <a16:creationId xmlns:a16="http://schemas.microsoft.com/office/drawing/2014/main" id="{313AF073-18F0-6D15-2CE8-49C1FF777FF5}"/>
-              </a:ext>
-            </a:extLst>
-          </p:cNvPr>
-          <p:cNvSpPr txBox="1"/>
-          <p:nvPr/>
-        </p:nvSpPr>
-        <p:spPr>
-          <a:xfrm>
-            <a:off x="2742354" y="8393609"/>
-            <a:ext cx="7239000" cy="615553"/>
-          </a:xfrm>
-          <a:prstGeom prst="rect">
-            <a:avLst/>
-          </a:prstGeom>
-        </p:spPr>
-        <p:txBody>
-          <a:bodyPr wrap="square" lIns="0" tIns="0" rIns="0" bIns="0" rtlCol="0" anchor="t">
-            <a:spAutoFit/>
-          </a:bodyPr>
-          <a:lstStyle/>
-          <a:p>
-            <a:pPr>
-              <a:lnSpc>
-                <a:spcPts val="4750"/>
-              </a:lnSpc>
-            </a:pPr>
-            <a:r>
-              <a:rPr lang="en-US" sz="4800" dirty="0">
-                <a:solidFill>
-                  <a:srgbClr val="5B5F72"/>
-                </a:solidFill>
-                <a:latin typeface="Arimo Bold"/>
-                <a:ea typeface="Arimo Bold"/>
-                <a:cs typeface="Arimo Bold"/>
-                <a:sym typeface="Arimo Bold"/>
-              </a:rPr>
-              <a:t>Same factors:</a:t>
-            </a:r>
-          </a:p>
-        </p:txBody>
-      </p:sp>
-      <p:pic>
-        <p:nvPicPr>
-          <p:cNvPr id="14" name="圖片 13">
-            <a:extLst>
-              <a:ext uri="{FF2B5EF4-FFF2-40B4-BE49-F238E27FC236}">
-                <a16:creationId xmlns:a16="http://schemas.microsoft.com/office/drawing/2014/main" id="{B528F986-F6E4-9101-4879-87E419BC55CF}"/>
-              </a:ext>
-            </a:extLst>
-          </p:cNvPr>
-          <p:cNvPicPr>
-            <a:picLocks noChangeAspect="1"/>
-          </p:cNvPicPr>
-          <p:nvPr/>
-        </p:nvPicPr>
-        <p:blipFill rotWithShape="1">
-          <a:blip r:embed="rId5"/>
-          <a:srcRect t="19001" r="26800" b="15218"/>
-          <a:stretch/>
-        </p:blipFill>
-        <p:spPr>
-          <a:xfrm>
-            <a:off x="9676437" y="2441083"/>
-            <a:ext cx="8596796" cy="4285632"/>
+            <a:off x="2057400" y="2400298"/>
+            <a:ext cx="13716011" cy="5486404"/>
           </a:xfrm>
           <a:prstGeom prst="rect">
             <a:avLst/>
@@ -19279,7 +18978,7 @@
     </p:spTree>
     <p:extLst>
       <p:ext uri="{BB962C8B-B14F-4D97-AF65-F5344CB8AC3E}">
-        <p14:creationId xmlns:p14="http://schemas.microsoft.com/office/powerpoint/2010/main" val="2947347181"/>
+        <p14:creationId xmlns:p14="http://schemas.microsoft.com/office/powerpoint/2010/main" val="2454961724"/>
       </p:ext>
     </p:extLst>
   </p:cSld>
